--- a/SlideThuyetTrinh.pptx
+++ b/SlideThuyetTrinh.pptx
@@ -1,13 +1,43 @@
 
 <file path=ppt/presentation.xml><?xml version="1.0" encoding="utf-8"?>
-<p:presentation xmlns:a="http://schemas.openxmlformats.org/drawingml/2006/main" xmlns:r="http://schemas.openxmlformats.org/officeDocument/2006/relationships" xmlns:p="http://schemas.openxmlformats.org/presentationml/2006/main" saveSubsetFonts="1">
+<p:presentation xmlns:a="http://schemas.openxmlformats.org/drawingml/2006/main" xmlns:r="http://schemas.openxmlformats.org/officeDocument/2006/relationships" xmlns:p="http://schemas.openxmlformats.org/presentationml/2006/main">
   <p:sldMasterIdLst>
-    <p:sldMasterId id="2147483728" r:id="rId1"/>
+    <p:sldMasterId id="2147483648" r:id="rId1"/>
   </p:sldMasterIdLst>
+  <p:notesMasterIdLst>
+    <p:notesMasterId r:id="rId4"/>
+  </p:notesMasterIdLst>
+  <p:handoutMasterIdLst>
+    <p:handoutMasterId r:id="rId29"/>
+  </p:handoutMasterIdLst>
   <p:sldIdLst>
-    <p:sldId id="256" r:id="rId2"/>
+    <p:sldId id="256" r:id="rId3"/>
+    <p:sldId id="260" r:id="rId5"/>
+    <p:sldId id="261" r:id="rId6"/>
+    <p:sldId id="270" r:id="rId7"/>
+    <p:sldId id="271" r:id="rId8"/>
+    <p:sldId id="272" r:id="rId9"/>
+    <p:sldId id="273" r:id="rId10"/>
+    <p:sldId id="274" r:id="rId11"/>
+    <p:sldId id="275" r:id="rId12"/>
+    <p:sldId id="276" r:id="rId13"/>
+    <p:sldId id="277" r:id="rId14"/>
+    <p:sldId id="278" r:id="rId15"/>
+    <p:sldId id="279" r:id="rId16"/>
+    <p:sldId id="280" r:id="rId17"/>
+    <p:sldId id="281" r:id="rId18"/>
+    <p:sldId id="282" r:id="rId19"/>
+    <p:sldId id="283" r:id="rId20"/>
+    <p:sldId id="284" r:id="rId21"/>
+    <p:sldId id="285" r:id="rId22"/>
+    <p:sldId id="286" r:id="rId23"/>
+    <p:sldId id="262" r:id="rId24"/>
+    <p:sldId id="263" r:id="rId25"/>
+    <p:sldId id="264" r:id="rId26"/>
+    <p:sldId id="265" r:id="rId27"/>
+    <p:sldId id="266" r:id="rId28"/>
   </p:sldIdLst>
-  <p:sldSz cx="12192000" cy="6858000"/>
+  <p:sldSz cx="12192635" cy="6858000"/>
   <p:notesSz cx="6858000" cy="9144000"/>
   <p:defaultTextStyle>
     <a:defPPr>
@@ -107,8 +137,580 @@
 </p:presentation>
 </file>
 
+<file path=ppt/handoutMasters/handoutMaster1.xml><?xml version="1.0" encoding="utf-8"?>
+<p:handoutMaster xmlns:a="http://schemas.openxmlformats.org/drawingml/2006/main" xmlns:r="http://schemas.openxmlformats.org/officeDocument/2006/relationships" xmlns:p="http://schemas.openxmlformats.org/presentationml/2006/main">
+  <p:cSld>
+    <p:bg>
+      <p:bgRef idx="1001">
+        <a:schemeClr val="bg1"/>
+      </p:bgRef>
+    </p:bg>
+    <p:spTree>
+      <p:nvGrpSpPr>
+        <p:cNvPr id="1" name=""/>
+        <p:cNvGrpSpPr/>
+        <p:nvPr/>
+      </p:nvGrpSpPr>
+      <p:grpSpPr>
+        <a:xfrm>
+          <a:off x="0" y="0"/>
+          <a:ext cx="0" cy="0"/>
+          <a:chOff x="0" y="0"/>
+          <a:chExt cx="0" cy="0"/>
+        </a:xfrm>
+      </p:grpSpPr>
+      <p:sp>
+        <p:nvSpPr>
+          <p:cNvPr id="2" name="Header Placeholder 1"/>
+          <p:cNvSpPr>
+            <a:spLocks noGrp="1"/>
+          </p:cNvSpPr>
+          <p:nvPr>
+            <p:ph type="hdr" sz="quarter"/>
+          </p:nvPr>
+        </p:nvSpPr>
+        <p:spPr>
+          <a:xfrm>
+            <a:off x="0" y="0"/>
+            <a:ext cx="2971800" cy="458788"/>
+          </a:xfrm>
+          <a:prstGeom prst="rect">
+            <a:avLst/>
+          </a:prstGeom>
+        </p:spPr>
+        <p:txBody>
+          <a:bodyPr vert="horz" lIns="91440" tIns="45720" rIns="91440" bIns="45720" rtlCol="0"/>
+          <a:lstStyle>
+            <a:lvl1pPr algn="l">
+              <a:defRPr sz="1200"/>
+            </a:lvl1pPr>
+          </a:lstStyle>
+          <a:p>
+            <a:endParaRPr lang="en-US"/>
+          </a:p>
+        </p:txBody>
+      </p:sp>
+      <p:sp>
+        <p:nvSpPr>
+          <p:cNvPr id="3" name="Date Placeholder 2"/>
+          <p:cNvSpPr>
+            <a:spLocks noGrp="1"/>
+          </p:cNvSpPr>
+          <p:nvPr>
+            <p:ph type="dt" sz="quarter" idx="1"/>
+          </p:nvPr>
+        </p:nvSpPr>
+        <p:spPr>
+          <a:xfrm>
+            <a:off x="3884613" y="0"/>
+            <a:ext cx="2971800" cy="458788"/>
+          </a:xfrm>
+          <a:prstGeom prst="rect">
+            <a:avLst/>
+          </a:prstGeom>
+        </p:spPr>
+        <p:txBody>
+          <a:bodyPr vert="horz" lIns="91440" tIns="45720" rIns="91440" bIns="45720" rtlCol="0"/>
+          <a:lstStyle>
+            <a:lvl1pPr algn="r">
+              <a:defRPr sz="1200"/>
+            </a:lvl1pPr>
+          </a:lstStyle>
+          <a:p>
+            <a:fld id="{696C064A-D61B-4B21-B757-51A9B82445B8}" type="datetimeFigureOut">
+              <a:rPr lang="en-US" smtClean="0"/>
+            </a:fld>
+            <a:endParaRPr lang="en-US"/>
+          </a:p>
+        </p:txBody>
+      </p:sp>
+      <p:sp>
+        <p:nvSpPr>
+          <p:cNvPr id="4" name="Footer Placeholder 3"/>
+          <p:cNvSpPr>
+            <a:spLocks noGrp="1"/>
+          </p:cNvSpPr>
+          <p:nvPr>
+            <p:ph type="ftr" sz="quarter" idx="2"/>
+          </p:nvPr>
+        </p:nvSpPr>
+        <p:spPr>
+          <a:xfrm>
+            <a:off x="0" y="8685213"/>
+            <a:ext cx="2971800" cy="458787"/>
+          </a:xfrm>
+          <a:prstGeom prst="rect">
+            <a:avLst/>
+          </a:prstGeom>
+        </p:spPr>
+        <p:txBody>
+          <a:bodyPr vert="horz" lIns="91440" tIns="45720" rIns="91440" bIns="45720" rtlCol="0" anchor="b"/>
+          <a:lstStyle>
+            <a:lvl1pPr algn="l">
+              <a:defRPr sz="1200"/>
+            </a:lvl1pPr>
+          </a:lstStyle>
+          <a:p>
+            <a:endParaRPr lang="en-US"/>
+          </a:p>
+        </p:txBody>
+      </p:sp>
+      <p:sp>
+        <p:nvSpPr>
+          <p:cNvPr id="5" name="Slide Number Placeholder 4"/>
+          <p:cNvSpPr>
+            <a:spLocks noGrp="1"/>
+          </p:cNvSpPr>
+          <p:nvPr>
+            <p:ph type="sldNum" sz="quarter" idx="3"/>
+          </p:nvPr>
+        </p:nvSpPr>
+        <p:spPr>
+          <a:xfrm>
+            <a:off x="3884613" y="8685213"/>
+            <a:ext cx="2971800" cy="458787"/>
+          </a:xfrm>
+          <a:prstGeom prst="rect">
+            <a:avLst/>
+          </a:prstGeom>
+        </p:spPr>
+        <p:txBody>
+          <a:bodyPr vert="horz" lIns="91440" tIns="45720" rIns="91440" bIns="45720" rtlCol="0" anchor="b"/>
+          <a:lstStyle>
+            <a:lvl1pPr algn="r">
+              <a:defRPr sz="1200"/>
+            </a:lvl1pPr>
+          </a:lstStyle>
+          <a:p>
+            <a:fld id="{50305E07-67EA-4042-A3F6-853A8AD8D209}" type="slidenum">
+              <a:rPr lang="en-US" smtClean="0"/>
+            </a:fld>
+            <a:endParaRPr lang="en-US"/>
+          </a:p>
+        </p:txBody>
+      </p:sp>
+    </p:spTree>
+  </p:cSld>
+  <p:clrMap bg1="lt1" tx1="dk1" bg2="lt2" tx2="dk2" accent1="accent1" accent2="accent2" accent3="accent3" accent4="accent4" accent5="accent5" accent6="accent6" hlink="hlink" folHlink="folHlink"/>
+  <p:hf hdr="0" ftr="0" dt="0"/>
+</p:handoutMaster>
+</file>
+
+<file path=ppt/notesMasters/notesMaster1.xml><?xml version="1.0" encoding="utf-8"?>
+<p:notesMaster xmlns:a="http://schemas.openxmlformats.org/drawingml/2006/main" xmlns:r="http://schemas.openxmlformats.org/officeDocument/2006/relationships" xmlns:p="http://schemas.openxmlformats.org/presentationml/2006/main">
+  <p:cSld>
+    <p:bg>
+      <p:bgRef idx="1001">
+        <a:schemeClr val="bg1"/>
+      </p:bgRef>
+    </p:bg>
+    <p:spTree>
+      <p:nvGrpSpPr>
+        <p:cNvPr id="1" name=""/>
+        <p:cNvGrpSpPr/>
+        <p:nvPr/>
+      </p:nvGrpSpPr>
+      <p:grpSpPr>
+        <a:xfrm>
+          <a:off x="0" y="0"/>
+          <a:ext cx="0" cy="0"/>
+          <a:chOff x="0" y="0"/>
+          <a:chExt cx="0" cy="0"/>
+        </a:xfrm>
+      </p:grpSpPr>
+      <p:sp>
+        <p:nvSpPr>
+          <p:cNvPr id="2" name="Header Placeholder 1"/>
+          <p:cNvSpPr>
+            <a:spLocks noGrp="1"/>
+          </p:cNvSpPr>
+          <p:nvPr>
+            <p:ph type="hdr" sz="quarter"/>
+          </p:nvPr>
+        </p:nvSpPr>
+        <p:spPr>
+          <a:xfrm>
+            <a:off x="0" y="0"/>
+            <a:ext cx="2971800" cy="458788"/>
+          </a:xfrm>
+          <a:prstGeom prst="rect">
+            <a:avLst/>
+          </a:prstGeom>
+        </p:spPr>
+        <p:txBody>
+          <a:bodyPr vert="horz" lIns="91440" tIns="45720" rIns="91440" bIns="45720" rtlCol="0"/>
+          <a:lstStyle>
+            <a:lvl1pPr algn="l">
+              <a:defRPr sz="1200"/>
+            </a:lvl1pPr>
+          </a:lstStyle>
+          <a:p>
+            <a:endParaRPr lang="en-US"/>
+          </a:p>
+        </p:txBody>
+      </p:sp>
+      <p:sp>
+        <p:nvSpPr>
+          <p:cNvPr id="3" name="Date Placeholder 2"/>
+          <p:cNvSpPr>
+            <a:spLocks noGrp="1"/>
+          </p:cNvSpPr>
+          <p:nvPr>
+            <p:ph type="dt" idx="1"/>
+          </p:nvPr>
+        </p:nvSpPr>
+        <p:spPr>
+          <a:xfrm>
+            <a:off x="3884613" y="0"/>
+            <a:ext cx="2971800" cy="458788"/>
+          </a:xfrm>
+          <a:prstGeom prst="rect">
+            <a:avLst/>
+          </a:prstGeom>
+        </p:spPr>
+        <p:txBody>
+          <a:bodyPr vert="horz" lIns="91440" tIns="45720" rIns="91440" bIns="45720" rtlCol="0"/>
+          <a:lstStyle>
+            <a:lvl1pPr algn="r">
+              <a:defRPr sz="1200"/>
+            </a:lvl1pPr>
+          </a:lstStyle>
+          <a:p>
+            <a:fld id="{3EFD42F7-718C-4B98-AAEC-167E6DDD60A7}" type="datetimeFigureOut">
+              <a:rPr lang="en-US" smtClean="0"/>
+            </a:fld>
+            <a:endParaRPr lang="en-US"/>
+          </a:p>
+        </p:txBody>
+      </p:sp>
+      <p:sp>
+        <p:nvSpPr>
+          <p:cNvPr id="4" name="Slide Image Placeholder 3"/>
+          <p:cNvSpPr>
+            <a:spLocks noGrp="1" noRot="1" noChangeAspect="1"/>
+          </p:cNvSpPr>
+          <p:nvPr>
+            <p:ph type="sldImg" idx="2"/>
+          </p:nvPr>
+        </p:nvSpPr>
+        <p:spPr>
+          <a:xfrm>
+            <a:off x="685530" y="1143000"/>
+            <a:ext cx="5486940" cy="3086100"/>
+          </a:xfrm>
+          <a:prstGeom prst="rect">
+            <a:avLst/>
+          </a:prstGeom>
+          <a:noFill/>
+          <a:ln w="12700">
+            <a:solidFill>
+              <a:prstClr val="black"/>
+            </a:solidFill>
+          </a:ln>
+        </p:spPr>
+        <p:txBody>
+          <a:bodyPr vert="horz" lIns="91440" tIns="45720" rIns="91440" bIns="45720" rtlCol="0" anchor="ctr"/>
+          <a:lstStyle/>
+          <a:p>
+            <a:endParaRPr lang="en-US"/>
+          </a:p>
+        </p:txBody>
+      </p:sp>
+      <p:sp>
+        <p:nvSpPr>
+          <p:cNvPr id="5" name="Notes Placeholder 4"/>
+          <p:cNvSpPr>
+            <a:spLocks noGrp="1"/>
+          </p:cNvSpPr>
+          <p:nvPr>
+            <p:ph type="body" sz="quarter" idx="3"/>
+          </p:nvPr>
+        </p:nvSpPr>
+        <p:spPr>
+          <a:xfrm>
+            <a:off x="685800" y="4400550"/>
+            <a:ext cx="5486400" cy="3600450"/>
+          </a:xfrm>
+          <a:prstGeom prst="rect">
+            <a:avLst/>
+          </a:prstGeom>
+        </p:spPr>
+        <p:txBody>
+          <a:bodyPr vert="horz" lIns="91440" tIns="45720" rIns="91440" bIns="45720" rtlCol="0"/>
+          <a:lstStyle/>
+          <a:p>
+            <a:pPr lvl="0"/>
+            <a:r>
+              <a:rPr lang="en-US" smtClean="0"/>
+              <a:t>Click to edit Master text styles</a:t>
+            </a:r>
+            <a:endParaRPr lang="en-US" smtClean="0"/>
+          </a:p>
+          <a:p>
+            <a:pPr lvl="1"/>
+            <a:r>
+              <a:rPr lang="en-US" smtClean="0"/>
+              <a:t>Second level</a:t>
+            </a:r>
+            <a:endParaRPr lang="en-US" smtClean="0"/>
+          </a:p>
+          <a:p>
+            <a:pPr lvl="2"/>
+            <a:r>
+              <a:rPr lang="en-US" smtClean="0"/>
+              <a:t>Third level</a:t>
+            </a:r>
+            <a:endParaRPr lang="en-US" smtClean="0"/>
+          </a:p>
+          <a:p>
+            <a:pPr lvl="3"/>
+            <a:r>
+              <a:rPr lang="en-US" smtClean="0"/>
+              <a:t>Fourth level</a:t>
+            </a:r>
+            <a:endParaRPr lang="en-US" smtClean="0"/>
+          </a:p>
+          <a:p>
+            <a:pPr lvl="4"/>
+            <a:r>
+              <a:rPr lang="en-US" smtClean="0"/>
+              <a:t>Fifth level</a:t>
+            </a:r>
+            <a:endParaRPr lang="en-US"/>
+          </a:p>
+        </p:txBody>
+      </p:sp>
+      <p:sp>
+        <p:nvSpPr>
+          <p:cNvPr id="6" name="Footer Placeholder 5"/>
+          <p:cNvSpPr>
+            <a:spLocks noGrp="1"/>
+          </p:cNvSpPr>
+          <p:nvPr>
+            <p:ph type="ftr" sz="quarter" idx="4"/>
+          </p:nvPr>
+        </p:nvSpPr>
+        <p:spPr>
+          <a:xfrm>
+            <a:off x="0" y="8685213"/>
+            <a:ext cx="2971800" cy="458787"/>
+          </a:xfrm>
+          <a:prstGeom prst="rect">
+            <a:avLst/>
+          </a:prstGeom>
+        </p:spPr>
+        <p:txBody>
+          <a:bodyPr vert="horz" lIns="91440" tIns="45720" rIns="91440" bIns="45720" rtlCol="0" anchor="b"/>
+          <a:lstStyle>
+            <a:lvl1pPr algn="l">
+              <a:defRPr sz="1200"/>
+            </a:lvl1pPr>
+          </a:lstStyle>
+          <a:p>
+            <a:endParaRPr lang="en-US"/>
+          </a:p>
+        </p:txBody>
+      </p:sp>
+      <p:sp>
+        <p:nvSpPr>
+          <p:cNvPr id="7" name="Slide Number Placeholder 6"/>
+          <p:cNvSpPr>
+            <a:spLocks noGrp="1"/>
+          </p:cNvSpPr>
+          <p:nvPr>
+            <p:ph type="sldNum" sz="quarter" idx="5"/>
+          </p:nvPr>
+        </p:nvSpPr>
+        <p:spPr>
+          <a:xfrm>
+            <a:off x="3884613" y="8685213"/>
+            <a:ext cx="2971800" cy="458787"/>
+          </a:xfrm>
+          <a:prstGeom prst="rect">
+            <a:avLst/>
+          </a:prstGeom>
+        </p:spPr>
+        <p:txBody>
+          <a:bodyPr vert="horz" lIns="91440" tIns="45720" rIns="91440" bIns="45720" rtlCol="0" anchor="b"/>
+          <a:lstStyle>
+            <a:lvl1pPr algn="r">
+              <a:defRPr sz="1200"/>
+            </a:lvl1pPr>
+          </a:lstStyle>
+          <a:p>
+            <a:fld id="{21B2AA4F-B828-4D7C-AFD3-893933DAFCB4}" type="slidenum">
+              <a:rPr lang="en-US" smtClean="0"/>
+            </a:fld>
+            <a:endParaRPr lang="en-US"/>
+          </a:p>
+        </p:txBody>
+      </p:sp>
+    </p:spTree>
+  </p:cSld>
+  <p:clrMap bg1="lt1" tx1="dk1" bg2="lt2" tx2="dk2" accent1="accent1" accent2="accent2" accent3="accent3" accent4="accent4" accent5="accent5" accent6="accent6" hlink="hlink" folHlink="folHlink"/>
+  <p:hf hdr="0" ftr="0" dt="0"/>
+  <p:notesStyle>
+    <a:lvl1pPr marL="0" algn="l" defTabSz="914400" rtl="0" eaLnBrk="1" latinLnBrk="0" hangingPunct="1">
+      <a:defRPr sz="1200" kern="1200">
+        <a:solidFill>
+          <a:schemeClr val="tx1"/>
+        </a:solidFill>
+        <a:latin typeface="+mn-lt"/>
+        <a:ea typeface="+mn-ea"/>
+        <a:cs typeface="+mn-cs"/>
+      </a:defRPr>
+    </a:lvl1pPr>
+    <a:lvl2pPr marL="457200" algn="l" defTabSz="914400" rtl="0" eaLnBrk="1" latinLnBrk="0" hangingPunct="1">
+      <a:defRPr sz="1200" kern="1200">
+        <a:solidFill>
+          <a:schemeClr val="tx1"/>
+        </a:solidFill>
+        <a:latin typeface="+mn-lt"/>
+        <a:ea typeface="+mn-ea"/>
+        <a:cs typeface="+mn-cs"/>
+      </a:defRPr>
+    </a:lvl2pPr>
+    <a:lvl3pPr marL="914400" algn="l" defTabSz="914400" rtl="0" eaLnBrk="1" latinLnBrk="0" hangingPunct="1">
+      <a:defRPr sz="1200" kern="1200">
+        <a:solidFill>
+          <a:schemeClr val="tx1"/>
+        </a:solidFill>
+        <a:latin typeface="+mn-lt"/>
+        <a:ea typeface="+mn-ea"/>
+        <a:cs typeface="+mn-cs"/>
+      </a:defRPr>
+    </a:lvl3pPr>
+    <a:lvl4pPr marL="1371600" algn="l" defTabSz="914400" rtl="0" eaLnBrk="1" latinLnBrk="0" hangingPunct="1">
+      <a:defRPr sz="1200" kern="1200">
+        <a:solidFill>
+          <a:schemeClr val="tx1"/>
+        </a:solidFill>
+        <a:latin typeface="+mn-lt"/>
+        <a:ea typeface="+mn-ea"/>
+        <a:cs typeface="+mn-cs"/>
+      </a:defRPr>
+    </a:lvl4pPr>
+    <a:lvl5pPr marL="1828800" algn="l" defTabSz="914400" rtl="0" eaLnBrk="1" latinLnBrk="0" hangingPunct="1">
+      <a:defRPr sz="1200" kern="1200">
+        <a:solidFill>
+          <a:schemeClr val="tx1"/>
+        </a:solidFill>
+        <a:latin typeface="+mn-lt"/>
+        <a:ea typeface="+mn-ea"/>
+        <a:cs typeface="+mn-cs"/>
+      </a:defRPr>
+    </a:lvl5pPr>
+    <a:lvl6pPr marL="2286000" algn="l" defTabSz="914400" rtl="0" eaLnBrk="1" latinLnBrk="0" hangingPunct="1">
+      <a:defRPr sz="1200" kern="1200">
+        <a:solidFill>
+          <a:schemeClr val="tx1"/>
+        </a:solidFill>
+        <a:latin typeface="+mn-lt"/>
+        <a:ea typeface="+mn-ea"/>
+        <a:cs typeface="+mn-cs"/>
+      </a:defRPr>
+    </a:lvl6pPr>
+    <a:lvl7pPr marL="2743200" algn="l" defTabSz="914400" rtl="0" eaLnBrk="1" latinLnBrk="0" hangingPunct="1">
+      <a:defRPr sz="1200" kern="1200">
+        <a:solidFill>
+          <a:schemeClr val="tx1"/>
+        </a:solidFill>
+        <a:latin typeface="+mn-lt"/>
+        <a:ea typeface="+mn-ea"/>
+        <a:cs typeface="+mn-cs"/>
+      </a:defRPr>
+    </a:lvl7pPr>
+    <a:lvl8pPr marL="3200400" algn="l" defTabSz="914400" rtl="0" eaLnBrk="1" latinLnBrk="0" hangingPunct="1">
+      <a:defRPr sz="1200" kern="1200">
+        <a:solidFill>
+          <a:schemeClr val="tx1"/>
+        </a:solidFill>
+        <a:latin typeface="+mn-lt"/>
+        <a:ea typeface="+mn-ea"/>
+        <a:cs typeface="+mn-cs"/>
+      </a:defRPr>
+    </a:lvl8pPr>
+    <a:lvl9pPr marL="3657600" algn="l" defTabSz="914400" rtl="0" eaLnBrk="1" latinLnBrk="0" hangingPunct="1">
+      <a:defRPr sz="1200" kern="1200">
+        <a:solidFill>
+          <a:schemeClr val="tx1"/>
+        </a:solidFill>
+        <a:latin typeface="+mn-lt"/>
+        <a:ea typeface="+mn-ea"/>
+        <a:cs typeface="+mn-cs"/>
+      </a:defRPr>
+    </a:lvl9pPr>
+  </p:notesStyle>
+</p:notesMaster>
+</file>
+
+<file path=ppt/notesSlides/notesSlide1.xml><?xml version="1.0" encoding="utf-8"?>
+<p:notes xmlns:a="http://schemas.openxmlformats.org/drawingml/2006/main" xmlns:r="http://schemas.openxmlformats.org/officeDocument/2006/relationships" xmlns:p="http://schemas.openxmlformats.org/presentationml/2006/main">
+  <p:cSld>
+    <p:spTree>
+      <p:nvGrpSpPr>
+        <p:cNvPr id="1" name=""/>
+        <p:cNvGrpSpPr/>
+        <p:nvPr/>
+      </p:nvGrpSpPr>
+      <p:grpSpPr/>
+      <p:sp>
+        <p:nvSpPr>
+          <p:cNvPr id="2" name="Slide Image Placeholder 1"/>
+          <p:cNvSpPr/>
+          <p:nvPr>
+            <p:ph type="sldImg" idx="2"/>
+          </p:nvPr>
+        </p:nvSpPr>
+        <p:spPr/>
+      </p:sp>
+      <p:sp>
+        <p:nvSpPr>
+          <p:cNvPr id="3" name="Text Placeholder 2"/>
+          <p:cNvSpPr/>
+          <p:nvPr>
+            <p:ph type="body" idx="3"/>
+          </p:nvPr>
+        </p:nvSpPr>
+        <p:spPr/>
+        <p:txBody>
+          <a:bodyPr/>
+          <a:p>
+            <a:endParaRPr lang="en-US"/>
+          </a:p>
+        </p:txBody>
+      </p:sp>
+      <p:sp>
+        <p:nvSpPr>
+          <p:cNvPr id="4" name="Slide Number Placeholder 3"/>
+          <p:cNvSpPr>
+            <a:spLocks noGrp="1"/>
+          </p:cNvSpPr>
+          <p:nvPr>
+            <p:ph type="sldNum" sz="quarter" idx="5"/>
+          </p:nvPr>
+        </p:nvSpPr>
+        <p:spPr/>
+        <p:txBody>
+          <a:bodyPr/>
+          <a:p>
+            <a:fld id="{21B2AA4F-B828-4D7C-AFD3-893933DAFCB4}" type="slidenum">
+              <a:rPr lang="en-US" smtClean="0"/>
+            </a:fld>
+            <a:endParaRPr lang="en-US"/>
+          </a:p>
+        </p:txBody>
+      </p:sp>
+    </p:spTree>
+  </p:cSld>
+  <p:clrMapOvr>
+    <a:masterClrMapping/>
+  </p:clrMapOvr>
+</p:notes>
+</file>
+
 <file path=ppt/slideLayouts/slideLayout1.xml><?xml version="1.0" encoding="utf-8"?>
-<p:sldLayout xmlns:a="http://schemas.openxmlformats.org/drawingml/2006/main" xmlns:r="http://schemas.openxmlformats.org/officeDocument/2006/relationships" xmlns:p="http://schemas.openxmlformats.org/presentationml/2006/main" showMasterSp="0" type="title" preserve="1">
+<p:sldLayout xmlns:a="http://schemas.openxmlformats.org/drawingml/2006/main" xmlns:r="http://schemas.openxmlformats.org/officeDocument/2006/relationships" xmlns:p="http://schemas.openxmlformats.org/presentationml/2006/main" type="title" preserve="1" showMasterSp="0">
   <p:cSld name="Title Slide">
     <p:spTree>
       <p:nvGrpSpPr>
@@ -133,7 +735,7 @@
         <p:grpSpPr>
           <a:xfrm>
             <a:off x="0" y="-8467"/>
-            <a:ext cx="12192000" cy="6866467"/>
+            <a:ext cx="12193201" cy="6866467"/>
             <a:chOff x="0" y="-8467"/>
             <a:chExt cx="12192000" cy="6866467"/>
           </a:xfrm>
@@ -689,8 +1291,8 @@
         </p:nvSpPr>
         <p:spPr>
           <a:xfrm>
-            <a:off x="1507067" y="2404534"/>
-            <a:ext cx="7766936" cy="1646302"/>
+            <a:off x="1507215" y="2404534"/>
+            <a:ext cx="7767701" cy="1646302"/>
           </a:xfrm>
         </p:spPr>
         <p:txBody>
@@ -727,8 +1329,8 @@
         </p:nvSpPr>
         <p:spPr>
           <a:xfrm>
-            <a:off x="1507067" y="4050833"/>
-            <a:ext cx="7766936" cy="1096899"/>
+            <a:off x="1507215" y="4050833"/>
+            <a:ext cx="7767701" cy="1096899"/>
           </a:xfrm>
         </p:spPr>
         <p:txBody>
@@ -852,7 +1454,6 @@
           <a:p>
             <a:fld id="{A45A6AB0-EECB-459C-B186-FE7C7E45614E}" type="datetimeFigureOut">
               <a:rPr lang="en-US" smtClean="0"/>
-              <a:t>7/2/2020</a:t>
             </a:fld>
             <a:endParaRPr lang="en-US"/>
           </a:p>
@@ -873,6 +1474,10 @@
           <a:bodyPr/>
           <a:lstStyle/>
           <a:p>
+            <a:r>
+              <a:rPr lang="en-US"/>
+              <a:t>ỨNG DỤNG QUẢN LÝ TÀI CHÍNH CÁ NHÂN CHO SINH VIÊN TRÊN THIẾT BỊ DI ĐỘNG</a:t>
+            </a:r>
             <a:endParaRPr lang="en-US"/>
           </a:p>
         </p:txBody>
@@ -894,22 +1499,17 @@
           <a:p>
             <a:fld id="{238EE17F-B177-49C4-82EF-15EF1185C18A}" type="slidenum">
               <a:rPr lang="en-US" smtClean="0"/>
-              <a:t>‹#›</a:t>
             </a:fld>
             <a:endParaRPr lang="en-US"/>
           </a:p>
         </p:txBody>
       </p:sp>
     </p:spTree>
-    <p:extLst>
-      <p:ext uri="{BB962C8B-B14F-4D97-AF65-F5344CB8AC3E}">
-        <p14:creationId xmlns:p14="http://schemas.microsoft.com/office/powerpoint/2010/main" val="428186108"/>
-      </p:ext>
-    </p:extLst>
   </p:cSld>
   <p:clrMapOvr>
     <a:masterClrMapping/>
   </p:clrMapOvr>
+  <p:hf hdr="0" dt="0"/>
 </p:sldLayout>
 </file>
 
@@ -942,8 +1542,8 @@
         </p:nvSpPr>
         <p:spPr>
           <a:xfrm>
-            <a:off x="677335" y="609600"/>
-            <a:ext cx="8596668" cy="3403600"/>
+            <a:off x="677402" y="609600"/>
+            <a:ext cx="8597515" cy="3403600"/>
           </a:xfrm>
         </p:spPr>
         <p:txBody>
@@ -976,8 +1576,8 @@
         </p:nvSpPr>
         <p:spPr>
           <a:xfrm>
-            <a:off x="677335" y="4470400"/>
-            <a:ext cx="8596668" cy="1570962"/>
+            <a:off x="677402" y="4470400"/>
+            <a:ext cx="8597515" cy="1570962"/>
           </a:xfrm>
         </p:spPr>
         <p:txBody>
@@ -1083,6 +1683,7 @@
               <a:rPr lang="en-US"/>
               <a:t>Click to edit Master text styles</a:t>
             </a:r>
+            <a:endParaRPr lang="en-US"/>
           </a:p>
         </p:txBody>
       </p:sp>
@@ -1103,7 +1704,6 @@
           <a:p>
             <a:fld id="{A45A6AB0-EECB-459C-B186-FE7C7E45614E}" type="datetimeFigureOut">
               <a:rPr lang="en-US" smtClean="0"/>
-              <a:t>7/2/2020</a:t>
             </a:fld>
             <a:endParaRPr lang="en-US"/>
           </a:p>
@@ -1124,6 +1724,10 @@
           <a:bodyPr/>
           <a:lstStyle/>
           <a:p>
+            <a:r>
+              <a:rPr lang="en-US"/>
+              <a:t>ỨNG DỤNG QUẢN LÝ TÀI CHÍNH CÁ NHÂN CHO SINH VIÊN TRÊN THIẾT BỊ DI ĐỘNG</a:t>
+            </a:r>
             <a:endParaRPr lang="en-US"/>
           </a:p>
         </p:txBody>
@@ -1145,22 +1749,17 @@
           <a:p>
             <a:fld id="{238EE17F-B177-49C4-82EF-15EF1185C18A}" type="slidenum">
               <a:rPr lang="en-US" smtClean="0"/>
-              <a:t>‹#›</a:t>
             </a:fld>
             <a:endParaRPr lang="en-US"/>
           </a:p>
         </p:txBody>
       </p:sp>
     </p:spTree>
-    <p:extLst>
-      <p:ext uri="{BB962C8B-B14F-4D97-AF65-F5344CB8AC3E}">
-        <p14:creationId xmlns:p14="http://schemas.microsoft.com/office/powerpoint/2010/main" val="4280035123"/>
-      </p:ext>
-    </p:extLst>
   </p:cSld>
   <p:clrMapOvr>
     <a:masterClrMapping/>
   </p:clrMapOvr>
+  <p:hf hdr="0" dt="0"/>
 </p:sldLayout>
 </file>
 
@@ -1193,8 +1792,8 @@
         </p:nvSpPr>
         <p:spPr>
           <a:xfrm>
-            <a:off x="931334" y="609600"/>
-            <a:ext cx="8094134" cy="3022600"/>
+            <a:off x="931426" y="609600"/>
+            <a:ext cx="8094931" cy="3022600"/>
           </a:xfrm>
         </p:spPr>
         <p:txBody>
@@ -1227,8 +1826,8 @@
         </p:nvSpPr>
         <p:spPr>
           <a:xfrm>
-            <a:off x="1366139" y="3632200"/>
-            <a:ext cx="7224524" cy="381000"/>
+            <a:off x="1366274" y="3632200"/>
+            <a:ext cx="7225235" cy="381000"/>
           </a:xfrm>
         </p:spPr>
         <p:txBody>
@@ -1275,6 +1874,7 @@
               <a:rPr lang="en-US"/>
               <a:t>Click to edit Master text styles</a:t>
             </a:r>
+            <a:endParaRPr lang="en-US"/>
           </a:p>
         </p:txBody>
       </p:sp>
@@ -1290,8 +1890,8 @@
         </p:nvSpPr>
         <p:spPr>
           <a:xfrm>
-            <a:off x="677335" y="4470400"/>
-            <a:ext cx="8596668" cy="1570962"/>
+            <a:off x="677402" y="4470400"/>
+            <a:ext cx="8597515" cy="1570962"/>
           </a:xfrm>
         </p:spPr>
         <p:txBody>
@@ -1397,6 +1997,7 @@
               <a:rPr lang="en-US"/>
               <a:t>Click to edit Master text styles</a:t>
             </a:r>
+            <a:endParaRPr lang="en-US"/>
           </a:p>
         </p:txBody>
       </p:sp>
@@ -1417,7 +2018,6 @@
           <a:p>
             <a:fld id="{A45A6AB0-EECB-459C-B186-FE7C7E45614E}" type="datetimeFigureOut">
               <a:rPr lang="en-US" smtClean="0"/>
-              <a:t>7/2/2020</a:t>
             </a:fld>
             <a:endParaRPr lang="en-US"/>
           </a:p>
@@ -1438,6 +2038,10 @@
           <a:bodyPr/>
           <a:lstStyle/>
           <a:p>
+            <a:r>
+              <a:rPr lang="en-US"/>
+              <a:t>ỨNG DỤNG QUẢN LÝ TÀI CHÍNH CÁ NHÂN CHO SINH VIÊN TRÊN THIẾT BỊ DI ĐỘNG</a:t>
+            </a:r>
             <a:endParaRPr lang="en-US"/>
           </a:p>
         </p:txBody>
@@ -1459,7 +2063,6 @@
           <a:p>
             <a:fld id="{238EE17F-B177-49C4-82EF-15EF1185C18A}" type="slidenum">
               <a:rPr lang="en-US" smtClean="0"/>
-              <a:t>‹#›</a:t>
             </a:fld>
             <a:endParaRPr lang="en-US"/>
           </a:p>
@@ -1473,8 +2076,8 @@
         </p:nvSpPr>
         <p:spPr>
           <a:xfrm>
-            <a:off x="541870" y="790378"/>
-            <a:ext cx="609600" cy="584776"/>
+            <a:off x="541923" y="790378"/>
+            <a:ext cx="609660" cy="584776"/>
           </a:xfrm>
           <a:prstGeom prst="rect">
             <a:avLst/>
@@ -1499,10 +2102,23 @@
                   </a:schemeClr>
                 </a:solidFill>
                 <a:effectLst/>
-                <a:latin typeface="Arial"/>
+                <a:latin typeface="Arial" panose="020B0604020202020204"/>
               </a:rPr>
               <a:t>“</a:t>
             </a:r>
+            <a:endParaRPr lang="en-US" sz="8000" baseline="0" dirty="0">
+              <a:ln w="3175" cmpd="sng">
+                <a:noFill/>
+              </a:ln>
+              <a:solidFill>
+                <a:schemeClr val="accent1">
+                  <a:lumMod val="60000"/>
+                  <a:lumOff val="40000"/>
+                </a:schemeClr>
+              </a:solidFill>
+              <a:effectLst/>
+              <a:latin typeface="Arial" panose="020B0604020202020204"/>
+            </a:endParaRPr>
           </a:p>
         </p:txBody>
       </p:sp>
@@ -1514,8 +2130,8 @@
         </p:nvSpPr>
         <p:spPr>
           <a:xfrm>
-            <a:off x="8893011" y="2886556"/>
-            <a:ext cx="609600" cy="584776"/>
+            <a:off x="8893887" y="2886556"/>
+            <a:ext cx="609660" cy="584776"/>
           </a:xfrm>
           <a:prstGeom prst="rect">
             <a:avLst/>
@@ -1540,23 +2156,32 @@
                   </a:schemeClr>
                 </a:solidFill>
                 <a:effectLst/>
-                <a:latin typeface="Arial"/>
+                <a:latin typeface="Arial" panose="020B0604020202020204"/>
               </a:rPr>
               <a:t>”</a:t>
             </a:r>
+            <a:endParaRPr lang="en-US" sz="8000" baseline="0" dirty="0">
+              <a:ln w="3175" cmpd="sng">
+                <a:noFill/>
+              </a:ln>
+              <a:solidFill>
+                <a:schemeClr val="accent1">
+                  <a:lumMod val="60000"/>
+                  <a:lumOff val="40000"/>
+                </a:schemeClr>
+              </a:solidFill>
+              <a:effectLst/>
+              <a:latin typeface="Arial" panose="020B0604020202020204"/>
+            </a:endParaRPr>
           </a:p>
         </p:txBody>
       </p:sp>
     </p:spTree>
-    <p:extLst>
-      <p:ext uri="{BB962C8B-B14F-4D97-AF65-F5344CB8AC3E}">
-        <p14:creationId xmlns:p14="http://schemas.microsoft.com/office/powerpoint/2010/main" val="1170370268"/>
-      </p:ext>
-    </p:extLst>
   </p:cSld>
   <p:clrMapOvr>
     <a:masterClrMapping/>
   </p:clrMapOvr>
+  <p:hf hdr="0" dt="0"/>
 </p:sldLayout>
 </file>
 
@@ -1589,8 +2214,8 @@
         </p:nvSpPr>
         <p:spPr>
           <a:xfrm>
-            <a:off x="677335" y="1931988"/>
-            <a:ext cx="8596668" cy="2595460"/>
+            <a:off x="677402" y="1931988"/>
+            <a:ext cx="8597515" cy="2595460"/>
           </a:xfrm>
         </p:spPr>
         <p:txBody>
@@ -1623,8 +2248,8 @@
         </p:nvSpPr>
         <p:spPr>
           <a:xfrm>
-            <a:off x="677335" y="4527448"/>
-            <a:ext cx="8596668" cy="1513914"/>
+            <a:off x="677402" y="4527448"/>
+            <a:ext cx="8597515" cy="1513914"/>
           </a:xfrm>
         </p:spPr>
         <p:txBody>
@@ -1730,6 +2355,7 @@
               <a:rPr lang="en-US"/>
               <a:t>Click to edit Master text styles</a:t>
             </a:r>
+            <a:endParaRPr lang="en-US"/>
           </a:p>
         </p:txBody>
       </p:sp>
@@ -1750,7 +2376,6 @@
           <a:p>
             <a:fld id="{A45A6AB0-EECB-459C-B186-FE7C7E45614E}" type="datetimeFigureOut">
               <a:rPr lang="en-US" smtClean="0"/>
-              <a:t>7/2/2020</a:t>
             </a:fld>
             <a:endParaRPr lang="en-US"/>
           </a:p>
@@ -1771,6 +2396,10 @@
           <a:bodyPr/>
           <a:lstStyle/>
           <a:p>
+            <a:r>
+              <a:rPr lang="en-US"/>
+              <a:t>ỨNG DỤNG QUẢN LÝ TÀI CHÍNH CÁ NHÂN CHO SINH VIÊN TRÊN THIẾT BỊ DI ĐỘNG</a:t>
+            </a:r>
             <a:endParaRPr lang="en-US"/>
           </a:p>
         </p:txBody>
@@ -1792,22 +2421,17 @@
           <a:p>
             <a:fld id="{238EE17F-B177-49C4-82EF-15EF1185C18A}" type="slidenum">
               <a:rPr lang="en-US" smtClean="0"/>
-              <a:t>‹#›</a:t>
             </a:fld>
             <a:endParaRPr lang="en-US"/>
           </a:p>
         </p:txBody>
       </p:sp>
     </p:spTree>
-    <p:extLst>
-      <p:ext uri="{BB962C8B-B14F-4D97-AF65-F5344CB8AC3E}">
-        <p14:creationId xmlns:p14="http://schemas.microsoft.com/office/powerpoint/2010/main" val="3205625881"/>
-      </p:ext>
-    </p:extLst>
   </p:cSld>
   <p:clrMapOvr>
     <a:masterClrMapping/>
   </p:clrMapOvr>
+  <p:hf hdr="0" dt="0"/>
 </p:sldLayout>
 </file>
 
@@ -1840,8 +2464,8 @@
         </p:nvSpPr>
         <p:spPr>
           <a:xfrm>
-            <a:off x="931334" y="609600"/>
-            <a:ext cx="8094134" cy="3022600"/>
+            <a:off x="931426" y="609600"/>
+            <a:ext cx="8094931" cy="3022600"/>
           </a:xfrm>
         </p:spPr>
         <p:txBody>
@@ -1874,8 +2498,8 @@
         </p:nvSpPr>
         <p:spPr>
           <a:xfrm>
-            <a:off x="677332" y="4013200"/>
-            <a:ext cx="8596669" cy="514248"/>
+            <a:off x="677399" y="4013200"/>
+            <a:ext cx="8597516" cy="514248"/>
           </a:xfrm>
         </p:spPr>
         <p:txBody>
@@ -1922,6 +2546,7 @@
               <a:rPr lang="en-US"/>
               <a:t>Click to edit Master text styles</a:t>
             </a:r>
+            <a:endParaRPr lang="en-US"/>
           </a:p>
         </p:txBody>
       </p:sp>
@@ -1937,8 +2562,8 @@
         </p:nvSpPr>
         <p:spPr>
           <a:xfrm>
-            <a:off x="677335" y="4527448"/>
-            <a:ext cx="8596668" cy="1513914"/>
+            <a:off x="677402" y="4527448"/>
+            <a:ext cx="8597515" cy="1513914"/>
           </a:xfrm>
         </p:spPr>
         <p:txBody>
@@ -2044,6 +2669,7 @@
               <a:rPr lang="en-US"/>
               <a:t>Click to edit Master text styles</a:t>
             </a:r>
+            <a:endParaRPr lang="en-US"/>
           </a:p>
         </p:txBody>
       </p:sp>
@@ -2064,7 +2690,6 @@
           <a:p>
             <a:fld id="{A45A6AB0-EECB-459C-B186-FE7C7E45614E}" type="datetimeFigureOut">
               <a:rPr lang="en-US" smtClean="0"/>
-              <a:t>7/2/2020</a:t>
             </a:fld>
             <a:endParaRPr lang="en-US"/>
           </a:p>
@@ -2085,6 +2710,10 @@
           <a:bodyPr/>
           <a:lstStyle/>
           <a:p>
+            <a:r>
+              <a:rPr lang="en-US"/>
+              <a:t>ỨNG DỤNG QUẢN LÝ TÀI CHÍNH CÁ NHÂN CHO SINH VIÊN TRÊN THIẾT BỊ DI ĐỘNG</a:t>
+            </a:r>
             <a:endParaRPr lang="en-US"/>
           </a:p>
         </p:txBody>
@@ -2106,7 +2735,6 @@
           <a:p>
             <a:fld id="{238EE17F-B177-49C4-82EF-15EF1185C18A}" type="slidenum">
               <a:rPr lang="en-US" smtClean="0"/>
-              <a:t>‹#›</a:t>
             </a:fld>
             <a:endParaRPr lang="en-US"/>
           </a:p>
@@ -2120,8 +2748,8 @@
         </p:nvSpPr>
         <p:spPr>
           <a:xfrm>
-            <a:off x="541870" y="790378"/>
-            <a:ext cx="609600" cy="584776"/>
+            <a:off x="541923" y="790378"/>
+            <a:ext cx="609660" cy="584776"/>
           </a:xfrm>
           <a:prstGeom prst="rect">
             <a:avLst/>
@@ -2146,10 +2774,23 @@
                   </a:schemeClr>
                 </a:solidFill>
                 <a:effectLst/>
-                <a:latin typeface="Arial"/>
+                <a:latin typeface="Arial" panose="020B0604020202020204"/>
               </a:rPr>
               <a:t>“</a:t>
             </a:r>
+            <a:endParaRPr lang="en-US" sz="8000" baseline="0" dirty="0">
+              <a:ln w="3175" cmpd="sng">
+                <a:noFill/>
+              </a:ln>
+              <a:solidFill>
+                <a:schemeClr val="accent1">
+                  <a:lumMod val="60000"/>
+                  <a:lumOff val="40000"/>
+                </a:schemeClr>
+              </a:solidFill>
+              <a:effectLst/>
+              <a:latin typeface="Arial" panose="020B0604020202020204"/>
+            </a:endParaRPr>
           </a:p>
         </p:txBody>
       </p:sp>
@@ -2161,8 +2802,8 @@
         </p:nvSpPr>
         <p:spPr>
           <a:xfrm>
-            <a:off x="8893011" y="2886556"/>
-            <a:ext cx="609600" cy="584776"/>
+            <a:off x="8893887" y="2886556"/>
+            <a:ext cx="609660" cy="584776"/>
           </a:xfrm>
           <a:prstGeom prst="rect">
             <a:avLst/>
@@ -2187,23 +2828,32 @@
                   </a:schemeClr>
                 </a:solidFill>
                 <a:effectLst/>
-                <a:latin typeface="Arial"/>
+                <a:latin typeface="Arial" panose="020B0604020202020204"/>
               </a:rPr>
               <a:t>”</a:t>
             </a:r>
+            <a:endParaRPr lang="en-US" sz="8000" baseline="0" dirty="0">
+              <a:ln w="3175" cmpd="sng">
+                <a:noFill/>
+              </a:ln>
+              <a:solidFill>
+                <a:schemeClr val="accent1">
+                  <a:lumMod val="60000"/>
+                  <a:lumOff val="40000"/>
+                </a:schemeClr>
+              </a:solidFill>
+              <a:effectLst/>
+              <a:latin typeface="Arial" panose="020B0604020202020204"/>
+            </a:endParaRPr>
           </a:p>
         </p:txBody>
       </p:sp>
     </p:spTree>
-    <p:extLst>
-      <p:ext uri="{BB962C8B-B14F-4D97-AF65-F5344CB8AC3E}">
-        <p14:creationId xmlns:p14="http://schemas.microsoft.com/office/powerpoint/2010/main" val="1988141080"/>
-      </p:ext>
-    </p:extLst>
   </p:cSld>
   <p:clrMapOvr>
     <a:masterClrMapping/>
   </p:clrMapOvr>
+  <p:hf hdr="0" dt="0"/>
 </p:sldLayout>
 </file>
 
@@ -2236,8 +2886,8 @@
         </p:nvSpPr>
         <p:spPr>
           <a:xfrm>
-            <a:off x="685799" y="609600"/>
-            <a:ext cx="8588203" cy="3022600"/>
+            <a:off x="685867" y="609600"/>
+            <a:ext cx="8589049" cy="3022600"/>
           </a:xfrm>
         </p:spPr>
         <p:txBody>
@@ -2270,8 +2920,8 @@
         </p:nvSpPr>
         <p:spPr>
           <a:xfrm>
-            <a:off x="677332" y="4013200"/>
-            <a:ext cx="8596669" cy="514248"/>
+            <a:off x="677399" y="4013200"/>
+            <a:ext cx="8597516" cy="514248"/>
           </a:xfrm>
         </p:spPr>
         <p:txBody>
@@ -2315,6 +2965,7 @@
               <a:rPr lang="en-US"/>
               <a:t>Click to edit Master text styles</a:t>
             </a:r>
+            <a:endParaRPr lang="en-US"/>
           </a:p>
         </p:txBody>
       </p:sp>
@@ -2330,8 +2981,8 @@
         </p:nvSpPr>
         <p:spPr>
           <a:xfrm>
-            <a:off x="677335" y="4527448"/>
-            <a:ext cx="8596668" cy="1513914"/>
+            <a:off x="677402" y="4527448"/>
+            <a:ext cx="8597515" cy="1513914"/>
           </a:xfrm>
         </p:spPr>
         <p:txBody>
@@ -2437,6 +3088,7 @@
               <a:rPr lang="en-US"/>
               <a:t>Click to edit Master text styles</a:t>
             </a:r>
+            <a:endParaRPr lang="en-US"/>
           </a:p>
         </p:txBody>
       </p:sp>
@@ -2457,7 +3109,6 @@
           <a:p>
             <a:fld id="{A45A6AB0-EECB-459C-B186-FE7C7E45614E}" type="datetimeFigureOut">
               <a:rPr lang="en-US" smtClean="0"/>
-              <a:t>7/2/2020</a:t>
             </a:fld>
             <a:endParaRPr lang="en-US"/>
           </a:p>
@@ -2478,6 +3129,10 @@
           <a:bodyPr/>
           <a:lstStyle/>
           <a:p>
+            <a:r>
+              <a:rPr lang="en-US"/>
+              <a:t>ỨNG DỤNG QUẢN LÝ TÀI CHÍNH CÁ NHÂN CHO SINH VIÊN TRÊN THIẾT BỊ DI ĐỘNG</a:t>
+            </a:r>
             <a:endParaRPr lang="en-US"/>
           </a:p>
         </p:txBody>
@@ -2499,22 +3154,17 @@
           <a:p>
             <a:fld id="{238EE17F-B177-49C4-82EF-15EF1185C18A}" type="slidenum">
               <a:rPr lang="en-US" smtClean="0"/>
-              <a:t>‹#›</a:t>
             </a:fld>
             <a:endParaRPr lang="en-US"/>
           </a:p>
         </p:txBody>
       </p:sp>
     </p:spTree>
-    <p:extLst>
-      <p:ext uri="{BB962C8B-B14F-4D97-AF65-F5344CB8AC3E}">
-        <p14:creationId xmlns:p14="http://schemas.microsoft.com/office/powerpoint/2010/main" val="2217570657"/>
-      </p:ext>
-    </p:extLst>
   </p:cSld>
   <p:clrMapOvr>
     <a:masterClrMapping/>
   </p:clrMapOvr>
+  <p:hf hdr="0" dt="0"/>
 </p:sldLayout>
 </file>
 
@@ -2578,6 +3228,7 @@
               <a:rPr lang="en-US"/>
               <a:t>Click to edit Master text styles</a:t>
             </a:r>
+            <a:endParaRPr lang="en-US"/>
           </a:p>
           <a:p>
             <a:pPr lvl="1"/>
@@ -2585,6 +3236,7 @@
               <a:rPr lang="en-US"/>
               <a:t>Second level</a:t>
             </a:r>
+            <a:endParaRPr lang="en-US"/>
           </a:p>
           <a:p>
             <a:pPr lvl="2"/>
@@ -2592,6 +3244,7 @@
               <a:rPr lang="en-US"/>
               <a:t>Third level</a:t>
             </a:r>
+            <a:endParaRPr lang="en-US"/>
           </a:p>
           <a:p>
             <a:pPr lvl="3"/>
@@ -2599,6 +3252,7 @@
               <a:rPr lang="en-US"/>
               <a:t>Fourth level</a:t>
             </a:r>
+            <a:endParaRPr lang="en-US"/>
           </a:p>
           <a:p>
             <a:pPr lvl="4"/>
@@ -2627,7 +3281,6 @@
           <a:p>
             <a:fld id="{A45A6AB0-EECB-459C-B186-FE7C7E45614E}" type="datetimeFigureOut">
               <a:rPr lang="en-US" smtClean="0"/>
-              <a:t>7/2/2020</a:t>
             </a:fld>
             <a:endParaRPr lang="en-US"/>
           </a:p>
@@ -2648,6 +3301,10 @@
           <a:bodyPr/>
           <a:lstStyle/>
           <a:p>
+            <a:r>
+              <a:rPr lang="en-US"/>
+              <a:t>ỨNG DỤNG QUẢN LÝ TÀI CHÍNH CÁ NHÂN CHO SINH VIÊN TRÊN THIẾT BỊ DI ĐỘNG</a:t>
+            </a:r>
             <a:endParaRPr lang="en-US"/>
           </a:p>
         </p:txBody>
@@ -2669,22 +3326,17 @@
           <a:p>
             <a:fld id="{238EE17F-B177-49C4-82EF-15EF1185C18A}" type="slidenum">
               <a:rPr lang="en-US" smtClean="0"/>
-              <a:t>‹#›</a:t>
             </a:fld>
             <a:endParaRPr lang="en-US"/>
           </a:p>
         </p:txBody>
       </p:sp>
     </p:spTree>
-    <p:extLst>
-      <p:ext uri="{BB962C8B-B14F-4D97-AF65-F5344CB8AC3E}">
-        <p14:creationId xmlns:p14="http://schemas.microsoft.com/office/powerpoint/2010/main" val="4112848413"/>
-      </p:ext>
-    </p:extLst>
   </p:cSld>
   <p:clrMapOvr>
     <a:masterClrMapping/>
   </p:clrMapOvr>
+  <p:hf hdr="0" dt="0"/>
 </p:sldLayout>
 </file>
 
@@ -2717,8 +3369,8 @@
         </p:nvSpPr>
         <p:spPr>
           <a:xfrm>
-            <a:off x="7967673" y="609599"/>
-            <a:ext cx="1304743" cy="5251451"/>
+            <a:off x="7968458" y="609599"/>
+            <a:ext cx="1304871" cy="5251451"/>
           </a:xfrm>
         </p:spPr>
         <p:txBody>
@@ -2745,8 +3397,8 @@
         </p:nvSpPr>
         <p:spPr>
           <a:xfrm>
-            <a:off x="677335" y="609600"/>
-            <a:ext cx="7060150" cy="5251450"/>
+            <a:off x="677402" y="609600"/>
+            <a:ext cx="7060845" cy="5251450"/>
           </a:xfrm>
         </p:spPr>
         <p:txBody>
@@ -2758,6 +3410,7 @@
               <a:rPr lang="en-US"/>
               <a:t>Click to edit Master text styles</a:t>
             </a:r>
+            <a:endParaRPr lang="en-US"/>
           </a:p>
           <a:p>
             <a:pPr lvl="1"/>
@@ -2765,6 +3418,7 @@
               <a:rPr lang="en-US"/>
               <a:t>Second level</a:t>
             </a:r>
+            <a:endParaRPr lang="en-US"/>
           </a:p>
           <a:p>
             <a:pPr lvl="2"/>
@@ -2772,6 +3426,7 @@
               <a:rPr lang="en-US"/>
               <a:t>Third level</a:t>
             </a:r>
+            <a:endParaRPr lang="en-US"/>
           </a:p>
           <a:p>
             <a:pPr lvl="3"/>
@@ -2779,6 +3434,7 @@
               <a:rPr lang="en-US"/>
               <a:t>Fourth level</a:t>
             </a:r>
+            <a:endParaRPr lang="en-US"/>
           </a:p>
           <a:p>
             <a:pPr lvl="4"/>
@@ -2807,7 +3463,6 @@
           <a:p>
             <a:fld id="{A45A6AB0-EECB-459C-B186-FE7C7E45614E}" type="datetimeFigureOut">
               <a:rPr lang="en-US" smtClean="0"/>
-              <a:t>7/2/2020</a:t>
             </a:fld>
             <a:endParaRPr lang="en-US"/>
           </a:p>
@@ -2828,6 +3483,10 @@
           <a:bodyPr/>
           <a:lstStyle/>
           <a:p>
+            <a:r>
+              <a:rPr lang="en-US"/>
+              <a:t>ỨNG DỤNG QUẢN LÝ TÀI CHÍNH CÁ NHÂN CHO SINH VIÊN TRÊN THIẾT BỊ DI ĐỘNG</a:t>
+            </a:r>
             <a:endParaRPr lang="en-US"/>
           </a:p>
         </p:txBody>
@@ -2849,22 +3508,17 @@
           <a:p>
             <a:fld id="{238EE17F-B177-49C4-82EF-15EF1185C18A}" type="slidenum">
               <a:rPr lang="en-US" smtClean="0"/>
-              <a:t>‹#›</a:t>
             </a:fld>
             <a:endParaRPr lang="en-US"/>
           </a:p>
         </p:txBody>
       </p:sp>
     </p:spTree>
-    <p:extLst>
-      <p:ext uri="{BB962C8B-B14F-4D97-AF65-F5344CB8AC3E}">
-        <p14:creationId xmlns:p14="http://schemas.microsoft.com/office/powerpoint/2010/main" val="2741732512"/>
-      </p:ext>
-    </p:extLst>
   </p:cSld>
   <p:clrMapOvr>
     <a:masterClrMapping/>
   </p:clrMapOvr>
+  <p:hf hdr="0" dt="0"/>
 </p:sldLayout>
 </file>
 
@@ -2928,6 +3582,7 @@
               <a:rPr lang="en-US"/>
               <a:t>Click to edit Master text styles</a:t>
             </a:r>
+            <a:endParaRPr lang="en-US"/>
           </a:p>
           <a:p>
             <a:pPr lvl="1"/>
@@ -2935,6 +3590,7 @@
               <a:rPr lang="en-US"/>
               <a:t>Second level</a:t>
             </a:r>
+            <a:endParaRPr lang="en-US"/>
           </a:p>
           <a:p>
             <a:pPr lvl="2"/>
@@ -2942,6 +3598,7 @@
               <a:rPr lang="en-US"/>
               <a:t>Third level</a:t>
             </a:r>
+            <a:endParaRPr lang="en-US"/>
           </a:p>
           <a:p>
             <a:pPr lvl="3"/>
@@ -2949,6 +3606,7 @@
               <a:rPr lang="en-US"/>
               <a:t>Fourth level</a:t>
             </a:r>
+            <a:endParaRPr lang="en-US"/>
           </a:p>
           <a:p>
             <a:pPr lvl="4"/>
@@ -2977,7 +3635,6 @@
           <a:p>
             <a:fld id="{A45A6AB0-EECB-459C-B186-FE7C7E45614E}" type="datetimeFigureOut">
               <a:rPr lang="en-US" smtClean="0"/>
-              <a:t>7/2/2020</a:t>
             </a:fld>
             <a:endParaRPr lang="en-US"/>
           </a:p>
@@ -2998,6 +3655,10 @@
           <a:bodyPr/>
           <a:lstStyle/>
           <a:p>
+            <a:r>
+              <a:rPr lang="en-US"/>
+              <a:t>ỨNG DỤNG QUẢN LÝ TÀI CHÍNH CÁ NHÂN CHO SINH VIÊN TRÊN THIẾT BỊ DI ĐỘNG</a:t>
+            </a:r>
             <a:endParaRPr lang="en-US"/>
           </a:p>
         </p:txBody>
@@ -3019,22 +3680,17 @@
           <a:p>
             <a:fld id="{238EE17F-B177-49C4-82EF-15EF1185C18A}" type="slidenum">
               <a:rPr lang="en-US" smtClean="0"/>
-              <a:t>‹#›</a:t>
             </a:fld>
             <a:endParaRPr lang="en-US"/>
           </a:p>
         </p:txBody>
       </p:sp>
     </p:spTree>
-    <p:extLst>
-      <p:ext uri="{BB962C8B-B14F-4D97-AF65-F5344CB8AC3E}">
-        <p14:creationId xmlns:p14="http://schemas.microsoft.com/office/powerpoint/2010/main" val="136934099"/>
-      </p:ext>
-    </p:extLst>
   </p:cSld>
   <p:clrMapOvr>
     <a:masterClrMapping/>
   </p:clrMapOvr>
+  <p:hf hdr="0" dt="0"/>
 </p:sldLayout>
 </file>
 
@@ -3067,8 +3723,8 @@
         </p:nvSpPr>
         <p:spPr>
           <a:xfrm>
-            <a:off x="677335" y="2700867"/>
-            <a:ext cx="8596668" cy="1826581"/>
+            <a:off x="677402" y="2700867"/>
+            <a:ext cx="8597515" cy="1826581"/>
           </a:xfrm>
         </p:spPr>
         <p:txBody>
@@ -3099,8 +3755,8 @@
         </p:nvSpPr>
         <p:spPr>
           <a:xfrm>
-            <a:off x="677335" y="4527448"/>
-            <a:ext cx="8596668" cy="860400"/>
+            <a:off x="677402" y="4527448"/>
+            <a:ext cx="8597515" cy="860400"/>
           </a:xfrm>
         </p:spPr>
         <p:txBody>
@@ -3204,6 +3860,7 @@
               <a:rPr lang="en-US"/>
               <a:t>Click to edit Master text styles</a:t>
             </a:r>
+            <a:endParaRPr lang="en-US"/>
           </a:p>
         </p:txBody>
       </p:sp>
@@ -3224,7 +3881,6 @@
           <a:p>
             <a:fld id="{A45A6AB0-EECB-459C-B186-FE7C7E45614E}" type="datetimeFigureOut">
               <a:rPr lang="en-US" smtClean="0"/>
-              <a:t>7/2/2020</a:t>
             </a:fld>
             <a:endParaRPr lang="en-US"/>
           </a:p>
@@ -3245,6 +3901,10 @@
           <a:bodyPr/>
           <a:lstStyle/>
           <a:p>
+            <a:r>
+              <a:rPr lang="en-US"/>
+              <a:t>ỨNG DỤNG QUẢN LÝ TÀI CHÍNH CÁ NHÂN CHO SINH VIÊN TRÊN THIẾT BỊ DI ĐỘNG</a:t>
+            </a:r>
             <a:endParaRPr lang="en-US"/>
           </a:p>
         </p:txBody>
@@ -3266,22 +3926,17 @@
           <a:p>
             <a:fld id="{238EE17F-B177-49C4-82EF-15EF1185C18A}" type="slidenum">
               <a:rPr lang="en-US" smtClean="0"/>
-              <a:t>‹#›</a:t>
             </a:fld>
             <a:endParaRPr lang="en-US"/>
           </a:p>
         </p:txBody>
       </p:sp>
     </p:spTree>
-    <p:extLst>
-      <p:ext uri="{BB962C8B-B14F-4D97-AF65-F5344CB8AC3E}">
-        <p14:creationId xmlns:p14="http://schemas.microsoft.com/office/powerpoint/2010/main" val="3473538956"/>
-      </p:ext>
-    </p:extLst>
   </p:cSld>
   <p:clrMapOvr>
     <a:masterClrMapping/>
   </p:clrMapOvr>
+  <p:hf hdr="0" dt="0"/>
 </p:sldLayout>
 </file>
 
@@ -3337,8 +3992,8 @@
         </p:nvSpPr>
         <p:spPr>
           <a:xfrm>
-            <a:off x="677334" y="2160589"/>
-            <a:ext cx="4184035" cy="3880772"/>
+            <a:off x="677401" y="2160589"/>
+            <a:ext cx="4184447" cy="3880772"/>
           </a:xfrm>
         </p:spPr>
         <p:txBody>
@@ -3350,6 +4005,7 @@
               <a:rPr lang="en-US"/>
               <a:t>Click to edit Master text styles</a:t>
             </a:r>
+            <a:endParaRPr lang="en-US"/>
           </a:p>
           <a:p>
             <a:pPr lvl="1"/>
@@ -3357,6 +4013,7 @@
               <a:rPr lang="en-US"/>
               <a:t>Second level</a:t>
             </a:r>
+            <a:endParaRPr lang="en-US"/>
           </a:p>
           <a:p>
             <a:pPr lvl="2"/>
@@ -3364,6 +4021,7 @@
               <a:rPr lang="en-US"/>
               <a:t>Third level</a:t>
             </a:r>
+            <a:endParaRPr lang="en-US"/>
           </a:p>
           <a:p>
             <a:pPr lvl="3"/>
@@ -3371,6 +4029,7 @@
               <a:rPr lang="en-US"/>
               <a:t>Fourth level</a:t>
             </a:r>
+            <a:endParaRPr lang="en-US"/>
           </a:p>
           <a:p>
             <a:pPr lvl="4"/>
@@ -3394,8 +4053,8 @@
         </p:nvSpPr>
         <p:spPr>
           <a:xfrm>
-            <a:off x="5089970" y="2160589"/>
-            <a:ext cx="4184034" cy="3880773"/>
+            <a:off x="5090471" y="2160589"/>
+            <a:ext cx="4184446" cy="3880773"/>
           </a:xfrm>
         </p:spPr>
         <p:txBody>
@@ -3407,6 +4066,7 @@
               <a:rPr lang="en-US"/>
               <a:t>Click to edit Master text styles</a:t>
             </a:r>
+            <a:endParaRPr lang="en-US"/>
           </a:p>
           <a:p>
             <a:pPr lvl="1"/>
@@ -3414,6 +4074,7 @@
               <a:rPr lang="en-US"/>
               <a:t>Second level</a:t>
             </a:r>
+            <a:endParaRPr lang="en-US"/>
           </a:p>
           <a:p>
             <a:pPr lvl="2"/>
@@ -3421,6 +4082,7 @@
               <a:rPr lang="en-US"/>
               <a:t>Third level</a:t>
             </a:r>
+            <a:endParaRPr lang="en-US"/>
           </a:p>
           <a:p>
             <a:pPr lvl="3"/>
@@ -3428,6 +4090,7 @@
               <a:rPr lang="en-US"/>
               <a:t>Fourth level</a:t>
             </a:r>
+            <a:endParaRPr lang="en-US"/>
           </a:p>
           <a:p>
             <a:pPr lvl="4"/>
@@ -3456,7 +4119,6 @@
           <a:p>
             <a:fld id="{A45A6AB0-EECB-459C-B186-FE7C7E45614E}" type="datetimeFigureOut">
               <a:rPr lang="en-US" smtClean="0"/>
-              <a:t>7/2/2020</a:t>
             </a:fld>
             <a:endParaRPr lang="en-US"/>
           </a:p>
@@ -3477,6 +4139,10 @@
           <a:bodyPr/>
           <a:lstStyle/>
           <a:p>
+            <a:r>
+              <a:rPr lang="en-US"/>
+              <a:t>ỨNG DỤNG QUẢN LÝ TÀI CHÍNH CÁ NHÂN CHO SINH VIÊN TRÊN THIẾT BỊ DI ĐỘNG</a:t>
+            </a:r>
             <a:endParaRPr lang="en-US"/>
           </a:p>
         </p:txBody>
@@ -3498,22 +4164,17 @@
           <a:p>
             <a:fld id="{238EE17F-B177-49C4-82EF-15EF1185C18A}" type="slidenum">
               <a:rPr lang="en-US" smtClean="0"/>
-              <a:t>‹#›</a:t>
             </a:fld>
             <a:endParaRPr lang="en-US"/>
           </a:p>
         </p:txBody>
       </p:sp>
     </p:spTree>
-    <p:extLst>
-      <p:ext uri="{BB962C8B-B14F-4D97-AF65-F5344CB8AC3E}">
-        <p14:creationId xmlns:p14="http://schemas.microsoft.com/office/powerpoint/2010/main" val="737390726"/>
-      </p:ext>
-    </p:extLst>
   </p:cSld>
   <p:clrMapOvr>
     <a:masterClrMapping/>
   </p:clrMapOvr>
+  <p:hf hdr="0" dt="0"/>
 </p:sldLayout>
 </file>
 
@@ -3573,8 +4234,8 @@
         </p:nvSpPr>
         <p:spPr>
           <a:xfrm>
-            <a:off x="675745" y="2160983"/>
-            <a:ext cx="4185623" cy="576262"/>
+            <a:off x="675812" y="2160983"/>
+            <a:ext cx="4186035" cy="576262"/>
           </a:xfrm>
         </p:spPr>
         <p:txBody>
@@ -3625,6 +4286,7 @@
               <a:rPr lang="en-US"/>
               <a:t>Click to edit Master text styles</a:t>
             </a:r>
+            <a:endParaRPr lang="en-US"/>
           </a:p>
         </p:txBody>
       </p:sp>
@@ -3640,8 +4302,8 @@
         </p:nvSpPr>
         <p:spPr>
           <a:xfrm>
-            <a:off x="675745" y="2737245"/>
-            <a:ext cx="4185623" cy="3304117"/>
+            <a:off x="675812" y="2737245"/>
+            <a:ext cx="4186035" cy="3304117"/>
           </a:xfrm>
         </p:spPr>
         <p:txBody>
@@ -3655,6 +4317,7 @@
               <a:rPr lang="en-US"/>
               <a:t>Click to edit Master text styles</a:t>
             </a:r>
+            <a:endParaRPr lang="en-US"/>
           </a:p>
           <a:p>
             <a:pPr lvl="1"/>
@@ -3662,6 +4325,7 @@
               <a:rPr lang="en-US"/>
               <a:t>Second level</a:t>
             </a:r>
+            <a:endParaRPr lang="en-US"/>
           </a:p>
           <a:p>
             <a:pPr lvl="2"/>
@@ -3669,6 +4333,7 @@
               <a:rPr lang="en-US"/>
               <a:t>Third level</a:t>
             </a:r>
+            <a:endParaRPr lang="en-US"/>
           </a:p>
           <a:p>
             <a:pPr lvl="3"/>
@@ -3676,6 +4341,7 @@
               <a:rPr lang="en-US"/>
               <a:t>Fourth level</a:t>
             </a:r>
+            <a:endParaRPr lang="en-US"/>
           </a:p>
           <a:p>
             <a:pPr lvl="4"/>
@@ -3699,8 +4365,8 @@
         </p:nvSpPr>
         <p:spPr>
           <a:xfrm>
-            <a:off x="5088383" y="2160983"/>
-            <a:ext cx="4185618" cy="576262"/>
+            <a:off x="5088884" y="2160983"/>
+            <a:ext cx="4186030" cy="576262"/>
           </a:xfrm>
         </p:spPr>
         <p:txBody>
@@ -3751,6 +4417,7 @@
               <a:rPr lang="en-US"/>
               <a:t>Click to edit Master text styles</a:t>
             </a:r>
+            <a:endParaRPr lang="en-US"/>
           </a:p>
         </p:txBody>
       </p:sp>
@@ -3766,8 +4433,8 @@
         </p:nvSpPr>
         <p:spPr>
           <a:xfrm>
-            <a:off x="5088384" y="2737245"/>
-            <a:ext cx="4185617" cy="3304117"/>
+            <a:off x="5088885" y="2737245"/>
+            <a:ext cx="4186029" cy="3304117"/>
           </a:xfrm>
         </p:spPr>
         <p:txBody>
@@ -3781,6 +4448,7 @@
               <a:rPr lang="en-US"/>
               <a:t>Click to edit Master text styles</a:t>
             </a:r>
+            <a:endParaRPr lang="en-US"/>
           </a:p>
           <a:p>
             <a:pPr lvl="1"/>
@@ -3788,6 +4456,7 @@
               <a:rPr lang="en-US"/>
               <a:t>Second level</a:t>
             </a:r>
+            <a:endParaRPr lang="en-US"/>
           </a:p>
           <a:p>
             <a:pPr lvl="2"/>
@@ -3795,6 +4464,7 @@
               <a:rPr lang="en-US"/>
               <a:t>Third level</a:t>
             </a:r>
+            <a:endParaRPr lang="en-US"/>
           </a:p>
           <a:p>
             <a:pPr lvl="3"/>
@@ -3802,6 +4472,7 @@
               <a:rPr lang="en-US"/>
               <a:t>Fourth level</a:t>
             </a:r>
+            <a:endParaRPr lang="en-US"/>
           </a:p>
           <a:p>
             <a:pPr lvl="4"/>
@@ -3830,7 +4501,6 @@
           <a:p>
             <a:fld id="{A45A6AB0-EECB-459C-B186-FE7C7E45614E}" type="datetimeFigureOut">
               <a:rPr lang="en-US" smtClean="0"/>
-              <a:t>7/2/2020</a:t>
             </a:fld>
             <a:endParaRPr lang="en-US"/>
           </a:p>
@@ -3851,6 +4521,10 @@
           <a:bodyPr/>
           <a:lstStyle/>
           <a:p>
+            <a:r>
+              <a:rPr lang="en-US"/>
+              <a:t>ỨNG DỤNG QUẢN LÝ TÀI CHÍNH CÁ NHÂN CHO SINH VIÊN TRÊN THIẾT BỊ DI ĐỘNG</a:t>
+            </a:r>
             <a:endParaRPr lang="en-US"/>
           </a:p>
         </p:txBody>
@@ -3872,22 +4546,17 @@
           <a:p>
             <a:fld id="{238EE17F-B177-49C4-82EF-15EF1185C18A}" type="slidenum">
               <a:rPr lang="en-US" smtClean="0"/>
-              <a:t>‹#›</a:t>
             </a:fld>
             <a:endParaRPr lang="en-US"/>
           </a:p>
         </p:txBody>
       </p:sp>
     </p:spTree>
-    <p:extLst>
-      <p:ext uri="{BB962C8B-B14F-4D97-AF65-F5344CB8AC3E}">
-        <p14:creationId xmlns:p14="http://schemas.microsoft.com/office/powerpoint/2010/main" val="3380774060"/>
-      </p:ext>
-    </p:extLst>
   </p:cSld>
   <p:clrMapOvr>
     <a:masterClrMapping/>
   </p:clrMapOvr>
+  <p:hf hdr="0" dt="0"/>
 </p:sldLayout>
 </file>
 
@@ -3920,8 +4589,8 @@
         </p:nvSpPr>
         <p:spPr>
           <a:xfrm>
-            <a:off x="677334" y="609600"/>
-            <a:ext cx="8596668" cy="1320800"/>
+            <a:off x="677401" y="609600"/>
+            <a:ext cx="8597515" cy="1320800"/>
           </a:xfrm>
         </p:spPr>
         <p:txBody>
@@ -3953,7 +4622,6 @@
           <a:p>
             <a:fld id="{A45A6AB0-EECB-459C-B186-FE7C7E45614E}" type="datetimeFigureOut">
               <a:rPr lang="en-US" smtClean="0"/>
-              <a:t>7/2/2020</a:t>
             </a:fld>
             <a:endParaRPr lang="en-US"/>
           </a:p>
@@ -3974,6 +4642,10 @@
           <a:bodyPr/>
           <a:lstStyle/>
           <a:p>
+            <a:r>
+              <a:rPr lang="en-US"/>
+              <a:t>ỨNG DỤNG QUẢN LÝ TÀI CHÍNH CÁ NHÂN CHO SINH VIÊN TRÊN THIẾT BỊ DI ĐỘNG</a:t>
+            </a:r>
             <a:endParaRPr lang="en-US"/>
           </a:p>
         </p:txBody>
@@ -3995,22 +4667,17 @@
           <a:p>
             <a:fld id="{238EE17F-B177-49C4-82EF-15EF1185C18A}" type="slidenum">
               <a:rPr lang="en-US" smtClean="0"/>
-              <a:t>‹#›</a:t>
             </a:fld>
             <a:endParaRPr lang="en-US"/>
           </a:p>
         </p:txBody>
       </p:sp>
     </p:spTree>
-    <p:extLst>
-      <p:ext uri="{BB962C8B-B14F-4D97-AF65-F5344CB8AC3E}">
-        <p14:creationId xmlns:p14="http://schemas.microsoft.com/office/powerpoint/2010/main" val="2239601717"/>
-      </p:ext>
-    </p:extLst>
   </p:cSld>
   <p:clrMapOvr>
     <a:masterClrMapping/>
   </p:clrMapOvr>
+  <p:hf hdr="0" dt="0"/>
 </p:sldLayout>
 </file>
 
@@ -4048,7 +4715,6 @@
           <a:p>
             <a:fld id="{A45A6AB0-EECB-459C-B186-FE7C7E45614E}" type="datetimeFigureOut">
               <a:rPr lang="en-US" smtClean="0"/>
-              <a:t>7/2/2020</a:t>
             </a:fld>
             <a:endParaRPr lang="en-US"/>
           </a:p>
@@ -4069,6 +4735,10 @@
           <a:bodyPr/>
           <a:lstStyle/>
           <a:p>
+            <a:r>
+              <a:rPr lang="en-US"/>
+              <a:t>ỨNG DỤNG QUẢN LÝ TÀI CHÍNH CÁ NHÂN CHO SINH VIÊN TRÊN THIẾT BỊ DI ĐỘNG</a:t>
+            </a:r>
             <a:endParaRPr lang="en-US"/>
           </a:p>
         </p:txBody>
@@ -4090,22 +4760,17 @@
           <a:p>
             <a:fld id="{238EE17F-B177-49C4-82EF-15EF1185C18A}" type="slidenum">
               <a:rPr lang="en-US" smtClean="0"/>
-              <a:t>‹#›</a:t>
             </a:fld>
             <a:endParaRPr lang="en-US"/>
           </a:p>
         </p:txBody>
       </p:sp>
     </p:spTree>
-    <p:extLst>
-      <p:ext uri="{BB962C8B-B14F-4D97-AF65-F5344CB8AC3E}">
-        <p14:creationId xmlns:p14="http://schemas.microsoft.com/office/powerpoint/2010/main" val="1356942072"/>
-      </p:ext>
-    </p:extLst>
   </p:cSld>
   <p:clrMapOvr>
     <a:masterClrMapping/>
   </p:clrMapOvr>
+  <p:hf hdr="0" dt="0"/>
 </p:sldLayout>
 </file>
 
@@ -4138,8 +4803,8 @@
         </p:nvSpPr>
         <p:spPr>
           <a:xfrm>
-            <a:off x="677334" y="1498604"/>
-            <a:ext cx="3854528" cy="1278466"/>
+            <a:off x="677401" y="1498604"/>
+            <a:ext cx="3854908" cy="1278466"/>
           </a:xfrm>
         </p:spPr>
         <p:txBody>
@@ -4172,8 +4837,8 @@
         </p:nvSpPr>
         <p:spPr>
           <a:xfrm>
-            <a:off x="4760461" y="514924"/>
-            <a:ext cx="4513541" cy="5526437"/>
+            <a:off x="4760930" y="514924"/>
+            <a:ext cx="4513985" cy="5526437"/>
           </a:xfrm>
         </p:spPr>
         <p:txBody>
@@ -4187,6 +4852,7 @@
               <a:rPr lang="en-US"/>
               <a:t>Click to edit Master text styles</a:t>
             </a:r>
+            <a:endParaRPr lang="en-US"/>
           </a:p>
           <a:p>
             <a:pPr lvl="1"/>
@@ -4194,6 +4860,7 @@
               <a:rPr lang="en-US"/>
               <a:t>Second level</a:t>
             </a:r>
+            <a:endParaRPr lang="en-US"/>
           </a:p>
           <a:p>
             <a:pPr lvl="2"/>
@@ -4201,6 +4868,7 @@
               <a:rPr lang="en-US"/>
               <a:t>Third level</a:t>
             </a:r>
+            <a:endParaRPr lang="en-US"/>
           </a:p>
           <a:p>
             <a:pPr lvl="3"/>
@@ -4208,6 +4876,7 @@
               <a:rPr lang="en-US"/>
               <a:t>Fourth level</a:t>
             </a:r>
+            <a:endParaRPr lang="en-US"/>
           </a:p>
           <a:p>
             <a:pPr lvl="4"/>
@@ -4231,8 +4900,8 @@
         </p:nvSpPr>
         <p:spPr>
           <a:xfrm>
-            <a:off x="677334" y="2777069"/>
-            <a:ext cx="3854528" cy="2584449"/>
+            <a:off x="677401" y="2777069"/>
+            <a:ext cx="3854908" cy="2584449"/>
           </a:xfrm>
         </p:spPr>
         <p:txBody>
@@ -4244,35 +4913,35 @@
               <a:buNone/>
               <a:defRPr sz="1400"/>
             </a:lvl1pPr>
-            <a:lvl2pPr marL="457063" indent="0">
+            <a:lvl2pPr marL="457200" indent="0">
               <a:buNone/>
               <a:defRPr sz="1400"/>
             </a:lvl2pPr>
-            <a:lvl3pPr marL="914126" indent="0">
+            <a:lvl3pPr marL="914400" indent="0">
               <a:buNone/>
               <a:defRPr sz="1200"/>
             </a:lvl3pPr>
-            <a:lvl4pPr marL="1371189" indent="0">
+            <a:lvl4pPr marL="1370965" indent="0">
               <a:buNone/>
               <a:defRPr sz="1000"/>
             </a:lvl4pPr>
-            <a:lvl5pPr marL="1828251" indent="0">
+            <a:lvl5pPr marL="1828165" indent="0">
               <a:buNone/>
               <a:defRPr sz="1000"/>
             </a:lvl5pPr>
-            <a:lvl6pPr marL="2285314" indent="0">
+            <a:lvl6pPr marL="2285365" indent="0">
               <a:buNone/>
               <a:defRPr sz="1000"/>
             </a:lvl6pPr>
-            <a:lvl7pPr marL="2742377" indent="0">
+            <a:lvl7pPr marL="2742565" indent="0">
               <a:buNone/>
               <a:defRPr sz="1000"/>
             </a:lvl7pPr>
-            <a:lvl8pPr marL="3199440" indent="0">
+            <a:lvl8pPr marL="3199130" indent="0">
               <a:buNone/>
               <a:defRPr sz="1000"/>
             </a:lvl8pPr>
-            <a:lvl9pPr marL="3656503" indent="0">
+            <a:lvl9pPr marL="3656330" indent="0">
               <a:buNone/>
               <a:defRPr sz="1000"/>
             </a:lvl9pPr>
@@ -4283,6 +4952,7 @@
               <a:rPr lang="en-US"/>
               <a:t>Click to edit Master text styles</a:t>
             </a:r>
+            <a:endParaRPr lang="en-US"/>
           </a:p>
         </p:txBody>
       </p:sp>
@@ -4303,7 +4973,6 @@
           <a:p>
             <a:fld id="{A45A6AB0-EECB-459C-B186-FE7C7E45614E}" type="datetimeFigureOut">
               <a:rPr lang="en-US" smtClean="0"/>
-              <a:t>7/2/2020</a:t>
             </a:fld>
             <a:endParaRPr lang="en-US"/>
           </a:p>
@@ -4324,6 +4993,10 @@
           <a:bodyPr/>
           <a:lstStyle/>
           <a:p>
+            <a:r>
+              <a:rPr lang="en-US"/>
+              <a:t>ỨNG DỤNG QUẢN LÝ TÀI CHÍNH CÁ NHÂN CHO SINH VIÊN TRÊN THIẾT BỊ DI ĐỘNG</a:t>
+            </a:r>
             <a:endParaRPr lang="en-US"/>
           </a:p>
         </p:txBody>
@@ -4345,22 +5018,17 @@
           <a:p>
             <a:fld id="{238EE17F-B177-49C4-82EF-15EF1185C18A}" type="slidenum">
               <a:rPr lang="en-US" smtClean="0"/>
-              <a:t>‹#›</a:t>
             </a:fld>
             <a:endParaRPr lang="en-US"/>
           </a:p>
         </p:txBody>
       </p:sp>
     </p:spTree>
-    <p:extLst>
-      <p:ext uri="{BB962C8B-B14F-4D97-AF65-F5344CB8AC3E}">
-        <p14:creationId xmlns:p14="http://schemas.microsoft.com/office/powerpoint/2010/main" val="311070587"/>
-      </p:ext>
-    </p:extLst>
   </p:cSld>
   <p:clrMapOvr>
     <a:masterClrMapping/>
   </p:clrMapOvr>
+  <p:hf hdr="0" dt="0"/>
 </p:sldLayout>
 </file>
 
@@ -4393,8 +5061,8 @@
         </p:nvSpPr>
         <p:spPr>
           <a:xfrm>
-            <a:off x="677334" y="4800600"/>
-            <a:ext cx="8596667" cy="566738"/>
+            <a:off x="677401" y="4800600"/>
+            <a:ext cx="8597514" cy="566738"/>
           </a:xfrm>
         </p:spPr>
         <p:txBody>
@@ -4427,8 +5095,8 @@
         </p:nvSpPr>
         <p:spPr>
           <a:xfrm>
-            <a:off x="677334" y="609600"/>
-            <a:ext cx="8596668" cy="3845718"/>
+            <a:off x="677401" y="609600"/>
+            <a:ext cx="8597515" cy="3845718"/>
           </a:xfrm>
         </p:spPr>
         <p:txBody>
@@ -4494,8 +5162,8 @@
         </p:nvSpPr>
         <p:spPr>
           <a:xfrm>
-            <a:off x="677334" y="5367338"/>
-            <a:ext cx="8596667" cy="674024"/>
+            <a:off x="677401" y="5367338"/>
+            <a:ext cx="8597514" cy="674024"/>
           </a:xfrm>
         </p:spPr>
         <p:txBody>
@@ -4546,6 +5214,7 @@
               <a:rPr lang="en-US"/>
               <a:t>Click to edit Master text styles</a:t>
             </a:r>
+            <a:endParaRPr lang="en-US"/>
           </a:p>
         </p:txBody>
       </p:sp>
@@ -4564,6 +5233,10 @@
           <a:bodyPr/>
           <a:lstStyle/>
           <a:p>
+            <a:r>
+              <a:rPr lang="en-US"/>
+              <a:t>ỨNG DỤNG QUẢN LÝ TÀI CHÍNH CÁ NHÂN CHO SINH VIÊN TRÊN THIẾT BỊ DI ĐỘNG</a:t>
+            </a:r>
             <a:endParaRPr lang="en-US"/>
           </a:p>
         </p:txBody>
@@ -4585,7 +5258,6 @@
           <a:p>
             <a:fld id="{238EE17F-B177-49C4-82EF-15EF1185C18A}" type="slidenum">
               <a:rPr lang="en-US" smtClean="0"/>
-              <a:t>‹#›</a:t>
             </a:fld>
             <a:endParaRPr lang="en-US"/>
           </a:p>
@@ -4608,22 +5280,17 @@
           <a:p>
             <a:fld id="{A45A6AB0-EECB-459C-B186-FE7C7E45614E}" type="datetimeFigureOut">
               <a:rPr lang="en-US" smtClean="0"/>
-              <a:t>7/2/2020</a:t>
             </a:fld>
             <a:endParaRPr lang="en-US"/>
           </a:p>
         </p:txBody>
       </p:sp>
     </p:spTree>
-    <p:extLst>
-      <p:ext uri="{BB962C8B-B14F-4D97-AF65-F5344CB8AC3E}">
-        <p14:creationId xmlns:p14="http://schemas.microsoft.com/office/powerpoint/2010/main" val="3369816960"/>
-      </p:ext>
-    </p:extLst>
   </p:cSld>
   <p:clrMapOvr>
     <a:masterClrMapping/>
   </p:clrMapOvr>
+  <p:hf hdr="0" dt="0"/>
 </p:sldLayout>
 </file>
 
@@ -4658,7 +5325,7 @@
         <p:grpSpPr>
           <a:xfrm>
             <a:off x="0" y="-8467"/>
-            <a:ext cx="12192000" cy="6866467"/>
+            <a:ext cx="12193201" cy="6866467"/>
             <a:chOff x="0" y="-8467"/>
             <a:chExt cx="12192000" cy="6866467"/>
           </a:xfrm>
@@ -5192,8 +5859,8 @@
         </p:nvSpPr>
         <p:spPr>
           <a:xfrm>
-            <a:off x="677334" y="609600"/>
-            <a:ext cx="8596668" cy="1320800"/>
+            <a:off x="677401" y="609600"/>
+            <a:ext cx="8597515" cy="1320800"/>
           </a:xfrm>
           <a:prstGeom prst="rect">
             <a:avLst/>
@@ -5225,8 +5892,8 @@
         </p:nvSpPr>
         <p:spPr>
           <a:xfrm>
-            <a:off x="677334" y="2160589"/>
-            <a:ext cx="8596668" cy="3880773"/>
+            <a:off x="677401" y="2160589"/>
+            <a:ext cx="8597515" cy="3880773"/>
           </a:xfrm>
           <a:prstGeom prst="rect">
             <a:avLst/>
@@ -5243,6 +5910,7 @@
               <a:rPr lang="en-US"/>
               <a:t>Click to edit Master text styles</a:t>
             </a:r>
+            <a:endParaRPr lang="en-US"/>
           </a:p>
           <a:p>
             <a:pPr lvl="1"/>
@@ -5250,6 +5918,7 @@
               <a:rPr lang="en-US"/>
               <a:t>Second level</a:t>
             </a:r>
+            <a:endParaRPr lang="en-US"/>
           </a:p>
           <a:p>
             <a:pPr lvl="2"/>
@@ -5257,6 +5926,7 @@
               <a:rPr lang="en-US"/>
               <a:t>Third level</a:t>
             </a:r>
+            <a:endParaRPr lang="en-US"/>
           </a:p>
           <a:p>
             <a:pPr lvl="3"/>
@@ -5264,6 +5934,7 @@
               <a:rPr lang="en-US"/>
               <a:t>Fourth level</a:t>
             </a:r>
+            <a:endParaRPr lang="en-US"/>
           </a:p>
           <a:p>
             <a:pPr lvl="4"/>
@@ -5287,8 +5958,8 @@
         </p:nvSpPr>
         <p:spPr>
           <a:xfrm>
-            <a:off x="7205133" y="6041362"/>
-            <a:ext cx="911939" cy="365125"/>
+            <a:off x="7205842" y="6041362"/>
+            <a:ext cx="912029" cy="365125"/>
           </a:xfrm>
           <a:prstGeom prst="rect">
             <a:avLst/>
@@ -5310,7 +5981,6 @@
           <a:p>
             <a:fld id="{A45A6AB0-EECB-459C-B186-FE7C7E45614E}" type="datetimeFigureOut">
               <a:rPr lang="en-US" smtClean="0"/>
-              <a:t>7/2/2020</a:t>
             </a:fld>
             <a:endParaRPr lang="en-US"/>
           </a:p>
@@ -5328,8 +5998,8 @@
         </p:nvSpPr>
         <p:spPr>
           <a:xfrm>
-            <a:off x="677334" y="6041362"/>
-            <a:ext cx="6297612" cy="365125"/>
+            <a:off x="677401" y="6041362"/>
+            <a:ext cx="6298232" cy="365125"/>
           </a:xfrm>
           <a:prstGeom prst="rect">
             <a:avLst/>
@@ -5349,6 +6019,10 @@
             </a:lvl1pPr>
           </a:lstStyle>
           <a:p>
+            <a:r>
+              <a:rPr lang="en-US"/>
+              <a:t>ỨNG DỤNG QUẢN LÝ TÀI CHÍNH CÁ NHÂN CHO SINH VIÊN TRÊN THIẾT BỊ DI ĐỘNG</a:t>
+            </a:r>
             <a:endParaRPr lang="en-US"/>
           </a:p>
         </p:txBody>
@@ -5365,8 +6039,8 @@
         </p:nvSpPr>
         <p:spPr>
           <a:xfrm>
-            <a:off x="8590663" y="6041362"/>
-            <a:ext cx="683339" cy="365125"/>
+            <a:off x="8591509" y="6041362"/>
+            <a:ext cx="683406" cy="365125"/>
           </a:xfrm>
           <a:prstGeom prst="rect">
             <a:avLst/>
@@ -5386,38 +6060,33 @@
           <a:p>
             <a:fld id="{238EE17F-B177-49C4-82EF-15EF1185C18A}" type="slidenum">
               <a:rPr lang="en-US" smtClean="0"/>
-              <a:t>‹#›</a:t>
             </a:fld>
             <a:endParaRPr lang="en-US"/>
           </a:p>
         </p:txBody>
       </p:sp>
     </p:spTree>
-    <p:extLst>
-      <p:ext uri="{BB962C8B-B14F-4D97-AF65-F5344CB8AC3E}">
-        <p14:creationId xmlns:p14="http://schemas.microsoft.com/office/powerpoint/2010/main" val="2626773701"/>
-      </p:ext>
-    </p:extLst>
   </p:cSld>
   <p:clrMap bg1="lt1" tx1="dk1" bg2="lt2" tx2="dk2" accent1="accent1" accent2="accent2" accent3="accent3" accent4="accent4" accent5="accent5" accent6="accent6" hlink="hlink" folHlink="folHlink"/>
   <p:sldLayoutIdLst>
-    <p:sldLayoutId id="2147483729" r:id="rId1"/>
-    <p:sldLayoutId id="2147483730" r:id="rId2"/>
-    <p:sldLayoutId id="2147483731" r:id="rId3"/>
-    <p:sldLayoutId id="2147483732" r:id="rId4"/>
-    <p:sldLayoutId id="2147483733" r:id="rId5"/>
-    <p:sldLayoutId id="2147483734" r:id="rId6"/>
-    <p:sldLayoutId id="2147483735" r:id="rId7"/>
-    <p:sldLayoutId id="2147483736" r:id="rId8"/>
-    <p:sldLayoutId id="2147483737" r:id="rId9"/>
-    <p:sldLayoutId id="2147483738" r:id="rId10"/>
-    <p:sldLayoutId id="2147483739" r:id="rId11"/>
-    <p:sldLayoutId id="2147483740" r:id="rId12"/>
-    <p:sldLayoutId id="2147483741" r:id="rId13"/>
-    <p:sldLayoutId id="2147483742" r:id="rId14"/>
-    <p:sldLayoutId id="2147483743" r:id="rId15"/>
-    <p:sldLayoutId id="2147483744" r:id="rId16"/>
+    <p:sldLayoutId id="2147483649" r:id="rId1"/>
+    <p:sldLayoutId id="2147483650" r:id="rId2"/>
+    <p:sldLayoutId id="2147483651" r:id="rId3"/>
+    <p:sldLayoutId id="2147483652" r:id="rId4"/>
+    <p:sldLayoutId id="2147483653" r:id="rId5"/>
+    <p:sldLayoutId id="2147483654" r:id="rId6"/>
+    <p:sldLayoutId id="2147483655" r:id="rId7"/>
+    <p:sldLayoutId id="2147483656" r:id="rId8"/>
+    <p:sldLayoutId id="2147483657" r:id="rId9"/>
+    <p:sldLayoutId id="2147483658" r:id="rId10"/>
+    <p:sldLayoutId id="2147483659" r:id="rId11"/>
+    <p:sldLayoutId id="2147483660" r:id="rId12"/>
+    <p:sldLayoutId id="2147483661" r:id="rId13"/>
+    <p:sldLayoutId id="2147483662" r:id="rId14"/>
+    <p:sldLayoutId id="2147483663" r:id="rId15"/>
+    <p:sldLayoutId id="2147483664" r:id="rId16"/>
   </p:sldLayoutIdLst>
+  <p:hf hdr="0" dt="0"/>
   <p:txStyles>
     <p:titleStyle>
       <a:lvl1pPr algn="l" defTabSz="457200" rtl="0" eaLnBrk="1" latinLnBrk="0" hangingPunct="1">
@@ -5503,7 +6172,7 @@
           <a:schemeClr val="accent1"/>
         </a:buClr>
         <a:buSzPct val="80000"/>
-        <a:buFont typeface="Wingdings 3" charset="2"/>
+        <a:buFont typeface="Wingdings 3" panose="05040102010807070707" charset="2"/>
         <a:buChar char=""/>
         <a:defRPr sz="1800" kern="1200">
           <a:solidFill>
@@ -5528,7 +6197,7 @@
           <a:schemeClr val="accent1"/>
         </a:buClr>
         <a:buSzPct val="80000"/>
-        <a:buFont typeface="Wingdings 3" charset="2"/>
+        <a:buFont typeface="Wingdings 3" panose="05040102010807070707" charset="2"/>
         <a:buChar char=""/>
         <a:defRPr sz="1600" kern="1200">
           <a:solidFill>
@@ -5553,7 +6222,7 @@
           <a:schemeClr val="accent1"/>
         </a:buClr>
         <a:buSzPct val="80000"/>
-        <a:buFont typeface="Wingdings 3" charset="2"/>
+        <a:buFont typeface="Wingdings 3" panose="05040102010807070707" charset="2"/>
         <a:buChar char=""/>
         <a:defRPr sz="1400" kern="1200">
           <a:solidFill>
@@ -5578,7 +6247,7 @@
           <a:schemeClr val="accent1"/>
         </a:buClr>
         <a:buSzPct val="80000"/>
-        <a:buFont typeface="Wingdings 3" charset="2"/>
+        <a:buFont typeface="Wingdings 3" panose="05040102010807070707" charset="2"/>
         <a:buChar char=""/>
         <a:defRPr sz="1200" kern="1200">
           <a:solidFill>
@@ -5603,7 +6272,7 @@
           <a:schemeClr val="accent1"/>
         </a:buClr>
         <a:buSzPct val="80000"/>
-        <a:buFont typeface="Wingdings 3" charset="2"/>
+        <a:buFont typeface="Wingdings 3" panose="05040102010807070707" charset="2"/>
         <a:buChar char=""/>
         <a:defRPr sz="1200" kern="1200">
           <a:solidFill>
@@ -5628,7 +6297,7 @@
           <a:schemeClr val="accent1"/>
         </a:buClr>
         <a:buSzPct val="80000"/>
-        <a:buFont typeface="Wingdings 3" charset="2"/>
+        <a:buFont typeface="Wingdings 3" panose="05040102010807070707" charset="2"/>
         <a:buChar char=""/>
         <a:defRPr sz="1200" kern="1200">
           <a:solidFill>
@@ -5653,7 +6322,7 @@
           <a:schemeClr val="accent1"/>
         </a:buClr>
         <a:buSzPct val="80000"/>
-        <a:buFont typeface="Wingdings 3" charset="2"/>
+        <a:buFont typeface="Wingdings 3" panose="05040102010807070707" charset="2"/>
         <a:buChar char=""/>
         <a:defRPr sz="1200" kern="1200">
           <a:solidFill>
@@ -5678,7 +6347,7 @@
           <a:schemeClr val="accent1"/>
         </a:buClr>
         <a:buSzPct val="80000"/>
-        <a:buFont typeface="Wingdings 3" charset="2"/>
+        <a:buFont typeface="Wingdings 3" panose="05040102010807070707" charset="2"/>
         <a:buChar char=""/>
         <a:defRPr sz="1200" kern="1200">
           <a:solidFill>
@@ -5703,7 +6372,7 @@
           <a:schemeClr val="accent1"/>
         </a:buClr>
         <a:buSzPct val="80000"/>
-        <a:buFont typeface="Wingdings 3" charset="2"/>
+        <a:buFont typeface="Wingdings 3" panose="05040102010807070707" charset="2"/>
         <a:buChar char=""/>
         <a:defRPr sz="1200" kern="1200">
           <a:solidFill>
@@ -5820,6 +6489,11 @@
 <file path=ppt/slides/slide1.xml><?xml version="1.0" encoding="utf-8"?>
 <p:sld xmlns:a="http://schemas.openxmlformats.org/drawingml/2006/main" xmlns:r="http://schemas.openxmlformats.org/officeDocument/2006/relationships" xmlns:p="http://schemas.openxmlformats.org/presentationml/2006/main">
   <p:cSld>
+    <p:bg>
+      <p:bgRef idx="1001">
+        <a:schemeClr val="bg1"/>
+      </p:bgRef>
+    </p:bg>
     <p:spTree>
       <p:nvGrpSpPr>
         <p:cNvPr id="1" name=""/>
@@ -5836,60 +6510,6743 @@
       </p:grpSpPr>
       <p:sp>
         <p:nvSpPr>
-          <p:cNvPr id="2" name="Title 1">
+          <p:cNvPr id="4" name="Title 3"/>
+          <p:cNvSpPr>
+            <a:spLocks noGrp="1"/>
+          </p:cNvSpPr>
+          <p:nvPr>
+            <p:ph type="ctrTitle"/>
+          </p:nvPr>
+        </p:nvSpPr>
+        <p:spPr>
+          <a:xfrm>
+            <a:off x="1593180" y="1963420"/>
+            <a:ext cx="9408795" cy="1290955"/>
+          </a:xfrm>
+        </p:spPr>
+        <p:txBody>
+          <a:bodyPr>
+            <a:scene3d>
+              <a:camera prst="orthographicFront"/>
+              <a:lightRig rig="threePt" dir="t"/>
+            </a:scene3d>
+          </a:bodyPr>
+          <a:p>
+            <a:pPr algn="ctr"/>
+            <a:r>
+              <a:rPr lang="vi-VN" altLang="en-US" sz="3600">
+                <a:ln/>
+                <a:solidFill>
+                  <a:srgbClr val="FF0000"/>
+                </a:solidFill>
+                <a:effectLst>
+                  <a:outerShdw blurRad="38100" dist="38100" dir="2700000" algn="tl">
+                    <a:srgbClr val="000000">
+                      <a:alpha val="43137"/>
+                    </a:srgbClr>
+                  </a:outerShdw>
+                </a:effectLst>
+                <a:latin typeface="Times New Roman" panose="02020603050405020304" charset="0"/>
+                <a:cs typeface="Times New Roman" panose="02020603050405020304" charset="0"/>
+              </a:rPr>
+              <a:t>ỨNG DỤNG QUẢN LÝ TÀI CHÍNH CÁ NHÂN CHO SINH VIÊN TRÊN THIẾT BỊ DI ĐỘNG</a:t>
+            </a:r>
+            <a:endParaRPr lang="vi-VN" altLang="en-US" sz="3600">
+              <a:ln/>
+              <a:solidFill>
+                <a:srgbClr val="FF0000"/>
+              </a:solidFill>
+              <a:effectLst>
+                <a:outerShdw blurRad="38100" dist="38100" dir="2700000" algn="tl">
+                  <a:srgbClr val="000000">
+                    <a:alpha val="43137"/>
+                  </a:srgbClr>
+                </a:outerShdw>
+              </a:effectLst>
+              <a:latin typeface="Times New Roman" panose="02020603050405020304" charset="0"/>
+              <a:cs typeface="Times New Roman" panose="02020603050405020304" charset="0"/>
+            </a:endParaRPr>
+          </a:p>
+        </p:txBody>
+      </p:sp>
+      <p:sp>
+        <p:nvSpPr>
+          <p:cNvPr id="6" name="Text Box 5"/>
+          <p:cNvSpPr txBox="1"/>
+          <p:nvPr/>
+        </p:nvSpPr>
+        <p:spPr>
+          <a:xfrm>
+            <a:off x="3675980" y="276860"/>
+            <a:ext cx="5071745" cy="922020"/>
+          </a:xfrm>
+          <a:prstGeom prst="rect">
+            <a:avLst/>
+          </a:prstGeom>
+          <a:noFill/>
+        </p:spPr>
+        <p:txBody>
+          <a:bodyPr wrap="square" rtlCol="0">
+            <a:spAutoFit/>
+          </a:bodyPr>
+          <a:p>
+            <a:pPr marL="0" indent="0" algn="l">
+              <a:buNone/>
+            </a:pPr>
+            <a:r>
+              <a:rPr lang="en-US" altLang="en-US" b="1">
+                <a:effectLst>
+                  <a:outerShdw blurRad="38100" dist="38100" dir="2700000" algn="tl">
+                    <a:srgbClr val="000000">
+                      <a:alpha val="43137"/>
+                    </a:srgbClr>
+                  </a:outerShdw>
+                </a:effectLst>
+                <a:latin typeface="Times New Roman" panose="02020603050405020304" charset="0"/>
+                <a:cs typeface="Times New Roman" panose="02020603050405020304" charset="0"/>
+                <a:sym typeface="+mn-ea"/>
+              </a:rPr>
+              <a:t>TR</a:t>
+            </a:r>
+            <a:r>
+              <a:rPr lang="vi-VN" altLang="en-US" b="1">
+                <a:effectLst>
+                  <a:outerShdw blurRad="38100" dist="38100" dir="2700000" algn="tl">
+                    <a:srgbClr val="000000">
+                      <a:alpha val="43137"/>
+                    </a:srgbClr>
+                  </a:outerShdw>
+                </a:effectLst>
+                <a:latin typeface="Times New Roman" panose="02020603050405020304" charset="0"/>
+                <a:cs typeface="Times New Roman" panose="02020603050405020304" charset="0"/>
+                <a:sym typeface="+mn-ea"/>
+              </a:rPr>
+              <a:t>Ư</a:t>
+            </a:r>
+            <a:r>
+              <a:rPr lang="en-US" altLang="en-US" b="1">
+                <a:effectLst>
+                  <a:outerShdw blurRad="38100" dist="38100" dir="2700000" algn="tl">
+                    <a:srgbClr val="000000">
+                      <a:alpha val="43137"/>
+                    </a:srgbClr>
+                  </a:outerShdw>
+                </a:effectLst>
+                <a:latin typeface="Times New Roman" panose="02020603050405020304" charset="0"/>
+                <a:cs typeface="Times New Roman" panose="02020603050405020304" charset="0"/>
+                <a:sym typeface="+mn-ea"/>
+              </a:rPr>
+              <a:t>ỜNG ĐẠI HỌC CÔNG NGHIỆP TP HCM</a:t>
+            </a:r>
+            <a:endParaRPr lang="en-US" altLang="en-US" b="1">
+              <a:effectLst>
+                <a:outerShdw blurRad="38100" dist="38100" dir="2700000" algn="tl">
+                  <a:srgbClr val="000000">
+                    <a:alpha val="43137"/>
+                  </a:srgbClr>
+                </a:outerShdw>
+              </a:effectLst>
+              <a:latin typeface="Times New Roman" panose="02020603050405020304" charset="0"/>
+              <a:cs typeface="Times New Roman" panose="02020603050405020304" charset="0"/>
+            </a:endParaRPr>
+          </a:p>
+          <a:p>
+            <a:pPr marL="0" indent="0" algn="l">
+              <a:buNone/>
+            </a:pPr>
+            <a:r>
+              <a:rPr lang="en-US" altLang="en-US" b="1">
+                <a:effectLst>
+                  <a:outerShdw blurRad="38100" dist="38100" dir="2700000" algn="tl">
+                    <a:srgbClr val="000000">
+                      <a:alpha val="43137"/>
+                    </a:srgbClr>
+                  </a:outerShdw>
+                </a:effectLst>
+                <a:latin typeface="Times New Roman" panose="02020603050405020304" charset="0"/>
+                <a:cs typeface="Times New Roman" panose="02020603050405020304" charset="0"/>
+                <a:sym typeface="+mn-ea"/>
+              </a:rPr>
+              <a:t>	    KHOA CÔNG NGHỆ THÔNG TIN</a:t>
+            </a:r>
+            <a:endParaRPr lang="en-US" altLang="en-US" b="1">
+              <a:effectLst>
+                <a:outerShdw blurRad="38100" dist="38100" dir="2700000" algn="tl">
+                  <a:srgbClr val="000000">
+                    <a:alpha val="43137"/>
+                  </a:srgbClr>
+                </a:outerShdw>
+              </a:effectLst>
+              <a:latin typeface="Times New Roman" panose="02020603050405020304" charset="0"/>
+              <a:cs typeface="Times New Roman" panose="02020603050405020304" charset="0"/>
+            </a:endParaRPr>
+          </a:p>
+          <a:p>
+            <a:pPr marL="0" indent="0" algn="l">
+              <a:buNone/>
+            </a:pPr>
+            <a:endParaRPr lang="en-US">
+              <a:effectLst>
+                <a:outerShdw blurRad="38100" dist="38100" dir="2700000" algn="tl">
+                  <a:srgbClr val="000000">
+                    <a:alpha val="43137"/>
+                  </a:srgbClr>
+                </a:outerShdw>
+              </a:effectLst>
+            </a:endParaRPr>
+          </a:p>
+        </p:txBody>
+      </p:sp>
+      <p:sp>
+        <p:nvSpPr>
+          <p:cNvPr id="7" name="Text Box 6"/>
+          <p:cNvSpPr txBox="1"/>
+          <p:nvPr/>
+        </p:nvSpPr>
+        <p:spPr>
+          <a:xfrm>
+            <a:off x="3388960" y="1198880"/>
+            <a:ext cx="5415280" cy="829945"/>
+          </a:xfrm>
+          <a:prstGeom prst="rect">
+            <a:avLst/>
+          </a:prstGeom>
+          <a:noFill/>
+        </p:spPr>
+        <p:txBody>
+          <a:bodyPr wrap="square" rtlCol="0">
+            <a:spAutoFit/>
+          </a:bodyPr>
+          <a:p>
+            <a:pPr algn="ctr"/>
+            <a:r>
+              <a:rPr lang="en-US" altLang="en-US" sz="2400" kern="0" dirty="0">
+                <a:effectLst>
+                  <a:outerShdw blurRad="38100" dist="38100" dir="2700000" algn="tl">
+                    <a:srgbClr val="000000">
+                      <a:alpha val="43137"/>
+                    </a:srgbClr>
+                  </a:outerShdw>
+                </a:effectLst>
+                <a:latin typeface="Times New Roman" panose="02020603050405020304" charset="0"/>
+                <a:cs typeface="Times New Roman" panose="02020603050405020304" charset="0"/>
+                <a:sym typeface="+mn-ea"/>
+              </a:rPr>
+              <a:t> </a:t>
+            </a:r>
+            <a:r>
+              <a:rPr lang="en-US" altLang="en-US" sz="2400" kern="0" dirty="0">
+                <a:solidFill>
+                  <a:srgbClr val="0070C0"/>
+                </a:solidFill>
+                <a:effectLst>
+                  <a:outerShdw blurRad="38100" dist="38100" dir="2700000" algn="tl">
+                    <a:srgbClr val="000000">
+                      <a:alpha val="43137"/>
+                    </a:srgbClr>
+                  </a:outerShdw>
+                </a:effectLst>
+                <a:latin typeface="Times New Roman" panose="02020603050405020304" charset="0"/>
+                <a:cs typeface="Times New Roman" panose="02020603050405020304" charset="0"/>
+                <a:sym typeface="+mn-ea"/>
+              </a:rPr>
+              <a:t>KHÓA LUẬN TỐT NGHIỆP</a:t>
+            </a:r>
+            <a:endParaRPr lang="en-US" altLang="en-US" sz="2400" kern="0" dirty="0">
+              <a:solidFill>
+                <a:srgbClr val="0070C0"/>
+              </a:solidFill>
+              <a:effectLst>
+                <a:outerShdw blurRad="38100" dist="38100" dir="2700000" algn="tl">
+                  <a:srgbClr val="000000">
+                    <a:alpha val="43137"/>
+                  </a:srgbClr>
+                </a:outerShdw>
+              </a:effectLst>
+              <a:latin typeface="Times New Roman" panose="02020603050405020304" charset="0"/>
+              <a:cs typeface="Times New Roman" panose="02020603050405020304" charset="0"/>
+            </a:endParaRPr>
+          </a:p>
+          <a:p>
+            <a:pPr algn="ctr"/>
+            <a:endParaRPr lang="vi-VN" altLang="en-US" sz="2400">
+              <a:effectLst>
+                <a:outerShdw blurRad="38100" dist="38100" dir="2700000" algn="tl">
+                  <a:srgbClr val="000000">
+                    <a:alpha val="43137"/>
+                  </a:srgbClr>
+                </a:outerShdw>
+              </a:effectLst>
+            </a:endParaRPr>
+          </a:p>
+        </p:txBody>
+      </p:sp>
+      <p:pic>
+        <p:nvPicPr>
+          <p:cNvPr id="8" name="Picture 7" descr="UInWMhe"/>
+          <p:cNvPicPr>
+            <a:picLocks noChangeAspect="1"/>
+          </p:cNvPicPr>
+          <p:nvPr/>
+        </p:nvPicPr>
+        <p:blipFill>
+          <a:blip r:embed="rId1"/>
+          <a:stretch>
+            <a:fillRect/>
+          </a:stretch>
+        </p:blipFill>
+        <p:spPr>
+          <a:xfrm>
+            <a:off x="2774915" y="123190"/>
+            <a:ext cx="901065" cy="901065"/>
+          </a:xfrm>
+          <a:prstGeom prst="rect">
+            <a:avLst/>
+          </a:prstGeom>
+        </p:spPr>
+      </p:pic>
+      <p:sp>
+        <p:nvSpPr>
+          <p:cNvPr id="9" name="Text Box 8"/>
+          <p:cNvSpPr txBox="1"/>
+          <p:nvPr/>
+        </p:nvSpPr>
+        <p:spPr>
+          <a:xfrm>
+            <a:off x="1593180" y="4019550"/>
+            <a:ext cx="6843395" cy="1630045"/>
+          </a:xfrm>
+          <a:prstGeom prst="rect">
+            <a:avLst/>
+          </a:prstGeom>
+          <a:noFill/>
+        </p:spPr>
+        <p:txBody>
+          <a:bodyPr wrap="square" rtlCol="0">
+            <a:spAutoFit/>
+          </a:bodyPr>
+          <a:p>
+            <a:pPr marL="285750" indent="-285750">
+              <a:buFont typeface="Wingdings" panose="05000000000000000000" charset="0"/>
+              <a:buChar char="v"/>
+            </a:pPr>
+            <a:r>
+              <a:rPr lang="vi-VN" altLang="en-US" sz="2000" b="1">
+                <a:effectLst>
+                  <a:outerShdw blurRad="38100" dist="38100" dir="2700000" algn="tl">
+                    <a:srgbClr val="000000">
+                      <a:alpha val="43137"/>
+                    </a:srgbClr>
+                  </a:outerShdw>
+                </a:effectLst>
+                <a:latin typeface="Times New Roman" panose="02020603050405020304" charset="0"/>
+                <a:cs typeface="Times New Roman" panose="02020603050405020304" charset="0"/>
+                <a:sym typeface="+mn-ea"/>
+              </a:rPr>
+              <a:t>Giảng viên hướng dẫn: Ths. Trần Thị Anh Thi</a:t>
+            </a:r>
+            <a:endParaRPr lang="vi-VN" altLang="en-US" sz="2000" b="1">
+              <a:solidFill>
+                <a:schemeClr val="tx1"/>
+              </a:solidFill>
+              <a:effectLst>
+                <a:outerShdw blurRad="38100" dist="38100" dir="2700000" algn="tl">
+                  <a:srgbClr val="000000">
+                    <a:alpha val="43137"/>
+                  </a:srgbClr>
+                </a:outerShdw>
+              </a:effectLst>
+              <a:latin typeface="Times New Roman" panose="02020603050405020304" charset="0"/>
+              <a:cs typeface="Times New Roman" panose="02020603050405020304" charset="0"/>
+            </a:endParaRPr>
+          </a:p>
+          <a:p>
+            <a:pPr marL="285750" indent="-285750">
+              <a:buFont typeface="Wingdings" panose="05000000000000000000" charset="0"/>
+              <a:buChar char="v"/>
+            </a:pPr>
+            <a:endParaRPr lang="vi-VN" altLang="en-US" sz="2000" b="1">
+              <a:effectLst>
+                <a:outerShdw blurRad="38100" dist="38100" dir="2700000" algn="tl">
+                  <a:srgbClr val="000000">
+                    <a:alpha val="43137"/>
+                  </a:srgbClr>
+                </a:outerShdw>
+              </a:effectLst>
+              <a:latin typeface="Times New Roman" panose="02020603050405020304" charset="0"/>
+              <a:cs typeface="Times New Roman" panose="02020603050405020304" charset="0"/>
+            </a:endParaRPr>
+          </a:p>
+          <a:p>
+            <a:pPr marL="285750" indent="-285750">
+              <a:buFont typeface="Wingdings" panose="05000000000000000000" charset="0"/>
+              <a:buChar char="v"/>
+            </a:pPr>
+            <a:r>
+              <a:rPr lang="vi-VN" altLang="en-US" sz="2000" b="1">
+                <a:effectLst>
+                  <a:outerShdw blurRad="38100" dist="38100" dir="2700000" algn="tl">
+                    <a:srgbClr val="000000">
+                      <a:alpha val="43137"/>
+                    </a:srgbClr>
+                  </a:outerShdw>
+                </a:effectLst>
+                <a:latin typeface="Times New Roman" panose="02020603050405020304" charset="0"/>
+                <a:cs typeface="Times New Roman" panose="02020603050405020304" charset="0"/>
+              </a:rPr>
+              <a:t>Thành viên nhóm 2: </a:t>
+            </a:r>
+            <a:endParaRPr lang="vi-VN" altLang="en-US" sz="2000" b="1">
+              <a:effectLst>
+                <a:outerShdw blurRad="38100" dist="38100" dir="2700000" algn="tl">
+                  <a:srgbClr val="000000">
+                    <a:alpha val="43137"/>
+                  </a:srgbClr>
+                </a:outerShdw>
+              </a:effectLst>
+              <a:latin typeface="Times New Roman" panose="02020603050405020304" charset="0"/>
+              <a:cs typeface="Times New Roman" panose="02020603050405020304" charset="0"/>
+            </a:endParaRPr>
+          </a:p>
+          <a:p>
+            <a:pPr marL="1657350" lvl="3" indent="-285750">
+              <a:buFont typeface="Arial" panose="020B0604020202020204" pitchFamily="34" charset="0"/>
+              <a:buChar char="•"/>
+            </a:pPr>
+            <a:r>
+              <a:rPr lang="vi-VN" altLang="en-US" sz="2000" b="1">
+                <a:effectLst>
+                  <a:outerShdw blurRad="38100" dist="38100" dir="2700000" algn="tl">
+                    <a:srgbClr val="000000">
+                      <a:alpha val="43137"/>
+                    </a:srgbClr>
+                  </a:outerShdw>
+                </a:effectLst>
+                <a:latin typeface="Times New Roman" panose="02020603050405020304" charset="0"/>
+                <a:cs typeface="Times New Roman" panose="02020603050405020304" charset="0"/>
+              </a:rPr>
+              <a:t>Nguyễn Đình Thuận – 16073301</a:t>
+            </a:r>
+            <a:endParaRPr lang="vi-VN" altLang="en-US" sz="2000" b="1">
+              <a:effectLst>
+                <a:outerShdw blurRad="38100" dist="38100" dir="2700000" algn="tl">
+                  <a:srgbClr val="000000">
+                    <a:alpha val="43137"/>
+                  </a:srgbClr>
+                </a:outerShdw>
+              </a:effectLst>
+              <a:latin typeface="Times New Roman" panose="02020603050405020304" charset="0"/>
+              <a:cs typeface="Times New Roman" panose="02020603050405020304" charset="0"/>
+            </a:endParaRPr>
+          </a:p>
+          <a:p>
+            <a:pPr marL="1657350" lvl="3" indent="-285750">
+              <a:buFont typeface="Arial" panose="020B0604020202020204" pitchFamily="34" charset="0"/>
+              <a:buChar char="•"/>
+            </a:pPr>
+            <a:r>
+              <a:rPr lang="vi-VN" altLang="en-US" sz="2000" b="1">
+                <a:effectLst>
+                  <a:outerShdw blurRad="38100" dist="38100" dir="2700000" algn="tl">
+                    <a:srgbClr val="000000">
+                      <a:alpha val="43137"/>
+                    </a:srgbClr>
+                  </a:outerShdw>
+                </a:effectLst>
+                <a:latin typeface="Times New Roman" panose="02020603050405020304" charset="0"/>
+                <a:cs typeface="Times New Roman" panose="02020603050405020304" charset="0"/>
+              </a:rPr>
+              <a:t>Bùi Đức Thuận Phát – 16022781</a:t>
+            </a:r>
+            <a:endParaRPr lang="vi-VN" altLang="en-US" sz="2000" b="1">
+              <a:effectLst>
+                <a:outerShdw blurRad="38100" dist="38100" dir="2700000" algn="tl">
+                  <a:srgbClr val="000000">
+                    <a:alpha val="43137"/>
+                  </a:srgbClr>
+                </a:outerShdw>
+              </a:effectLst>
+              <a:latin typeface="Times New Roman" panose="02020603050405020304" charset="0"/>
+              <a:cs typeface="Times New Roman" panose="02020603050405020304" charset="0"/>
+            </a:endParaRPr>
+          </a:p>
+        </p:txBody>
+      </p:sp>
+    </p:spTree>
+  </p:cSld>
+  <p:clrMapOvr>
+    <a:masterClrMapping/>
+  </p:clrMapOvr>
+  <p:transition/>
+</p:sld>
+</file>
+
+<file path=ppt/slides/slide10.xml><?xml version="1.0" encoding="utf-8"?>
+<p:sld xmlns:a="http://schemas.openxmlformats.org/drawingml/2006/main" xmlns:r="http://schemas.openxmlformats.org/officeDocument/2006/relationships" xmlns:p="http://schemas.openxmlformats.org/presentationml/2006/main">
+  <p:cSld>
+    <p:spTree>
+      <p:nvGrpSpPr>
+        <p:cNvPr id="1" name=""/>
+        <p:cNvGrpSpPr/>
+        <p:nvPr/>
+      </p:nvGrpSpPr>
+      <p:grpSpPr/>
+      <p:sp>
+        <p:nvSpPr>
+          <p:cNvPr id="4" name="Footer Placeholder 3"/>
+          <p:cNvSpPr>
+            <a:spLocks noGrp="1"/>
+          </p:cNvSpPr>
+          <p:nvPr>
+            <p:ph type="ftr" sz="quarter" idx="11"/>
+          </p:nvPr>
+        </p:nvSpPr>
+        <p:spPr/>
+        <p:txBody>
+          <a:bodyPr/>
+          <a:p>
+            <a:r>
+              <a:rPr lang="en-US"/>
+              <a:t>ỨNG DỤNG QUẢN LÝ TÀI CHÍNH CÁ NHÂN CHO SINH VIÊN TRÊN THIẾT BỊ DI ĐỘNG</a:t>
+            </a:r>
+            <a:endParaRPr lang="en-US"/>
+          </a:p>
+        </p:txBody>
+      </p:sp>
+      <p:sp>
+        <p:nvSpPr>
+          <p:cNvPr id="5" name="Slide Number Placeholder 4"/>
+          <p:cNvSpPr>
+            <a:spLocks noGrp="1"/>
+          </p:cNvSpPr>
+          <p:nvPr>
+            <p:ph type="sldNum" sz="quarter" idx="12"/>
+          </p:nvPr>
+        </p:nvSpPr>
+        <p:spPr/>
+        <p:txBody>
+          <a:bodyPr/>
+          <a:p>
+            <a:fld id="{238EE17F-B177-49C4-82EF-15EF1185C18A}" type="slidenum">
+              <a:rPr lang="en-US" smtClean="0"/>
+            </a:fld>
+            <a:endParaRPr lang="en-US"/>
+          </a:p>
+        </p:txBody>
+      </p:sp>
+      <p:sp>
+        <p:nvSpPr>
+          <p:cNvPr id="6" name="Title 5"/>
+          <p:cNvSpPr>
+            <a:spLocks noGrp="1"/>
+          </p:cNvSpPr>
+          <p:nvPr>
+            <p:ph type="title"/>
+          </p:nvPr>
+        </p:nvSpPr>
+        <p:spPr>
+          <a:xfrm>
+            <a:off x="677545" y="609600"/>
+            <a:ext cx="8597265" cy="827405"/>
+          </a:xfrm>
+        </p:spPr>
+        <p:txBody>
+          <a:bodyPr>
+            <a:normAutofit fontScale="90000"/>
+          </a:bodyPr>
+          <a:p>
+            <a:r>
+              <a:rPr lang="vi-VN" altLang="en-US">
+                <a:solidFill>
+                  <a:srgbClr val="FF0000"/>
+                </a:solidFill>
+                <a:effectLst>
+                  <a:outerShdw blurRad="38100" dist="38100" dir="2700000" algn="tl">
+                    <a:srgbClr val="000000">
+                      <a:alpha val="43137"/>
+                    </a:srgbClr>
+                  </a:outerShdw>
+                </a:effectLst>
+                <a:latin typeface="Times New Roman" panose="02020603050405020304" charset="0"/>
+                <a:cs typeface="Times New Roman" panose="02020603050405020304" charset="0"/>
+                <a:sym typeface="+mn-ea"/>
+              </a:rPr>
+              <a:t>2. PHÂN TÍCH</a:t>
+            </a:r>
+            <a:br>
+              <a:rPr lang="en-US"/>
+            </a:br>
+            <a:endParaRPr lang="en-US"/>
+          </a:p>
+        </p:txBody>
+      </p:sp>
+      <p:sp>
+        <p:nvSpPr>
+          <p:cNvPr id="7" name="Text Box 6"/>
+          <p:cNvSpPr txBox="1"/>
+          <p:nvPr/>
+        </p:nvSpPr>
+        <p:spPr>
+          <a:xfrm>
+            <a:off x="677545" y="1173480"/>
+            <a:ext cx="6934200" cy="460375"/>
+          </a:xfrm>
+          <a:prstGeom prst="rect">
+            <a:avLst/>
+          </a:prstGeom>
+          <a:noFill/>
+        </p:spPr>
+        <p:txBody>
+          <a:bodyPr wrap="square" rtlCol="0">
+            <a:spAutoFit/>
+          </a:bodyPr>
+          <a:p>
+            <a:pPr algn="l"/>
+            <a:r>
+              <a:rPr lang="vi-VN" altLang="en-US" sz="2400">
+                <a:solidFill>
+                  <a:schemeClr val="accent1">
+                    <a:lumMod val="50000"/>
+                  </a:schemeClr>
+                </a:solidFill>
+                <a:effectLst>
+                  <a:outerShdw blurRad="38100" dist="38100" dir="2700000" algn="tl">
+                    <a:srgbClr val="000000">
+                      <a:alpha val="43137"/>
+                    </a:srgbClr>
+                  </a:outerShdw>
+                </a:effectLst>
+                <a:latin typeface="Times New Roman" panose="02020603050405020304" charset="0"/>
+                <a:cs typeface="Times New Roman" panose="02020603050405020304" charset="0"/>
+                <a:sym typeface="+mn-ea"/>
+              </a:rPr>
+              <a:t>2.2 ĐẶC TẢ USECASE - ACTIVY - SEQUENCE</a:t>
+            </a:r>
+            <a:endParaRPr lang="vi-VN" altLang="en-US" sz="2400">
+              <a:solidFill>
+                <a:schemeClr val="accent1">
+                  <a:lumMod val="50000"/>
+                </a:schemeClr>
+              </a:solidFill>
+              <a:effectLst>
+                <a:outerShdw blurRad="38100" dist="38100" dir="2700000" algn="tl">
+                  <a:srgbClr val="000000">
+                    <a:alpha val="43137"/>
+                  </a:srgbClr>
+                </a:outerShdw>
+              </a:effectLst>
+              <a:latin typeface="Times New Roman" panose="02020603050405020304" charset="0"/>
+              <a:cs typeface="Times New Roman" panose="02020603050405020304" charset="0"/>
+              <a:sym typeface="+mn-ea"/>
+            </a:endParaRPr>
+          </a:p>
+        </p:txBody>
+      </p:sp>
+      <p:sp>
+        <p:nvSpPr>
+          <p:cNvPr id="8" name="Text Box 7"/>
+          <p:cNvSpPr txBox="1"/>
+          <p:nvPr/>
+        </p:nvSpPr>
+        <p:spPr>
+          <a:xfrm>
+            <a:off x="677545" y="1739265"/>
+            <a:ext cx="3785235" cy="398780"/>
+          </a:xfrm>
+          <a:prstGeom prst="rect">
+            <a:avLst/>
+          </a:prstGeom>
+          <a:noFill/>
+        </p:spPr>
+        <p:txBody>
+          <a:bodyPr wrap="square" rtlCol="0">
+            <a:spAutoFit/>
+          </a:bodyPr>
+          <a:p>
+            <a:r>
+              <a:rPr lang="vi-VN" altLang="en-US" sz="2000">
+                <a:effectLst>
+                  <a:outerShdw blurRad="38100" dist="38100" dir="2700000" algn="tl">
+                    <a:srgbClr val="000000">
+                      <a:alpha val="43137"/>
+                    </a:srgbClr>
+                  </a:outerShdw>
+                </a:effectLst>
+              </a:rPr>
+              <a:t>Đặc tả Thêm thu chi</a:t>
+            </a:r>
+            <a:endParaRPr lang="vi-VN" altLang="en-US" sz="2000">
+              <a:effectLst>
+                <a:outerShdw blurRad="38100" dist="38100" dir="2700000" algn="tl">
+                  <a:srgbClr val="000000">
+                    <a:alpha val="43137"/>
+                  </a:srgbClr>
+                </a:outerShdw>
+              </a:effectLst>
+            </a:endParaRPr>
+          </a:p>
+        </p:txBody>
+      </p:sp>
+    </p:spTree>
+  </p:cSld>
+  <p:clrMapOvr>
+    <a:masterClrMapping/>
+  </p:clrMapOvr>
+</p:sld>
+</file>
+
+<file path=ppt/slides/slide11.xml><?xml version="1.0" encoding="utf-8"?>
+<p:sld xmlns:a="http://schemas.openxmlformats.org/drawingml/2006/main" xmlns:r="http://schemas.openxmlformats.org/officeDocument/2006/relationships" xmlns:p="http://schemas.openxmlformats.org/presentationml/2006/main">
+  <p:cSld>
+    <p:spTree>
+      <p:nvGrpSpPr>
+        <p:cNvPr id="1" name=""/>
+        <p:cNvGrpSpPr/>
+        <p:nvPr/>
+      </p:nvGrpSpPr>
+      <p:grpSpPr/>
+      <p:sp>
+        <p:nvSpPr>
+          <p:cNvPr id="4" name="Footer Placeholder 3"/>
+          <p:cNvSpPr>
+            <a:spLocks noGrp="1"/>
+          </p:cNvSpPr>
+          <p:nvPr>
+            <p:ph type="ftr" sz="quarter" idx="11"/>
+          </p:nvPr>
+        </p:nvSpPr>
+        <p:spPr/>
+        <p:txBody>
+          <a:bodyPr/>
+          <a:p>
+            <a:r>
+              <a:rPr lang="en-US"/>
+              <a:t>ỨNG DỤNG QUẢN LÝ TÀI CHÍNH CÁ NHÂN CHO SINH VIÊN TRÊN THIẾT BỊ DI ĐỘNG</a:t>
+            </a:r>
+            <a:endParaRPr lang="en-US"/>
+          </a:p>
+        </p:txBody>
+      </p:sp>
+      <p:sp>
+        <p:nvSpPr>
+          <p:cNvPr id="5" name="Slide Number Placeholder 4"/>
+          <p:cNvSpPr>
+            <a:spLocks noGrp="1"/>
+          </p:cNvSpPr>
+          <p:nvPr>
+            <p:ph type="sldNum" sz="quarter" idx="12"/>
+          </p:nvPr>
+        </p:nvSpPr>
+        <p:spPr/>
+        <p:txBody>
+          <a:bodyPr/>
+          <a:p>
+            <a:fld id="{238EE17F-B177-49C4-82EF-15EF1185C18A}" type="slidenum">
+              <a:rPr lang="en-US" smtClean="0"/>
+            </a:fld>
+            <a:endParaRPr lang="en-US"/>
+          </a:p>
+        </p:txBody>
+      </p:sp>
+      <p:pic>
+        <p:nvPicPr>
+          <p:cNvPr id="6" name="Content Placeholder 5"/>
+          <p:cNvPicPr>
+            <a:picLocks noChangeAspect="1"/>
+          </p:cNvPicPr>
+          <p:nvPr>
+            <p:ph idx="1"/>
+          </p:nvPr>
+        </p:nvPicPr>
+        <p:blipFill>
+          <a:blip r:embed="rId1"/>
+          <a:stretch>
+            <a:fillRect/>
+          </a:stretch>
+        </p:blipFill>
+        <p:spPr>
+          <a:xfrm>
+            <a:off x="2430145" y="141605"/>
+            <a:ext cx="7096125" cy="6457950"/>
+          </a:xfrm>
+          <a:prstGeom prst="rect">
+            <a:avLst/>
+          </a:prstGeom>
+        </p:spPr>
+      </p:pic>
+    </p:spTree>
+  </p:cSld>
+  <p:clrMapOvr>
+    <a:masterClrMapping/>
+  </p:clrMapOvr>
+</p:sld>
+</file>
+
+<file path=ppt/slides/slide12.xml><?xml version="1.0" encoding="utf-8"?>
+<p:sld xmlns:a="http://schemas.openxmlformats.org/drawingml/2006/main" xmlns:r="http://schemas.openxmlformats.org/officeDocument/2006/relationships" xmlns:p="http://schemas.openxmlformats.org/presentationml/2006/main">
+  <p:cSld>
+    <p:spTree>
+      <p:nvGrpSpPr>
+        <p:cNvPr id="1" name=""/>
+        <p:cNvGrpSpPr/>
+        <p:nvPr/>
+      </p:nvGrpSpPr>
+      <p:grpSpPr/>
+      <p:sp>
+        <p:nvSpPr>
+          <p:cNvPr id="11" name="Footer Placeholder 10"/>
+          <p:cNvSpPr>
+            <a:spLocks noGrp="1"/>
+          </p:cNvSpPr>
+          <p:nvPr>
+            <p:ph type="ftr" sz="quarter" idx="11"/>
+          </p:nvPr>
+        </p:nvSpPr>
+        <p:spPr/>
+        <p:txBody>
+          <a:bodyPr/>
+          <a:p>
+            <a:r>
+              <a:rPr lang="en-US"/>
+              <a:t>ỨNG DỤNG QUẢN LÝ TÀI CHÍNH CÁ NHÂN CHO SINH VIÊN TRÊN THIẾT BỊ DI ĐỘNG</a:t>
+            </a:r>
+            <a:endParaRPr lang="en-US"/>
+          </a:p>
+        </p:txBody>
+      </p:sp>
+      <p:sp>
+        <p:nvSpPr>
+          <p:cNvPr id="12" name="Slide Number Placeholder 11"/>
+          <p:cNvSpPr>
+            <a:spLocks noGrp="1"/>
+          </p:cNvSpPr>
+          <p:nvPr>
+            <p:ph type="sldNum" sz="quarter" idx="12"/>
+          </p:nvPr>
+        </p:nvSpPr>
+        <p:spPr/>
+        <p:txBody>
+          <a:bodyPr/>
+          <a:p>
+            <a:fld id="{238EE17F-B177-49C4-82EF-15EF1185C18A}" type="slidenum">
+              <a:rPr lang="en-US" smtClean="0"/>
+            </a:fld>
+            <a:endParaRPr lang="en-US"/>
+          </a:p>
+        </p:txBody>
+      </p:sp>
+      <p:sp>
+        <p:nvSpPr>
+          <p:cNvPr id="13" name="Title 12"/>
+          <p:cNvSpPr>
+            <a:spLocks noGrp="1"/>
+          </p:cNvSpPr>
+          <p:nvPr>
+            <p:ph type="title"/>
+          </p:nvPr>
+        </p:nvSpPr>
+        <p:spPr>
+          <a:xfrm>
+            <a:off x="677545" y="609600"/>
+            <a:ext cx="8597265" cy="827405"/>
+          </a:xfrm>
+        </p:spPr>
+        <p:txBody>
+          <a:bodyPr>
+            <a:normAutofit fontScale="90000"/>
+          </a:bodyPr>
+          <a:p>
+            <a:r>
+              <a:rPr lang="vi-VN" altLang="en-US">
+                <a:solidFill>
+                  <a:srgbClr val="FF0000"/>
+                </a:solidFill>
+                <a:effectLst>
+                  <a:outerShdw blurRad="38100" dist="38100" dir="2700000" algn="tl">
+                    <a:srgbClr val="000000">
+                      <a:alpha val="43137"/>
+                    </a:srgbClr>
+                  </a:outerShdw>
+                </a:effectLst>
+                <a:latin typeface="Times New Roman" panose="02020603050405020304" charset="0"/>
+                <a:cs typeface="Times New Roman" panose="02020603050405020304" charset="0"/>
+                <a:sym typeface="+mn-ea"/>
+              </a:rPr>
+              <a:t>2. PHÂN TÍCH</a:t>
+            </a:r>
+            <a:br>
+              <a:rPr lang="en-US"/>
+            </a:br>
+            <a:endParaRPr lang="en-US"/>
+          </a:p>
+        </p:txBody>
+      </p:sp>
+      <p:sp>
+        <p:nvSpPr>
+          <p:cNvPr id="14" name="Text Box 13"/>
+          <p:cNvSpPr txBox="1"/>
+          <p:nvPr/>
+        </p:nvSpPr>
+        <p:spPr>
+          <a:xfrm>
+            <a:off x="677545" y="1173480"/>
+            <a:ext cx="6934200" cy="460375"/>
+          </a:xfrm>
+          <a:prstGeom prst="rect">
+            <a:avLst/>
+          </a:prstGeom>
+          <a:noFill/>
+        </p:spPr>
+        <p:txBody>
+          <a:bodyPr wrap="square" rtlCol="0">
+            <a:spAutoFit/>
+          </a:bodyPr>
+          <a:p>
+            <a:pPr algn="l"/>
+            <a:r>
+              <a:rPr lang="vi-VN" altLang="en-US" sz="2400">
+                <a:solidFill>
+                  <a:schemeClr val="accent1">
+                    <a:lumMod val="50000"/>
+                  </a:schemeClr>
+                </a:solidFill>
+                <a:effectLst>
+                  <a:outerShdw blurRad="38100" dist="38100" dir="2700000" algn="tl">
+                    <a:srgbClr val="000000">
+                      <a:alpha val="43137"/>
+                    </a:srgbClr>
+                  </a:outerShdw>
+                </a:effectLst>
+                <a:latin typeface="Times New Roman" panose="02020603050405020304" charset="0"/>
+                <a:cs typeface="Times New Roman" panose="02020603050405020304" charset="0"/>
+                <a:sym typeface="+mn-ea"/>
+              </a:rPr>
+              <a:t>2.2 ĐẶC TẢ USECASE - ACTIVY - SEQUENCE</a:t>
+            </a:r>
+            <a:endParaRPr lang="vi-VN" altLang="en-US" sz="2400">
+              <a:solidFill>
+                <a:schemeClr val="accent1">
+                  <a:lumMod val="50000"/>
+                </a:schemeClr>
+              </a:solidFill>
+              <a:effectLst>
+                <a:outerShdw blurRad="38100" dist="38100" dir="2700000" algn="tl">
+                  <a:srgbClr val="000000">
+                    <a:alpha val="43137"/>
+                  </a:srgbClr>
+                </a:outerShdw>
+              </a:effectLst>
+              <a:latin typeface="Times New Roman" panose="02020603050405020304" charset="0"/>
+              <a:cs typeface="Times New Roman" panose="02020603050405020304" charset="0"/>
+              <a:sym typeface="+mn-ea"/>
+            </a:endParaRPr>
+          </a:p>
+        </p:txBody>
+      </p:sp>
+      <p:sp>
+        <p:nvSpPr>
+          <p:cNvPr id="15" name="Text Box 14"/>
+          <p:cNvSpPr txBox="1"/>
+          <p:nvPr/>
+        </p:nvSpPr>
+        <p:spPr>
+          <a:xfrm>
+            <a:off x="677545" y="1739265"/>
+            <a:ext cx="3785235" cy="398780"/>
+          </a:xfrm>
+          <a:prstGeom prst="rect">
+            <a:avLst/>
+          </a:prstGeom>
+          <a:noFill/>
+        </p:spPr>
+        <p:txBody>
+          <a:bodyPr wrap="square" rtlCol="0">
+            <a:spAutoFit/>
+          </a:bodyPr>
+          <a:p>
+            <a:r>
+              <a:rPr lang="vi-VN" altLang="en-US" sz="2000">
+                <a:effectLst>
+                  <a:outerShdw blurRad="38100" dist="38100" dir="2700000" algn="tl">
+                    <a:srgbClr val="000000">
+                      <a:alpha val="43137"/>
+                    </a:srgbClr>
+                  </a:outerShdw>
+                </a:effectLst>
+              </a:rPr>
+              <a:t>Activity Thêm thu chi</a:t>
+            </a:r>
+            <a:endParaRPr lang="vi-VN" altLang="en-US" sz="2000">
+              <a:effectLst>
+                <a:outerShdw blurRad="38100" dist="38100" dir="2700000" algn="tl">
+                  <a:srgbClr val="000000">
+                    <a:alpha val="43137"/>
+                  </a:srgbClr>
+                </a:outerShdw>
+              </a:effectLst>
+            </a:endParaRPr>
+          </a:p>
+        </p:txBody>
+      </p:sp>
+    </p:spTree>
+  </p:cSld>
+  <p:clrMapOvr>
+    <a:masterClrMapping/>
+  </p:clrMapOvr>
+</p:sld>
+</file>
+
+<file path=ppt/slides/slide13.xml><?xml version="1.0" encoding="utf-8"?>
+<p:sld xmlns:a="http://schemas.openxmlformats.org/drawingml/2006/main" xmlns:r="http://schemas.openxmlformats.org/officeDocument/2006/relationships" xmlns:p="http://schemas.openxmlformats.org/presentationml/2006/main">
+  <p:cSld>
+    <p:spTree>
+      <p:nvGrpSpPr>
+        <p:cNvPr id="1" name=""/>
+        <p:cNvGrpSpPr/>
+        <p:nvPr/>
+      </p:nvGrpSpPr>
+      <p:grpSpPr/>
+      <p:sp>
+        <p:nvSpPr>
+          <p:cNvPr id="4" name="Footer Placeholder 3"/>
+          <p:cNvSpPr>
+            <a:spLocks noGrp="1"/>
+          </p:cNvSpPr>
+          <p:nvPr>
+            <p:ph type="ftr" sz="quarter" idx="11"/>
+          </p:nvPr>
+        </p:nvSpPr>
+        <p:spPr/>
+        <p:txBody>
+          <a:bodyPr/>
+          <a:p>
+            <a:r>
+              <a:rPr lang="en-US"/>
+              <a:t>ỨNG DỤNG QUẢN LÝ TÀI CHÍNH CÁ NHÂN CHO SINH VIÊN TRÊN THIẾT BỊ DI ĐỘNG</a:t>
+            </a:r>
+            <a:endParaRPr lang="en-US"/>
+          </a:p>
+        </p:txBody>
+      </p:sp>
+      <p:sp>
+        <p:nvSpPr>
+          <p:cNvPr id="5" name="Slide Number Placeholder 4"/>
+          <p:cNvSpPr>
+            <a:spLocks noGrp="1"/>
+          </p:cNvSpPr>
+          <p:nvPr>
+            <p:ph type="sldNum" sz="quarter" idx="12"/>
+          </p:nvPr>
+        </p:nvSpPr>
+        <p:spPr/>
+        <p:txBody>
+          <a:bodyPr/>
+          <a:p>
+            <a:fld id="{238EE17F-B177-49C4-82EF-15EF1185C18A}" type="slidenum">
+              <a:rPr lang="en-US" smtClean="0"/>
+            </a:fld>
+            <a:endParaRPr lang="en-US"/>
+          </a:p>
+        </p:txBody>
+      </p:sp>
+      <p:pic>
+        <p:nvPicPr>
+          <p:cNvPr id="9" name="Picture 36"/>
+          <p:cNvPicPr>
+            <a:picLocks noChangeAspect="1" noChangeArrowheads="1"/>
+          </p:cNvPicPr>
+          <p:nvPr>
+            <p:ph idx="1"/>
+          </p:nvPr>
+        </p:nvPicPr>
+        <p:blipFill>
+          <a:blip r:embed="rId1">
             <a:extLst>
-              <a:ext uri="{FF2B5EF4-FFF2-40B4-BE49-F238E27FC236}">
-                <a16:creationId xmlns:a16="http://schemas.microsoft.com/office/drawing/2014/main" id="{4FCFC2D1-7783-49F7-A5A8-A3B101656B49}"/>
+              <a:ext uri="{28A0092B-C50C-407E-A947-70E740481C1C}">
+                <a14:useLocalDpi xmlns:a14="http://schemas.microsoft.com/office/drawing/2010/main" val="0"/>
               </a:ext>
             </a:extLst>
-          </p:cNvPr>
-          <p:cNvSpPr>
-            <a:spLocks noGrp="1"/>
-          </p:cNvSpPr>
-          <p:nvPr>
-            <p:ph type="ctrTitle"/>
+          </a:blip>
+          <a:srcRect/>
+          <a:stretch>
+            <a:fillRect/>
+          </a:stretch>
+        </p:blipFill>
+        <p:spPr>
+          <a:xfrm>
+            <a:off x="3829050" y="306070"/>
+            <a:ext cx="5010150" cy="5569585"/>
+          </a:xfrm>
+          <a:prstGeom prst="rect">
+            <a:avLst/>
+          </a:prstGeom>
+          <a:noFill/>
+          <a:ln>
+            <a:noFill/>
+          </a:ln>
+        </p:spPr>
+      </p:pic>
+    </p:spTree>
+  </p:cSld>
+  <p:clrMapOvr>
+    <a:masterClrMapping/>
+  </p:clrMapOvr>
+</p:sld>
+</file>
+
+<file path=ppt/slides/slide14.xml><?xml version="1.0" encoding="utf-8"?>
+<p:sld xmlns:a="http://schemas.openxmlformats.org/drawingml/2006/main" xmlns:r="http://schemas.openxmlformats.org/officeDocument/2006/relationships" xmlns:p="http://schemas.openxmlformats.org/presentationml/2006/main">
+  <p:cSld>
+    <p:spTree>
+      <p:nvGrpSpPr>
+        <p:cNvPr id="1" name=""/>
+        <p:cNvGrpSpPr/>
+        <p:nvPr/>
+      </p:nvGrpSpPr>
+      <p:grpSpPr/>
+      <p:sp>
+        <p:nvSpPr>
+          <p:cNvPr id="11" name="Footer Placeholder 10"/>
+          <p:cNvSpPr>
+            <a:spLocks noGrp="1"/>
+          </p:cNvSpPr>
+          <p:nvPr>
+            <p:ph type="ftr" sz="quarter" idx="11"/>
           </p:nvPr>
         </p:nvSpPr>
         <p:spPr/>
         <p:txBody>
           <a:bodyPr/>
-          <a:lstStyle/>
-          <a:p>
-            <a:endParaRPr lang="en-US"/>
-          </a:p>
-        </p:txBody>
-      </p:sp>
-      <p:sp>
-        <p:nvSpPr>
-          <p:cNvPr id="3" name="Subtitle 2">
+          <a:p>
+            <a:r>
+              <a:rPr lang="en-US"/>
+              <a:t>ỨNG DỤNG QUẢN LÝ TÀI CHÍNH CÁ NHÂN CHO SINH VIÊN TRÊN THIẾT BỊ DI ĐỘNG</a:t>
+            </a:r>
+            <a:endParaRPr lang="en-US"/>
+          </a:p>
+        </p:txBody>
+      </p:sp>
+      <p:sp>
+        <p:nvSpPr>
+          <p:cNvPr id="12" name="Slide Number Placeholder 11"/>
+          <p:cNvSpPr>
+            <a:spLocks noGrp="1"/>
+          </p:cNvSpPr>
+          <p:nvPr>
+            <p:ph type="sldNum" sz="quarter" idx="12"/>
+          </p:nvPr>
+        </p:nvSpPr>
+        <p:spPr/>
+        <p:txBody>
+          <a:bodyPr/>
+          <a:p>
+            <a:fld id="{238EE17F-B177-49C4-82EF-15EF1185C18A}" type="slidenum">
+              <a:rPr lang="en-US" smtClean="0"/>
+            </a:fld>
+            <a:endParaRPr lang="en-US"/>
+          </a:p>
+        </p:txBody>
+      </p:sp>
+      <p:sp>
+        <p:nvSpPr>
+          <p:cNvPr id="13" name="Title 12"/>
+          <p:cNvSpPr>
+            <a:spLocks noGrp="1"/>
+          </p:cNvSpPr>
+          <p:nvPr>
+            <p:ph type="title"/>
+          </p:nvPr>
+        </p:nvSpPr>
+        <p:spPr/>
+        <p:txBody>
+          <a:bodyPr>
+            <a:normAutofit fontScale="90000"/>
+          </a:bodyPr>
+          <a:p>
+            <a:r>
+              <a:rPr lang="vi-VN" altLang="en-US">
+                <a:solidFill>
+                  <a:srgbClr val="FF0000"/>
+                </a:solidFill>
+                <a:effectLst>
+                  <a:outerShdw blurRad="38100" dist="38100" dir="2700000" algn="tl">
+                    <a:srgbClr val="000000">
+                      <a:alpha val="43137"/>
+                    </a:srgbClr>
+                  </a:outerShdw>
+                </a:effectLst>
+                <a:latin typeface="Times New Roman" panose="02020603050405020304" charset="0"/>
+                <a:cs typeface="Times New Roman" panose="02020603050405020304" charset="0"/>
+                <a:sym typeface="+mn-ea"/>
+              </a:rPr>
+              <a:t>2. PHÂN TÍCH</a:t>
+            </a:r>
+            <a:br>
+              <a:rPr lang="en-US"/>
+            </a:br>
+            <a:endParaRPr lang="en-US"/>
+          </a:p>
+        </p:txBody>
+      </p:sp>
+      <p:sp>
+        <p:nvSpPr>
+          <p:cNvPr id="14" name="Text Box 13"/>
+          <p:cNvSpPr txBox="1"/>
+          <p:nvPr/>
+        </p:nvSpPr>
+        <p:spPr>
+          <a:xfrm>
+            <a:off x="677545" y="1173480"/>
+            <a:ext cx="6934200" cy="460375"/>
+          </a:xfrm>
+          <a:prstGeom prst="rect">
+            <a:avLst/>
+          </a:prstGeom>
+          <a:noFill/>
+        </p:spPr>
+        <p:txBody>
+          <a:bodyPr wrap="square" rtlCol="0">
+            <a:spAutoFit/>
+          </a:bodyPr>
+          <a:p>
+            <a:pPr algn="l"/>
+            <a:r>
+              <a:rPr lang="vi-VN" altLang="en-US" sz="2400">
+                <a:solidFill>
+                  <a:schemeClr val="accent1">
+                    <a:lumMod val="50000"/>
+                  </a:schemeClr>
+                </a:solidFill>
+                <a:effectLst>
+                  <a:outerShdw blurRad="38100" dist="38100" dir="2700000" algn="tl">
+                    <a:srgbClr val="000000">
+                      <a:alpha val="43137"/>
+                    </a:srgbClr>
+                  </a:outerShdw>
+                </a:effectLst>
+                <a:latin typeface="Times New Roman" panose="02020603050405020304" charset="0"/>
+                <a:cs typeface="Times New Roman" panose="02020603050405020304" charset="0"/>
+                <a:sym typeface="+mn-ea"/>
+              </a:rPr>
+              <a:t>2.2 ĐẶC TẢ USECASE - ACTIVY - SEQUENCE</a:t>
+            </a:r>
+            <a:endParaRPr lang="vi-VN" altLang="en-US" sz="2400">
+              <a:solidFill>
+                <a:schemeClr val="accent1">
+                  <a:lumMod val="50000"/>
+                </a:schemeClr>
+              </a:solidFill>
+              <a:effectLst>
+                <a:outerShdw blurRad="38100" dist="38100" dir="2700000" algn="tl">
+                  <a:srgbClr val="000000">
+                    <a:alpha val="43137"/>
+                  </a:srgbClr>
+                </a:outerShdw>
+              </a:effectLst>
+              <a:latin typeface="Times New Roman" panose="02020603050405020304" charset="0"/>
+              <a:cs typeface="Times New Roman" panose="02020603050405020304" charset="0"/>
+              <a:sym typeface="+mn-ea"/>
+            </a:endParaRPr>
+          </a:p>
+        </p:txBody>
+      </p:sp>
+      <p:sp>
+        <p:nvSpPr>
+          <p:cNvPr id="15" name="Text Box 14"/>
+          <p:cNvSpPr txBox="1"/>
+          <p:nvPr/>
+        </p:nvSpPr>
+        <p:spPr>
+          <a:xfrm>
+            <a:off x="677545" y="1739265"/>
+            <a:ext cx="3785235" cy="398780"/>
+          </a:xfrm>
+          <a:prstGeom prst="rect">
+            <a:avLst/>
+          </a:prstGeom>
+          <a:noFill/>
+        </p:spPr>
+        <p:txBody>
+          <a:bodyPr wrap="square" rtlCol="0">
+            <a:spAutoFit/>
+          </a:bodyPr>
+          <a:p>
+            <a:r>
+              <a:rPr lang="vi-VN" altLang="en-US" sz="2000">
+                <a:effectLst>
+                  <a:outerShdw blurRad="38100" dist="38100" dir="2700000" algn="tl">
+                    <a:srgbClr val="000000">
+                      <a:alpha val="43137"/>
+                    </a:srgbClr>
+                  </a:outerShdw>
+                </a:effectLst>
+              </a:rPr>
+              <a:t>Sequence Thêm thu chi</a:t>
+            </a:r>
+            <a:endParaRPr lang="vi-VN" altLang="en-US" sz="2000">
+              <a:effectLst>
+                <a:outerShdw blurRad="38100" dist="38100" dir="2700000" algn="tl">
+                  <a:srgbClr val="000000">
+                    <a:alpha val="43137"/>
+                  </a:srgbClr>
+                </a:outerShdw>
+              </a:effectLst>
+            </a:endParaRPr>
+          </a:p>
+        </p:txBody>
+      </p:sp>
+    </p:spTree>
+  </p:cSld>
+  <p:clrMapOvr>
+    <a:masterClrMapping/>
+  </p:clrMapOvr>
+</p:sld>
+</file>
+
+<file path=ppt/slides/slide15.xml><?xml version="1.0" encoding="utf-8"?>
+<p:sld xmlns:a="http://schemas.openxmlformats.org/drawingml/2006/main" xmlns:r="http://schemas.openxmlformats.org/officeDocument/2006/relationships" xmlns:p="http://schemas.openxmlformats.org/presentationml/2006/main">
+  <p:cSld>
+    <p:spTree>
+      <p:nvGrpSpPr>
+        <p:cNvPr id="1" name=""/>
+        <p:cNvGrpSpPr/>
+        <p:nvPr/>
+      </p:nvGrpSpPr>
+      <p:grpSpPr/>
+      <p:sp>
+        <p:nvSpPr>
+          <p:cNvPr id="4" name="Footer Placeholder 3"/>
+          <p:cNvSpPr>
+            <a:spLocks noGrp="1"/>
+          </p:cNvSpPr>
+          <p:nvPr>
+            <p:ph type="ftr" sz="quarter" idx="11"/>
+          </p:nvPr>
+        </p:nvSpPr>
+        <p:spPr/>
+        <p:txBody>
+          <a:bodyPr/>
+          <a:p>
+            <a:r>
+              <a:rPr lang="en-US"/>
+              <a:t>ỨNG DỤNG QUẢN LÝ TÀI CHÍNH CÁ NHÂN CHO SINH VIÊN TRÊN THIẾT BỊ DI ĐỘNG</a:t>
+            </a:r>
+            <a:endParaRPr lang="en-US"/>
+          </a:p>
+        </p:txBody>
+      </p:sp>
+      <p:sp>
+        <p:nvSpPr>
+          <p:cNvPr id="5" name="Slide Number Placeholder 4"/>
+          <p:cNvSpPr>
+            <a:spLocks noGrp="1"/>
+          </p:cNvSpPr>
+          <p:nvPr>
+            <p:ph type="sldNum" sz="quarter" idx="12"/>
+          </p:nvPr>
+        </p:nvSpPr>
+        <p:spPr/>
+        <p:txBody>
+          <a:bodyPr/>
+          <a:p>
+            <a:fld id="{238EE17F-B177-49C4-82EF-15EF1185C18A}" type="slidenum">
+              <a:rPr lang="en-US" smtClean="0"/>
+            </a:fld>
+            <a:endParaRPr lang="en-US"/>
+          </a:p>
+        </p:txBody>
+      </p:sp>
+      <p:pic>
+        <p:nvPicPr>
+          <p:cNvPr id="11" name="Picture 127"/>
+          <p:cNvPicPr>
+            <a:picLocks noChangeAspect="1" noChangeArrowheads="1"/>
+          </p:cNvPicPr>
+          <p:nvPr>
+            <p:ph idx="1"/>
+          </p:nvPr>
+        </p:nvPicPr>
+        <p:blipFill>
+          <a:blip r:embed="rId1">
             <a:extLst>
-              <a:ext uri="{FF2B5EF4-FFF2-40B4-BE49-F238E27FC236}">
-                <a16:creationId xmlns:a16="http://schemas.microsoft.com/office/drawing/2014/main" id="{644B5A96-2058-4D0A-B74A-97929EAE4C59}"/>
+              <a:ext uri="{28A0092B-C50C-407E-A947-70E740481C1C}">
+                <a14:useLocalDpi xmlns:a14="http://schemas.microsoft.com/office/drawing/2010/main" val="0"/>
               </a:ext>
             </a:extLst>
-          </p:cNvPr>
-          <p:cNvSpPr>
-            <a:spLocks noGrp="1"/>
-          </p:cNvSpPr>
-          <p:nvPr>
-            <p:ph type="subTitle" idx="1"/>
+          </a:blip>
+          <a:srcRect/>
+          <a:stretch>
+            <a:fillRect/>
+          </a:stretch>
+        </p:blipFill>
+        <p:spPr>
+          <a:xfrm>
+            <a:off x="3228975" y="363220"/>
+            <a:ext cx="5480685" cy="6193155"/>
+          </a:xfrm>
+          <a:prstGeom prst="rect">
+            <a:avLst/>
+          </a:prstGeom>
+          <a:noFill/>
+          <a:ln>
+            <a:noFill/>
+          </a:ln>
+        </p:spPr>
+      </p:pic>
+    </p:spTree>
+  </p:cSld>
+  <p:clrMapOvr>
+    <a:masterClrMapping/>
+  </p:clrMapOvr>
+</p:sld>
+</file>
+
+<file path=ppt/slides/slide16.xml><?xml version="1.0" encoding="utf-8"?>
+<p:sld xmlns:a="http://schemas.openxmlformats.org/drawingml/2006/main" xmlns:r="http://schemas.openxmlformats.org/officeDocument/2006/relationships" xmlns:p="http://schemas.openxmlformats.org/presentationml/2006/main">
+  <p:cSld>
+    <p:spTree>
+      <p:nvGrpSpPr>
+        <p:cNvPr id="1" name=""/>
+        <p:cNvGrpSpPr/>
+        <p:nvPr/>
+      </p:nvGrpSpPr>
+      <p:grpSpPr/>
+      <p:sp>
+        <p:nvSpPr>
+          <p:cNvPr id="4" name="Footer Placeholder 3"/>
+          <p:cNvSpPr>
+            <a:spLocks noGrp="1"/>
+          </p:cNvSpPr>
+          <p:nvPr>
+            <p:ph type="ftr" sz="quarter" idx="11"/>
           </p:nvPr>
         </p:nvSpPr>
         <p:spPr/>
         <p:txBody>
           <a:bodyPr/>
-          <a:lstStyle/>
-          <a:p>
-            <a:endParaRPr lang="en-US"/>
-          </a:p>
-        </p:txBody>
-      </p:sp>
+          <a:p>
+            <a:r>
+              <a:rPr lang="en-US"/>
+              <a:t>ỨNG DỤNG QUẢN LÝ TÀI CHÍNH CÁ NHÂN CHO SINH VIÊN TRÊN THIẾT BỊ DI ĐỘNG</a:t>
+            </a:r>
+            <a:endParaRPr lang="en-US"/>
+          </a:p>
+        </p:txBody>
+      </p:sp>
+      <p:sp>
+        <p:nvSpPr>
+          <p:cNvPr id="5" name="Slide Number Placeholder 4"/>
+          <p:cNvSpPr>
+            <a:spLocks noGrp="1"/>
+          </p:cNvSpPr>
+          <p:nvPr>
+            <p:ph type="sldNum" sz="quarter" idx="12"/>
+          </p:nvPr>
+        </p:nvSpPr>
+        <p:spPr/>
+        <p:txBody>
+          <a:bodyPr/>
+          <a:p>
+            <a:fld id="{238EE17F-B177-49C4-82EF-15EF1185C18A}" type="slidenum">
+              <a:rPr lang="en-US" smtClean="0"/>
+            </a:fld>
+            <a:endParaRPr lang="en-US"/>
+          </a:p>
+        </p:txBody>
+      </p:sp>
+      <p:sp>
+        <p:nvSpPr>
+          <p:cNvPr id="13" name="Title 12"/>
+          <p:cNvSpPr>
+            <a:spLocks noGrp="1"/>
+          </p:cNvSpPr>
+          <p:nvPr>
+            <p:ph type="title"/>
+          </p:nvPr>
+        </p:nvSpPr>
+        <p:spPr/>
+        <p:txBody>
+          <a:bodyPr>
+            <a:normAutofit/>
+          </a:bodyPr>
+          <a:p>
+            <a:r>
+              <a:rPr lang="vi-VN" altLang="en-US">
+                <a:solidFill>
+                  <a:srgbClr val="FF0000"/>
+                </a:solidFill>
+                <a:effectLst>
+                  <a:outerShdw blurRad="38100" dist="38100" dir="2700000" algn="tl">
+                    <a:srgbClr val="000000">
+                      <a:alpha val="43137"/>
+                    </a:srgbClr>
+                  </a:outerShdw>
+                </a:effectLst>
+                <a:latin typeface="Times New Roman" panose="02020603050405020304" charset="0"/>
+                <a:cs typeface="Times New Roman" panose="02020603050405020304" charset="0"/>
+                <a:sym typeface="+mn-ea"/>
+              </a:rPr>
+              <a:t>3. THIẾT KẾ</a:t>
+            </a:r>
+            <a:br>
+              <a:rPr lang="en-US"/>
+            </a:br>
+            <a:endParaRPr lang="en-US"/>
+          </a:p>
+        </p:txBody>
+      </p:sp>
+      <p:sp>
+        <p:nvSpPr>
+          <p:cNvPr id="14" name="Text Box 13"/>
+          <p:cNvSpPr txBox="1"/>
+          <p:nvPr/>
+        </p:nvSpPr>
+        <p:spPr>
+          <a:xfrm>
+            <a:off x="677545" y="1173480"/>
+            <a:ext cx="6934200" cy="460375"/>
+          </a:xfrm>
+          <a:prstGeom prst="rect">
+            <a:avLst/>
+          </a:prstGeom>
+          <a:noFill/>
+        </p:spPr>
+        <p:txBody>
+          <a:bodyPr wrap="square" rtlCol="0">
+            <a:spAutoFit/>
+          </a:bodyPr>
+          <a:p>
+            <a:pPr algn="l"/>
+            <a:r>
+              <a:rPr lang="vi-VN" altLang="en-US" sz="2400">
+                <a:solidFill>
+                  <a:schemeClr val="accent1">
+                    <a:lumMod val="50000"/>
+                  </a:schemeClr>
+                </a:solidFill>
+                <a:effectLst>
+                  <a:outerShdw blurRad="38100" dist="38100" dir="2700000" algn="tl">
+                    <a:srgbClr val="000000">
+                      <a:alpha val="43137"/>
+                    </a:srgbClr>
+                  </a:outerShdw>
+                </a:effectLst>
+                <a:latin typeface="Times New Roman" panose="02020603050405020304" charset="0"/>
+                <a:cs typeface="Times New Roman" panose="02020603050405020304" charset="0"/>
+                <a:sym typeface="+mn-ea"/>
+              </a:rPr>
+              <a:t>3.1 MÔ HÌNH LỚP</a:t>
+            </a:r>
+            <a:endParaRPr lang="vi-VN" altLang="en-US" sz="2400">
+              <a:solidFill>
+                <a:schemeClr val="accent1">
+                  <a:lumMod val="50000"/>
+                </a:schemeClr>
+              </a:solidFill>
+              <a:effectLst>
+                <a:outerShdw blurRad="38100" dist="38100" dir="2700000" algn="tl">
+                  <a:srgbClr val="000000">
+                    <a:alpha val="43137"/>
+                  </a:srgbClr>
+                </a:outerShdw>
+              </a:effectLst>
+              <a:latin typeface="Times New Roman" panose="02020603050405020304" charset="0"/>
+              <a:cs typeface="Times New Roman" panose="02020603050405020304" charset="0"/>
+              <a:sym typeface="+mn-ea"/>
+            </a:endParaRPr>
+          </a:p>
+        </p:txBody>
+      </p:sp>
+      <p:pic>
+        <p:nvPicPr>
+          <p:cNvPr id="12" name="Picture 12"/>
+          <p:cNvPicPr>
+            <a:picLocks noChangeAspect="1" noChangeArrowheads="1"/>
+          </p:cNvPicPr>
+          <p:nvPr>
+            <p:ph idx="1"/>
+          </p:nvPr>
+        </p:nvPicPr>
+        <p:blipFill>
+          <a:blip r:embed="rId1">
+            <a:extLst>
+              <a:ext uri="{28A0092B-C50C-407E-A947-70E740481C1C}">
+                <a14:useLocalDpi xmlns:a14="http://schemas.microsoft.com/office/drawing/2010/main" val="0"/>
+              </a:ext>
+            </a:extLst>
+          </a:blip>
+          <a:srcRect/>
+          <a:stretch>
+            <a:fillRect/>
+          </a:stretch>
+        </p:blipFill>
+        <p:spPr>
+          <a:xfrm>
+            <a:off x="2047240" y="1801495"/>
+            <a:ext cx="7227570" cy="3880485"/>
+          </a:xfrm>
+          <a:prstGeom prst="rect">
+            <a:avLst/>
+          </a:prstGeom>
+          <a:noFill/>
+          <a:ln>
+            <a:noFill/>
+          </a:ln>
+        </p:spPr>
+      </p:pic>
     </p:spTree>
-    <p:extLst>
-      <p:ext uri="{BB962C8B-B14F-4D97-AF65-F5344CB8AC3E}">
-        <p14:creationId xmlns:p14="http://schemas.microsoft.com/office/powerpoint/2010/main" val="2453067453"/>
-      </p:ext>
-    </p:extLst>
+  </p:cSld>
+  <p:clrMapOvr>
+    <a:masterClrMapping/>
+  </p:clrMapOvr>
+</p:sld>
+</file>
+
+<file path=ppt/slides/slide17.xml><?xml version="1.0" encoding="utf-8"?>
+<p:sld xmlns:a="http://schemas.openxmlformats.org/drawingml/2006/main" xmlns:r="http://schemas.openxmlformats.org/officeDocument/2006/relationships" xmlns:p="http://schemas.openxmlformats.org/presentationml/2006/main">
+  <p:cSld>
+    <p:spTree>
+      <p:nvGrpSpPr>
+        <p:cNvPr id="1" name=""/>
+        <p:cNvGrpSpPr/>
+        <p:nvPr/>
+      </p:nvGrpSpPr>
+      <p:grpSpPr/>
+      <p:sp>
+        <p:nvSpPr>
+          <p:cNvPr id="4" name="Footer Placeholder 3"/>
+          <p:cNvSpPr>
+            <a:spLocks noGrp="1"/>
+          </p:cNvSpPr>
+          <p:nvPr>
+            <p:ph type="ftr" sz="quarter" idx="11"/>
+          </p:nvPr>
+        </p:nvSpPr>
+        <p:spPr/>
+        <p:txBody>
+          <a:bodyPr/>
+          <a:p>
+            <a:r>
+              <a:rPr lang="en-US"/>
+              <a:t>ỨNG DỤNG QUẢN LÝ TÀI CHÍNH CÁ NHÂN CHO SINH VIÊN TRÊN THIẾT BỊ DI ĐỘNG</a:t>
+            </a:r>
+            <a:endParaRPr lang="en-US"/>
+          </a:p>
+        </p:txBody>
+      </p:sp>
+      <p:sp>
+        <p:nvSpPr>
+          <p:cNvPr id="5" name="Slide Number Placeholder 4"/>
+          <p:cNvSpPr>
+            <a:spLocks noGrp="1"/>
+          </p:cNvSpPr>
+          <p:nvPr>
+            <p:ph type="sldNum" sz="quarter" idx="12"/>
+          </p:nvPr>
+        </p:nvSpPr>
+        <p:spPr/>
+        <p:txBody>
+          <a:bodyPr/>
+          <a:p>
+            <a:fld id="{238EE17F-B177-49C4-82EF-15EF1185C18A}" type="slidenum">
+              <a:rPr lang="en-US" smtClean="0"/>
+            </a:fld>
+            <a:endParaRPr lang="en-US"/>
+          </a:p>
+        </p:txBody>
+      </p:sp>
+      <p:sp>
+        <p:nvSpPr>
+          <p:cNvPr id="13" name="Title 12"/>
+          <p:cNvSpPr>
+            <a:spLocks noGrp="1"/>
+          </p:cNvSpPr>
+          <p:nvPr>
+            <p:ph type="title"/>
+          </p:nvPr>
+        </p:nvSpPr>
+        <p:spPr/>
+        <p:txBody>
+          <a:bodyPr>
+            <a:normAutofit/>
+          </a:bodyPr>
+          <a:p>
+            <a:r>
+              <a:rPr lang="vi-VN" altLang="en-US">
+                <a:solidFill>
+                  <a:srgbClr val="FF0000"/>
+                </a:solidFill>
+                <a:effectLst>
+                  <a:outerShdw blurRad="38100" dist="38100" dir="2700000" algn="tl">
+                    <a:srgbClr val="000000">
+                      <a:alpha val="43137"/>
+                    </a:srgbClr>
+                  </a:outerShdw>
+                </a:effectLst>
+                <a:latin typeface="Times New Roman" panose="02020603050405020304" charset="0"/>
+                <a:cs typeface="Times New Roman" panose="02020603050405020304" charset="0"/>
+                <a:sym typeface="+mn-ea"/>
+              </a:rPr>
+              <a:t>3. THIẾT KẾ</a:t>
+            </a:r>
+            <a:br>
+              <a:rPr lang="en-US"/>
+            </a:br>
+            <a:endParaRPr lang="en-US"/>
+          </a:p>
+        </p:txBody>
+      </p:sp>
+      <p:sp>
+        <p:nvSpPr>
+          <p:cNvPr id="14" name="Text Box 13"/>
+          <p:cNvSpPr txBox="1"/>
+          <p:nvPr/>
+        </p:nvSpPr>
+        <p:spPr>
+          <a:xfrm>
+            <a:off x="677545" y="1173480"/>
+            <a:ext cx="6934200" cy="460375"/>
+          </a:xfrm>
+          <a:prstGeom prst="rect">
+            <a:avLst/>
+          </a:prstGeom>
+          <a:noFill/>
+        </p:spPr>
+        <p:txBody>
+          <a:bodyPr wrap="square" rtlCol="0">
+            <a:spAutoFit/>
+          </a:bodyPr>
+          <a:p>
+            <a:pPr algn="l"/>
+            <a:r>
+              <a:rPr lang="vi-VN" altLang="en-US" sz="2400">
+                <a:solidFill>
+                  <a:schemeClr val="accent1">
+                    <a:lumMod val="50000"/>
+                  </a:schemeClr>
+                </a:solidFill>
+                <a:effectLst>
+                  <a:outerShdw blurRad="38100" dist="38100" dir="2700000" algn="tl">
+                    <a:srgbClr val="000000">
+                      <a:alpha val="43137"/>
+                    </a:srgbClr>
+                  </a:outerShdw>
+                </a:effectLst>
+                <a:latin typeface="Times New Roman" panose="02020603050405020304" charset="0"/>
+                <a:cs typeface="Times New Roman" panose="02020603050405020304" charset="0"/>
+                <a:sym typeface="+mn-ea"/>
+              </a:rPr>
+              <a:t>3.2 MÔ HÌNH LIÊN KẾT THỰC THỂ</a:t>
+            </a:r>
+            <a:endParaRPr lang="vi-VN" altLang="en-US" sz="2400">
+              <a:solidFill>
+                <a:schemeClr val="accent1">
+                  <a:lumMod val="50000"/>
+                </a:schemeClr>
+              </a:solidFill>
+              <a:effectLst>
+                <a:outerShdw blurRad="38100" dist="38100" dir="2700000" algn="tl">
+                  <a:srgbClr val="000000">
+                    <a:alpha val="43137"/>
+                  </a:srgbClr>
+                </a:outerShdw>
+              </a:effectLst>
+              <a:latin typeface="Times New Roman" panose="02020603050405020304" charset="0"/>
+              <a:cs typeface="Times New Roman" panose="02020603050405020304" charset="0"/>
+              <a:sym typeface="+mn-ea"/>
+            </a:endParaRPr>
+          </a:p>
+        </p:txBody>
+      </p:sp>
+    </p:spTree>
+  </p:cSld>
+  <p:clrMapOvr>
+    <a:masterClrMapping/>
+  </p:clrMapOvr>
+</p:sld>
+</file>
+
+<file path=ppt/slides/slide18.xml><?xml version="1.0" encoding="utf-8"?>
+<p:sld xmlns:a="http://schemas.openxmlformats.org/drawingml/2006/main" xmlns:r="http://schemas.openxmlformats.org/officeDocument/2006/relationships" xmlns:p="http://schemas.openxmlformats.org/presentationml/2006/main">
+  <p:cSld>
+    <p:spTree>
+      <p:nvGrpSpPr>
+        <p:cNvPr id="1" name=""/>
+        <p:cNvGrpSpPr/>
+        <p:nvPr/>
+      </p:nvGrpSpPr>
+      <p:grpSpPr/>
+      <p:sp>
+        <p:nvSpPr>
+          <p:cNvPr id="4" name="Footer Placeholder 3"/>
+          <p:cNvSpPr>
+            <a:spLocks noGrp="1"/>
+          </p:cNvSpPr>
+          <p:nvPr>
+            <p:ph type="ftr" sz="quarter" idx="11"/>
+          </p:nvPr>
+        </p:nvSpPr>
+        <p:spPr/>
+        <p:txBody>
+          <a:bodyPr/>
+          <a:p>
+            <a:r>
+              <a:rPr lang="en-US"/>
+              <a:t>ỨNG DỤNG QUẢN LÝ TÀI CHÍNH CÁ NHÂN CHO SINH VIÊN TRÊN THIẾT BỊ DI ĐỘNG</a:t>
+            </a:r>
+            <a:endParaRPr lang="en-US"/>
+          </a:p>
+        </p:txBody>
+      </p:sp>
+      <p:sp>
+        <p:nvSpPr>
+          <p:cNvPr id="5" name="Slide Number Placeholder 4"/>
+          <p:cNvSpPr>
+            <a:spLocks noGrp="1"/>
+          </p:cNvSpPr>
+          <p:nvPr>
+            <p:ph type="sldNum" sz="quarter" idx="12"/>
+          </p:nvPr>
+        </p:nvSpPr>
+        <p:spPr/>
+        <p:txBody>
+          <a:bodyPr/>
+          <a:p>
+            <a:fld id="{238EE17F-B177-49C4-82EF-15EF1185C18A}" type="slidenum">
+              <a:rPr lang="en-US" smtClean="0"/>
+            </a:fld>
+            <a:endParaRPr lang="en-US"/>
+          </a:p>
+        </p:txBody>
+      </p:sp>
+      <p:pic>
+        <p:nvPicPr>
+          <p:cNvPr id="32" name="Picture 32"/>
+          <p:cNvPicPr>
+            <a:picLocks noChangeAspect="1" noChangeArrowheads="1"/>
+          </p:cNvPicPr>
+          <p:nvPr>
+            <p:ph idx="1"/>
+          </p:nvPr>
+        </p:nvPicPr>
+        <p:blipFill>
+          <a:blip r:embed="rId1">
+            <a:extLst>
+              <a:ext uri="{28A0092B-C50C-407E-A947-70E740481C1C}">
+                <a14:useLocalDpi xmlns:a14="http://schemas.microsoft.com/office/drawing/2010/main" val="0"/>
+              </a:ext>
+            </a:extLst>
+          </a:blip>
+          <a:srcRect/>
+          <a:stretch>
+            <a:fillRect/>
+          </a:stretch>
+        </p:blipFill>
+        <p:spPr>
+          <a:xfrm>
+            <a:off x="1636395" y="270510"/>
+            <a:ext cx="8589010" cy="5894070"/>
+          </a:xfrm>
+          <a:prstGeom prst="rect">
+            <a:avLst/>
+          </a:prstGeom>
+          <a:noFill/>
+          <a:ln>
+            <a:noFill/>
+          </a:ln>
+        </p:spPr>
+      </p:pic>
+    </p:spTree>
+  </p:cSld>
+  <p:clrMapOvr>
+    <a:masterClrMapping/>
+  </p:clrMapOvr>
+</p:sld>
+</file>
+
+<file path=ppt/slides/slide19.xml><?xml version="1.0" encoding="utf-8"?>
+<p:sld xmlns:a="http://schemas.openxmlformats.org/drawingml/2006/main" xmlns:r="http://schemas.openxmlformats.org/officeDocument/2006/relationships" xmlns:p="http://schemas.openxmlformats.org/presentationml/2006/main">
+  <p:cSld>
+    <p:spTree>
+      <p:nvGrpSpPr>
+        <p:cNvPr id="1" name=""/>
+        <p:cNvGrpSpPr/>
+        <p:nvPr/>
+      </p:nvGrpSpPr>
+      <p:grpSpPr/>
+      <p:sp>
+        <p:nvSpPr>
+          <p:cNvPr id="4" name="Footer Placeholder 3"/>
+          <p:cNvSpPr>
+            <a:spLocks noGrp="1"/>
+          </p:cNvSpPr>
+          <p:nvPr>
+            <p:ph type="ftr" sz="quarter" idx="11"/>
+          </p:nvPr>
+        </p:nvSpPr>
+        <p:spPr/>
+        <p:txBody>
+          <a:bodyPr/>
+          <a:p>
+            <a:r>
+              <a:rPr lang="en-US"/>
+              <a:t>ỨNG DỤNG QUẢN LÝ TÀI CHÍNH CÁ NHÂN CHO SINH VIÊN TRÊN THIẾT BỊ DI ĐỘNG</a:t>
+            </a:r>
+            <a:endParaRPr lang="en-US"/>
+          </a:p>
+        </p:txBody>
+      </p:sp>
+      <p:sp>
+        <p:nvSpPr>
+          <p:cNvPr id="5" name="Slide Number Placeholder 4"/>
+          <p:cNvSpPr>
+            <a:spLocks noGrp="1"/>
+          </p:cNvSpPr>
+          <p:nvPr>
+            <p:ph type="sldNum" sz="quarter" idx="12"/>
+          </p:nvPr>
+        </p:nvSpPr>
+        <p:spPr/>
+        <p:txBody>
+          <a:bodyPr/>
+          <a:p>
+            <a:fld id="{238EE17F-B177-49C4-82EF-15EF1185C18A}" type="slidenum">
+              <a:rPr lang="en-US" smtClean="0"/>
+            </a:fld>
+            <a:endParaRPr lang="en-US"/>
+          </a:p>
+        </p:txBody>
+      </p:sp>
+      <p:sp>
+        <p:nvSpPr>
+          <p:cNvPr id="13" name="Title 12"/>
+          <p:cNvSpPr>
+            <a:spLocks noGrp="1"/>
+          </p:cNvSpPr>
+          <p:nvPr>
+            <p:ph type="title"/>
+          </p:nvPr>
+        </p:nvSpPr>
+        <p:spPr/>
+        <p:txBody>
+          <a:bodyPr>
+            <a:normAutofit/>
+          </a:bodyPr>
+          <a:p>
+            <a:r>
+              <a:rPr lang="vi-VN" altLang="en-US">
+                <a:solidFill>
+                  <a:srgbClr val="FF0000"/>
+                </a:solidFill>
+                <a:effectLst>
+                  <a:outerShdw blurRad="38100" dist="38100" dir="2700000" algn="tl">
+                    <a:srgbClr val="000000">
+                      <a:alpha val="43137"/>
+                    </a:srgbClr>
+                  </a:outerShdw>
+                </a:effectLst>
+                <a:latin typeface="Times New Roman" panose="02020603050405020304" charset="0"/>
+                <a:cs typeface="Times New Roman" panose="02020603050405020304" charset="0"/>
+                <a:sym typeface="+mn-ea"/>
+              </a:rPr>
+              <a:t>3. THIẾT KẾ</a:t>
+            </a:r>
+            <a:br>
+              <a:rPr lang="en-US"/>
+            </a:br>
+            <a:endParaRPr lang="en-US"/>
+          </a:p>
+        </p:txBody>
+      </p:sp>
+      <p:sp>
+        <p:nvSpPr>
+          <p:cNvPr id="14" name="Text Box 13"/>
+          <p:cNvSpPr txBox="1"/>
+          <p:nvPr/>
+        </p:nvSpPr>
+        <p:spPr>
+          <a:xfrm>
+            <a:off x="677545" y="1173480"/>
+            <a:ext cx="6934200" cy="460375"/>
+          </a:xfrm>
+          <a:prstGeom prst="rect">
+            <a:avLst/>
+          </a:prstGeom>
+          <a:noFill/>
+        </p:spPr>
+        <p:txBody>
+          <a:bodyPr wrap="square" rtlCol="0">
+            <a:spAutoFit/>
+          </a:bodyPr>
+          <a:p>
+            <a:pPr algn="l"/>
+            <a:r>
+              <a:rPr lang="vi-VN" altLang="en-US" sz="2400">
+                <a:solidFill>
+                  <a:schemeClr val="accent1">
+                    <a:lumMod val="50000"/>
+                  </a:schemeClr>
+                </a:solidFill>
+                <a:effectLst>
+                  <a:outerShdw blurRad="38100" dist="38100" dir="2700000" algn="tl">
+                    <a:srgbClr val="000000">
+                      <a:alpha val="43137"/>
+                    </a:srgbClr>
+                  </a:outerShdw>
+                </a:effectLst>
+                <a:latin typeface="Times New Roman" panose="02020603050405020304" charset="0"/>
+                <a:cs typeface="Times New Roman" panose="02020603050405020304" charset="0"/>
+                <a:sym typeface="+mn-ea"/>
+              </a:rPr>
+              <a:t>3.3 MÔ HÌNH CƠ SỞ DỮ LIỆU</a:t>
+            </a:r>
+            <a:endParaRPr lang="vi-VN" altLang="en-US" sz="2400">
+              <a:solidFill>
+                <a:schemeClr val="accent1">
+                  <a:lumMod val="50000"/>
+                </a:schemeClr>
+              </a:solidFill>
+              <a:effectLst>
+                <a:outerShdw blurRad="38100" dist="38100" dir="2700000" algn="tl">
+                  <a:srgbClr val="000000">
+                    <a:alpha val="43137"/>
+                  </a:srgbClr>
+                </a:outerShdw>
+              </a:effectLst>
+              <a:latin typeface="Times New Roman" panose="02020603050405020304" charset="0"/>
+              <a:cs typeface="Times New Roman" panose="02020603050405020304" charset="0"/>
+              <a:sym typeface="+mn-ea"/>
+            </a:endParaRPr>
+          </a:p>
+        </p:txBody>
+      </p:sp>
+      <p:pic>
+        <p:nvPicPr>
+          <p:cNvPr id="39" name="Picture 39"/>
+          <p:cNvPicPr>
+            <a:picLocks noChangeAspect="1" noChangeArrowheads="1"/>
+          </p:cNvPicPr>
+          <p:nvPr>
+            <p:ph idx="1"/>
+          </p:nvPr>
+        </p:nvPicPr>
+        <p:blipFill>
+          <a:blip r:embed="rId1">
+            <a:extLst>
+              <a:ext uri="{28A0092B-C50C-407E-A947-70E740481C1C}">
+                <a14:useLocalDpi xmlns:a14="http://schemas.microsoft.com/office/drawing/2010/main" val="0"/>
+              </a:ext>
+            </a:extLst>
+          </a:blip>
+          <a:srcRect/>
+          <a:stretch>
+            <a:fillRect/>
+          </a:stretch>
+        </p:blipFill>
+        <p:spPr>
+          <a:xfrm>
+            <a:off x="1736090" y="1563370"/>
+            <a:ext cx="7345680" cy="4478020"/>
+          </a:xfrm>
+          <a:prstGeom prst="rect">
+            <a:avLst/>
+          </a:prstGeom>
+          <a:noFill/>
+          <a:ln>
+            <a:noFill/>
+          </a:ln>
+        </p:spPr>
+      </p:pic>
+    </p:spTree>
+  </p:cSld>
+  <p:clrMapOvr>
+    <a:masterClrMapping/>
+  </p:clrMapOvr>
+</p:sld>
+</file>
+
+<file path=ppt/slides/slide2.xml><?xml version="1.0" encoding="utf-8"?>
+<p:sld xmlns:a="http://schemas.openxmlformats.org/drawingml/2006/main" xmlns:r="http://schemas.openxmlformats.org/officeDocument/2006/relationships" xmlns:p="http://schemas.openxmlformats.org/presentationml/2006/main">
+  <p:cSld>
+    <p:spTree>
+      <p:nvGrpSpPr>
+        <p:cNvPr id="1" name=""/>
+        <p:cNvGrpSpPr/>
+        <p:nvPr/>
+      </p:nvGrpSpPr>
+      <p:grpSpPr/>
+      <p:sp>
+        <p:nvSpPr>
+          <p:cNvPr id="2" name="Title 1"/>
+          <p:cNvSpPr>
+            <a:spLocks noGrp="1"/>
+          </p:cNvSpPr>
+          <p:nvPr>
+            <p:ph type="title"/>
+          </p:nvPr>
+        </p:nvSpPr>
+        <p:spPr>
+          <a:xfrm>
+            <a:off x="1449070" y="2796540"/>
+            <a:ext cx="2881630" cy="735965"/>
+          </a:xfrm>
+        </p:spPr>
+        <p:txBody>
+          <a:bodyPr/>
+          <a:p>
+            <a:r>
+              <a:rPr lang="vi-VN" altLang="en-US" b="1">
+                <a:solidFill>
+                  <a:srgbClr val="C00000"/>
+                </a:solidFill>
+                <a:effectLst>
+                  <a:outerShdw blurRad="38100" dist="38100" dir="2700000" algn="tl">
+                    <a:srgbClr val="000000">
+                      <a:alpha val="43137"/>
+                    </a:srgbClr>
+                  </a:outerShdw>
+                </a:effectLst>
+                <a:latin typeface="Times New Roman" panose="02020603050405020304" charset="0"/>
+                <a:cs typeface="Times New Roman" panose="02020603050405020304" charset="0"/>
+              </a:rPr>
+              <a:t>NỘI DUNG</a:t>
+            </a:r>
+            <a:endParaRPr lang="vi-VN" altLang="en-US" b="1">
+              <a:solidFill>
+                <a:srgbClr val="C00000"/>
+              </a:solidFill>
+              <a:effectLst>
+                <a:outerShdw blurRad="38100" dist="38100" dir="2700000" algn="tl">
+                  <a:srgbClr val="000000">
+                    <a:alpha val="43137"/>
+                  </a:srgbClr>
+                </a:outerShdw>
+              </a:effectLst>
+              <a:latin typeface="Times New Roman" panose="02020603050405020304" charset="0"/>
+              <a:cs typeface="Times New Roman" panose="02020603050405020304" charset="0"/>
+            </a:endParaRPr>
+          </a:p>
+        </p:txBody>
+      </p:sp>
+      <p:sp>
+        <p:nvSpPr>
+          <p:cNvPr id="4" name="Slide Number Placeholder 3"/>
+          <p:cNvSpPr>
+            <a:spLocks noGrp="1"/>
+          </p:cNvSpPr>
+          <p:nvPr>
+            <p:ph type="sldNum" sz="quarter" idx="12"/>
+          </p:nvPr>
+        </p:nvSpPr>
+        <p:spPr>
+          <a:xfrm flipH="1">
+            <a:off x="10960735" y="6041390"/>
+            <a:ext cx="607060" cy="365125"/>
+          </a:xfrm>
+        </p:spPr>
+        <p:txBody>
+          <a:bodyPr/>
+          <a:p>
+            <a:fld id="{238EE17F-B177-49C4-82EF-15EF1185C18A}" type="slidenum">
+              <a:rPr lang="en-US" sz="1400" smtClean="0">
+                <a:solidFill>
+                  <a:schemeClr val="tx1"/>
+                </a:solidFill>
+              </a:rPr>
+            </a:fld>
+            <a:endParaRPr lang="en-US" sz="1400" smtClean="0">
+              <a:solidFill>
+                <a:schemeClr val="tx1"/>
+              </a:solidFill>
+            </a:endParaRPr>
+          </a:p>
+        </p:txBody>
+      </p:sp>
+      <p:sp>
+        <p:nvSpPr>
+          <p:cNvPr id="5" name="Footer Placeholder 4"/>
+          <p:cNvSpPr>
+            <a:spLocks noGrp="1"/>
+          </p:cNvSpPr>
+          <p:nvPr>
+            <p:ph type="ftr" sz="quarter" idx="11"/>
+          </p:nvPr>
+        </p:nvSpPr>
+        <p:spPr/>
+        <p:txBody>
+          <a:bodyPr/>
+          <a:p>
+            <a:r>
+              <a:rPr lang="en-US"/>
+              <a:t>ỨNG DỤNG QUẢN LÝ TÀI CHÍNH CÁ NHÂN CHO SINH VIÊN TRÊN THIẾT BỊ DI ĐỘNG</a:t>
+            </a:r>
+            <a:endParaRPr lang="en-US"/>
+          </a:p>
+        </p:txBody>
+      </p:sp>
+      <p:sp>
+        <p:nvSpPr>
+          <p:cNvPr id="6" name="Text Box 5"/>
+          <p:cNvSpPr txBox="1"/>
+          <p:nvPr/>
+        </p:nvSpPr>
+        <p:spPr>
+          <a:xfrm>
+            <a:off x="5446395" y="656590"/>
+            <a:ext cx="2971800" cy="460375"/>
+          </a:xfrm>
+          <a:prstGeom prst="rect">
+            <a:avLst/>
+          </a:prstGeom>
+          <a:noFill/>
+        </p:spPr>
+        <p:txBody>
+          <a:bodyPr wrap="square" rtlCol="0">
+            <a:spAutoFit/>
+          </a:bodyPr>
+          <a:p>
+            <a:r>
+              <a:rPr lang="vi-VN" altLang="en-US" sz="2400" i="1">
+                <a:solidFill>
+                  <a:schemeClr val="accent1">
+                    <a:lumMod val="50000"/>
+                  </a:schemeClr>
+                </a:solidFill>
+                <a:effectLst>
+                  <a:outerShdw blurRad="38100" dist="38100" dir="2700000" algn="tl">
+                    <a:srgbClr val="000000">
+                      <a:alpha val="43137"/>
+                    </a:srgbClr>
+                  </a:outerShdw>
+                </a:effectLst>
+                <a:latin typeface="Times New Roman" panose="02020603050405020304" charset="0"/>
+                <a:cs typeface="Times New Roman" panose="02020603050405020304" charset="0"/>
+              </a:rPr>
+              <a:t>1. GIỚI THIỆU</a:t>
+            </a:r>
+            <a:endParaRPr lang="vi-VN" altLang="en-US" sz="2400" i="1">
+              <a:solidFill>
+                <a:schemeClr val="accent1">
+                  <a:lumMod val="50000"/>
+                </a:schemeClr>
+              </a:solidFill>
+              <a:effectLst>
+                <a:outerShdw blurRad="38100" dist="38100" dir="2700000" algn="tl">
+                  <a:srgbClr val="000000">
+                    <a:alpha val="43137"/>
+                  </a:srgbClr>
+                </a:outerShdw>
+              </a:effectLst>
+              <a:latin typeface="Times New Roman" panose="02020603050405020304" charset="0"/>
+              <a:cs typeface="Times New Roman" panose="02020603050405020304" charset="0"/>
+            </a:endParaRPr>
+          </a:p>
+        </p:txBody>
+      </p:sp>
+      <p:sp>
+        <p:nvSpPr>
+          <p:cNvPr id="7" name="Text Box 6"/>
+          <p:cNvSpPr txBox="1"/>
+          <p:nvPr/>
+        </p:nvSpPr>
+        <p:spPr>
+          <a:xfrm>
+            <a:off x="5446395" y="1474470"/>
+            <a:ext cx="3458210" cy="460375"/>
+          </a:xfrm>
+          <a:prstGeom prst="rect">
+            <a:avLst/>
+          </a:prstGeom>
+          <a:noFill/>
+        </p:spPr>
+        <p:txBody>
+          <a:bodyPr wrap="square" rtlCol="0">
+            <a:spAutoFit/>
+          </a:bodyPr>
+          <a:p>
+            <a:r>
+              <a:rPr lang="vi-VN" altLang="en-US" sz="2400" i="1">
+                <a:solidFill>
+                  <a:schemeClr val="accent1">
+                    <a:lumMod val="50000"/>
+                  </a:schemeClr>
+                </a:solidFill>
+                <a:effectLst>
+                  <a:outerShdw blurRad="38100" dist="38100" dir="2700000" algn="tl">
+                    <a:srgbClr val="000000">
+                      <a:alpha val="43137"/>
+                    </a:srgbClr>
+                  </a:outerShdw>
+                </a:effectLst>
+                <a:latin typeface="Times New Roman" panose="02020603050405020304" charset="0"/>
+                <a:cs typeface="Times New Roman" panose="02020603050405020304" charset="0"/>
+              </a:rPr>
+              <a:t>2.PHÂN TÍCH</a:t>
+            </a:r>
+            <a:endParaRPr lang="vi-VN" altLang="en-US" sz="2400" i="1">
+              <a:solidFill>
+                <a:schemeClr val="accent1">
+                  <a:lumMod val="50000"/>
+                </a:schemeClr>
+              </a:solidFill>
+              <a:effectLst>
+                <a:outerShdw blurRad="38100" dist="38100" dir="2700000" algn="tl">
+                  <a:srgbClr val="000000">
+                    <a:alpha val="43137"/>
+                  </a:srgbClr>
+                </a:outerShdw>
+              </a:effectLst>
+              <a:latin typeface="Times New Roman" panose="02020603050405020304" charset="0"/>
+              <a:cs typeface="Times New Roman" panose="02020603050405020304" charset="0"/>
+            </a:endParaRPr>
+          </a:p>
+        </p:txBody>
+      </p:sp>
+      <p:sp>
+        <p:nvSpPr>
+          <p:cNvPr id="8" name="Text Box 7"/>
+          <p:cNvSpPr txBox="1"/>
+          <p:nvPr/>
+        </p:nvSpPr>
+        <p:spPr>
+          <a:xfrm>
+            <a:off x="5446395" y="2336165"/>
+            <a:ext cx="2129155" cy="460375"/>
+          </a:xfrm>
+          <a:prstGeom prst="rect">
+            <a:avLst/>
+          </a:prstGeom>
+          <a:noFill/>
+        </p:spPr>
+        <p:txBody>
+          <a:bodyPr wrap="square" rtlCol="0">
+            <a:spAutoFit/>
+          </a:bodyPr>
+          <a:p>
+            <a:r>
+              <a:rPr lang="vi-VN" altLang="en-US" sz="2400" i="1">
+                <a:solidFill>
+                  <a:schemeClr val="accent1">
+                    <a:lumMod val="50000"/>
+                  </a:schemeClr>
+                </a:solidFill>
+                <a:effectLst>
+                  <a:outerShdw blurRad="38100" dist="38100" dir="2700000" algn="tl">
+                    <a:srgbClr val="000000">
+                      <a:alpha val="43137"/>
+                    </a:srgbClr>
+                  </a:outerShdw>
+                </a:effectLst>
+                <a:latin typeface="Times New Roman" panose="02020603050405020304" charset="0"/>
+                <a:cs typeface="Times New Roman" panose="02020603050405020304" charset="0"/>
+              </a:rPr>
+              <a:t>3.THIẾT KẾ</a:t>
+            </a:r>
+            <a:endParaRPr lang="vi-VN" altLang="en-US" sz="2400" i="1">
+              <a:solidFill>
+                <a:schemeClr val="accent1">
+                  <a:lumMod val="50000"/>
+                </a:schemeClr>
+              </a:solidFill>
+              <a:effectLst>
+                <a:outerShdw blurRad="38100" dist="38100" dir="2700000" algn="tl">
+                  <a:srgbClr val="000000">
+                    <a:alpha val="43137"/>
+                  </a:srgbClr>
+                </a:outerShdw>
+              </a:effectLst>
+              <a:latin typeface="Times New Roman" panose="02020603050405020304" charset="0"/>
+              <a:cs typeface="Times New Roman" panose="02020603050405020304" charset="0"/>
+            </a:endParaRPr>
+          </a:p>
+        </p:txBody>
+      </p:sp>
+      <p:sp>
+        <p:nvSpPr>
+          <p:cNvPr id="9" name="Text Box 8"/>
+          <p:cNvSpPr txBox="1"/>
+          <p:nvPr/>
+        </p:nvSpPr>
+        <p:spPr>
+          <a:xfrm>
+            <a:off x="5446395" y="3198495"/>
+            <a:ext cx="2799715" cy="460375"/>
+          </a:xfrm>
+          <a:prstGeom prst="rect">
+            <a:avLst/>
+          </a:prstGeom>
+          <a:noFill/>
+        </p:spPr>
+        <p:txBody>
+          <a:bodyPr wrap="square" rtlCol="0">
+            <a:spAutoFit/>
+          </a:bodyPr>
+          <a:p>
+            <a:r>
+              <a:rPr lang="vi-VN" altLang="en-US" sz="2400" i="1">
+                <a:solidFill>
+                  <a:schemeClr val="accent1">
+                    <a:lumMod val="50000"/>
+                  </a:schemeClr>
+                </a:solidFill>
+                <a:effectLst>
+                  <a:outerShdw blurRad="38100" dist="38100" dir="2700000" algn="tl">
+                    <a:srgbClr val="000000">
+                      <a:alpha val="43137"/>
+                    </a:srgbClr>
+                  </a:outerShdw>
+                </a:effectLst>
+                <a:latin typeface="Times New Roman" panose="02020603050405020304" charset="0"/>
+                <a:cs typeface="Times New Roman" panose="02020603050405020304" charset="0"/>
+              </a:rPr>
+              <a:t>4.KIỂM THỬ</a:t>
+            </a:r>
+            <a:endParaRPr lang="vi-VN" altLang="en-US" sz="2400" i="1">
+              <a:solidFill>
+                <a:schemeClr val="accent1">
+                  <a:lumMod val="50000"/>
+                </a:schemeClr>
+              </a:solidFill>
+              <a:effectLst>
+                <a:outerShdw blurRad="38100" dist="38100" dir="2700000" algn="tl">
+                  <a:srgbClr val="000000">
+                    <a:alpha val="43137"/>
+                  </a:srgbClr>
+                </a:outerShdw>
+              </a:effectLst>
+              <a:latin typeface="Times New Roman" panose="02020603050405020304" charset="0"/>
+              <a:cs typeface="Times New Roman" panose="02020603050405020304" charset="0"/>
+            </a:endParaRPr>
+          </a:p>
+        </p:txBody>
+      </p:sp>
+      <p:sp>
+        <p:nvSpPr>
+          <p:cNvPr id="10" name="Text Box 9"/>
+          <p:cNvSpPr txBox="1"/>
+          <p:nvPr/>
+        </p:nvSpPr>
+        <p:spPr>
+          <a:xfrm>
+            <a:off x="5446395" y="4069715"/>
+            <a:ext cx="2214880" cy="460375"/>
+          </a:xfrm>
+          <a:prstGeom prst="rect">
+            <a:avLst/>
+          </a:prstGeom>
+          <a:noFill/>
+        </p:spPr>
+        <p:txBody>
+          <a:bodyPr wrap="square" rtlCol="0">
+            <a:spAutoFit/>
+          </a:bodyPr>
+          <a:p>
+            <a:r>
+              <a:rPr lang="vi-VN" altLang="en-US" sz="2400" i="1">
+                <a:solidFill>
+                  <a:schemeClr val="accent1">
+                    <a:lumMod val="50000"/>
+                  </a:schemeClr>
+                </a:solidFill>
+                <a:effectLst>
+                  <a:outerShdw blurRad="38100" dist="38100" dir="2700000" algn="tl">
+                    <a:srgbClr val="000000">
+                      <a:alpha val="43137"/>
+                    </a:srgbClr>
+                  </a:outerShdw>
+                </a:effectLst>
+                <a:latin typeface="Times New Roman" panose="02020603050405020304" charset="0"/>
+                <a:cs typeface="Times New Roman" panose="02020603050405020304" charset="0"/>
+              </a:rPr>
+              <a:t>5.DEMO</a:t>
+            </a:r>
+            <a:endParaRPr lang="vi-VN" altLang="en-US" sz="2400" i="1">
+              <a:solidFill>
+                <a:schemeClr val="accent1">
+                  <a:lumMod val="50000"/>
+                </a:schemeClr>
+              </a:solidFill>
+              <a:effectLst>
+                <a:outerShdw blurRad="38100" dist="38100" dir="2700000" algn="tl">
+                  <a:srgbClr val="000000">
+                    <a:alpha val="43137"/>
+                  </a:srgbClr>
+                </a:outerShdw>
+              </a:effectLst>
+              <a:latin typeface="Times New Roman" panose="02020603050405020304" charset="0"/>
+              <a:cs typeface="Times New Roman" panose="02020603050405020304" charset="0"/>
+            </a:endParaRPr>
+          </a:p>
+        </p:txBody>
+      </p:sp>
+      <p:sp>
+        <p:nvSpPr>
+          <p:cNvPr id="11" name="Text Box 10"/>
+          <p:cNvSpPr txBox="1"/>
+          <p:nvPr/>
+        </p:nvSpPr>
+        <p:spPr>
+          <a:xfrm>
+            <a:off x="5446395" y="4933315"/>
+            <a:ext cx="5514340" cy="460375"/>
+          </a:xfrm>
+          <a:prstGeom prst="rect">
+            <a:avLst/>
+          </a:prstGeom>
+          <a:noFill/>
+        </p:spPr>
+        <p:txBody>
+          <a:bodyPr wrap="square" rtlCol="0">
+            <a:spAutoFit/>
+          </a:bodyPr>
+          <a:p>
+            <a:r>
+              <a:rPr lang="vi-VN" altLang="en-US" sz="2400" i="1">
+                <a:solidFill>
+                  <a:schemeClr val="accent1">
+                    <a:lumMod val="50000"/>
+                  </a:schemeClr>
+                </a:solidFill>
+                <a:effectLst>
+                  <a:outerShdw blurRad="38100" dist="38100" dir="2700000" algn="tl">
+                    <a:srgbClr val="000000">
+                      <a:alpha val="43137"/>
+                    </a:srgbClr>
+                  </a:outerShdw>
+                </a:effectLst>
+                <a:latin typeface="Times New Roman" panose="02020603050405020304" charset="0"/>
+                <a:cs typeface="Times New Roman" panose="02020603050405020304" charset="0"/>
+              </a:rPr>
+              <a:t>6.KẾT LUẬN VÀ HƯỚNG PHÁT TRIỂN</a:t>
+            </a:r>
+            <a:endParaRPr lang="vi-VN" altLang="en-US" sz="2400" i="1">
+              <a:solidFill>
+                <a:schemeClr val="accent1">
+                  <a:lumMod val="50000"/>
+                </a:schemeClr>
+              </a:solidFill>
+              <a:effectLst>
+                <a:outerShdw blurRad="38100" dist="38100" dir="2700000" algn="tl">
+                  <a:srgbClr val="000000">
+                    <a:alpha val="43137"/>
+                  </a:srgbClr>
+                </a:outerShdw>
+              </a:effectLst>
+              <a:latin typeface="Times New Roman" panose="02020603050405020304" charset="0"/>
+              <a:cs typeface="Times New Roman" panose="02020603050405020304" charset="0"/>
+            </a:endParaRPr>
+          </a:p>
+        </p:txBody>
+      </p:sp>
+    </p:spTree>
+  </p:cSld>
+  <p:clrMapOvr>
+    <a:masterClrMapping/>
+  </p:clrMapOvr>
+</p:sld>
+</file>
+
+<file path=ppt/slides/slide20.xml><?xml version="1.0" encoding="utf-8"?>
+<p:sld xmlns:a="http://schemas.openxmlformats.org/drawingml/2006/main" xmlns:r="http://schemas.openxmlformats.org/officeDocument/2006/relationships" xmlns:p="http://schemas.openxmlformats.org/presentationml/2006/main">
+  <p:cSld>
+    <p:spTree>
+      <p:nvGrpSpPr>
+        <p:cNvPr id="1" name=""/>
+        <p:cNvGrpSpPr/>
+        <p:nvPr/>
+      </p:nvGrpSpPr>
+      <p:grpSpPr/>
+      <p:sp>
+        <p:nvSpPr>
+          <p:cNvPr id="4" name="Footer Placeholder 3"/>
+          <p:cNvSpPr>
+            <a:spLocks noGrp="1"/>
+          </p:cNvSpPr>
+          <p:nvPr>
+            <p:ph type="ftr" sz="quarter" idx="11"/>
+          </p:nvPr>
+        </p:nvSpPr>
+        <p:spPr/>
+        <p:txBody>
+          <a:bodyPr/>
+          <a:p>
+            <a:r>
+              <a:rPr lang="en-US"/>
+              <a:t>ỨNG DỤNG QUẢN LÝ TÀI CHÍNH CÁ NHÂN CHO SINH VIÊN TRÊN THIẾT BỊ DI ĐỘNG</a:t>
+            </a:r>
+            <a:endParaRPr lang="en-US"/>
+          </a:p>
+        </p:txBody>
+      </p:sp>
+      <p:sp>
+        <p:nvSpPr>
+          <p:cNvPr id="5" name="Slide Number Placeholder 4"/>
+          <p:cNvSpPr>
+            <a:spLocks noGrp="1"/>
+          </p:cNvSpPr>
+          <p:nvPr>
+            <p:ph type="sldNum" sz="quarter" idx="12"/>
+          </p:nvPr>
+        </p:nvSpPr>
+        <p:spPr/>
+        <p:txBody>
+          <a:bodyPr/>
+          <a:p>
+            <a:fld id="{238EE17F-B177-49C4-82EF-15EF1185C18A}" type="slidenum">
+              <a:rPr lang="en-US" smtClean="0"/>
+            </a:fld>
+            <a:endParaRPr lang="en-US"/>
+          </a:p>
+        </p:txBody>
+      </p:sp>
+      <p:sp>
+        <p:nvSpPr>
+          <p:cNvPr id="13" name="Title 12"/>
+          <p:cNvSpPr>
+            <a:spLocks noGrp="1"/>
+          </p:cNvSpPr>
+          <p:nvPr>
+            <p:ph type="title"/>
+          </p:nvPr>
+        </p:nvSpPr>
+        <p:spPr/>
+        <p:txBody>
+          <a:bodyPr>
+            <a:normAutofit/>
+          </a:bodyPr>
+          <a:p>
+            <a:r>
+              <a:rPr lang="vi-VN" altLang="en-US">
+                <a:solidFill>
+                  <a:srgbClr val="FF0000"/>
+                </a:solidFill>
+                <a:effectLst>
+                  <a:outerShdw blurRad="38100" dist="38100" dir="2700000" algn="tl">
+                    <a:srgbClr val="000000">
+                      <a:alpha val="43137"/>
+                    </a:srgbClr>
+                  </a:outerShdw>
+                </a:effectLst>
+                <a:latin typeface="Times New Roman" panose="02020603050405020304" charset="0"/>
+                <a:cs typeface="Times New Roman" panose="02020603050405020304" charset="0"/>
+                <a:sym typeface="+mn-ea"/>
+              </a:rPr>
+              <a:t>3. THIẾT KẾ</a:t>
+            </a:r>
+            <a:br>
+              <a:rPr lang="en-US"/>
+            </a:br>
+            <a:endParaRPr lang="en-US"/>
+          </a:p>
+        </p:txBody>
+      </p:sp>
+      <p:sp>
+        <p:nvSpPr>
+          <p:cNvPr id="14" name="Text Box 13"/>
+          <p:cNvSpPr txBox="1"/>
+          <p:nvPr/>
+        </p:nvSpPr>
+        <p:spPr>
+          <a:xfrm>
+            <a:off x="677545" y="1173480"/>
+            <a:ext cx="6934200" cy="460375"/>
+          </a:xfrm>
+          <a:prstGeom prst="rect">
+            <a:avLst/>
+          </a:prstGeom>
+          <a:noFill/>
+        </p:spPr>
+        <p:txBody>
+          <a:bodyPr wrap="square" rtlCol="0">
+            <a:spAutoFit/>
+          </a:bodyPr>
+          <a:p>
+            <a:pPr algn="l"/>
+            <a:r>
+              <a:rPr lang="vi-VN" altLang="en-US" sz="2400">
+                <a:solidFill>
+                  <a:schemeClr val="accent1">
+                    <a:lumMod val="50000"/>
+                  </a:schemeClr>
+                </a:solidFill>
+                <a:effectLst>
+                  <a:outerShdw blurRad="38100" dist="38100" dir="2700000" algn="tl">
+                    <a:srgbClr val="000000">
+                      <a:alpha val="43137"/>
+                    </a:srgbClr>
+                  </a:outerShdw>
+                </a:effectLst>
+                <a:latin typeface="Times New Roman" panose="02020603050405020304" charset="0"/>
+                <a:cs typeface="Times New Roman" panose="02020603050405020304" charset="0"/>
+                <a:sym typeface="+mn-ea"/>
+              </a:rPr>
+              <a:t>3.4 MỘT SỐ GIAO DIỆN</a:t>
+            </a:r>
+            <a:endParaRPr lang="vi-VN" altLang="en-US" sz="2400">
+              <a:solidFill>
+                <a:schemeClr val="accent1">
+                  <a:lumMod val="50000"/>
+                </a:schemeClr>
+              </a:solidFill>
+              <a:effectLst>
+                <a:outerShdw blurRad="38100" dist="38100" dir="2700000" algn="tl">
+                  <a:srgbClr val="000000">
+                    <a:alpha val="43137"/>
+                  </a:srgbClr>
+                </a:outerShdw>
+              </a:effectLst>
+              <a:latin typeface="Times New Roman" panose="02020603050405020304" charset="0"/>
+              <a:cs typeface="Times New Roman" panose="02020603050405020304" charset="0"/>
+              <a:sym typeface="+mn-ea"/>
+            </a:endParaRPr>
+          </a:p>
+        </p:txBody>
+      </p:sp>
+      <p:sp>
+        <p:nvSpPr>
+          <p:cNvPr id="7" name="Text Box 6"/>
+          <p:cNvSpPr txBox="1"/>
+          <p:nvPr/>
+        </p:nvSpPr>
+        <p:spPr>
+          <a:xfrm>
+            <a:off x="677545" y="1741170"/>
+            <a:ext cx="2887345" cy="398780"/>
+          </a:xfrm>
+          <a:prstGeom prst="rect">
+            <a:avLst/>
+          </a:prstGeom>
+          <a:noFill/>
+        </p:spPr>
+        <p:txBody>
+          <a:bodyPr wrap="square" rtlCol="0">
+            <a:spAutoFit/>
+          </a:bodyPr>
+          <a:p>
+            <a:r>
+              <a:rPr lang="vi-VN" altLang="en-US" sz="2000">
+                <a:effectLst>
+                  <a:outerShdw blurRad="38100" dist="38100" dir="2700000" algn="tl">
+                    <a:srgbClr val="000000">
+                      <a:alpha val="43137"/>
+                    </a:srgbClr>
+                  </a:outerShdw>
+                </a:effectLst>
+                <a:latin typeface="Times New Roman" panose="02020603050405020304" charset="0"/>
+                <a:cs typeface="Times New Roman" panose="02020603050405020304" charset="0"/>
+              </a:rPr>
+              <a:t>Giao diện Thêm thu chi</a:t>
+            </a:r>
+            <a:endParaRPr lang="vi-VN" altLang="en-US" sz="2000">
+              <a:effectLst>
+                <a:outerShdw blurRad="38100" dist="38100" dir="2700000" algn="tl">
+                  <a:srgbClr val="000000">
+                    <a:alpha val="43137"/>
+                  </a:srgbClr>
+                </a:outerShdw>
+              </a:effectLst>
+              <a:latin typeface="Times New Roman" panose="02020603050405020304" charset="0"/>
+              <a:cs typeface="Times New Roman" panose="02020603050405020304" charset="0"/>
+            </a:endParaRPr>
+          </a:p>
+        </p:txBody>
+      </p:sp>
+      <p:pic>
+        <p:nvPicPr>
+          <p:cNvPr id="181" name="Picture 8"/>
+          <p:cNvPicPr>
+            <a:picLocks noChangeAspect="1"/>
+          </p:cNvPicPr>
+          <p:nvPr>
+            <p:ph idx="1"/>
+          </p:nvPr>
+        </p:nvPicPr>
+        <p:blipFill>
+          <a:blip r:embed="rId1">
+            <a:extLst>
+              <a:ext uri="{28A0092B-C50C-407E-A947-70E740481C1C}">
+                <a14:useLocalDpi xmlns:a14="http://schemas.microsoft.com/office/drawing/2010/main" val="0"/>
+              </a:ext>
+            </a:extLst>
+          </a:blip>
+          <a:stretch>
+            <a:fillRect/>
+          </a:stretch>
+        </p:blipFill>
+        <p:spPr>
+          <a:xfrm>
+            <a:off x="5958205" y="405130"/>
+            <a:ext cx="3316605" cy="5756275"/>
+          </a:xfrm>
+          <a:prstGeom prst="rect">
+            <a:avLst/>
+          </a:prstGeom>
+          <a:noFill/>
+          <a:ln>
+            <a:noFill/>
+          </a:ln>
+        </p:spPr>
+      </p:pic>
+    </p:spTree>
+  </p:cSld>
+  <p:clrMapOvr>
+    <a:masterClrMapping/>
+  </p:clrMapOvr>
+</p:sld>
+</file>
+
+<file path=ppt/slides/slide21.xml><?xml version="1.0" encoding="utf-8"?>
+<p:sld xmlns:a="http://schemas.openxmlformats.org/drawingml/2006/main" xmlns:r="http://schemas.openxmlformats.org/officeDocument/2006/relationships" xmlns:p="http://schemas.openxmlformats.org/presentationml/2006/main">
+  <p:cSld>
+    <p:spTree>
+      <p:nvGrpSpPr>
+        <p:cNvPr id="1" name=""/>
+        <p:cNvGrpSpPr/>
+        <p:nvPr/>
+      </p:nvGrpSpPr>
+      <p:grpSpPr/>
+      <p:sp>
+        <p:nvSpPr>
+          <p:cNvPr id="6" name="Footer Placeholder 5"/>
+          <p:cNvSpPr>
+            <a:spLocks noGrp="1"/>
+          </p:cNvSpPr>
+          <p:nvPr>
+            <p:ph type="ftr" sz="quarter" idx="11"/>
+          </p:nvPr>
+        </p:nvSpPr>
+        <p:spPr/>
+        <p:txBody>
+          <a:bodyPr/>
+          <a:p>
+            <a:r>
+              <a:rPr lang="en-US"/>
+              <a:t>ỨNG DỤNG QUẢN LÝ TÀI CHÍNH CÁ NHÂN CHO SINH VIÊN TRÊN THIẾT BỊ DI ĐỘNG</a:t>
+            </a:r>
+            <a:endParaRPr lang="en-US"/>
+          </a:p>
+        </p:txBody>
+      </p:sp>
+      <p:sp>
+        <p:nvSpPr>
+          <p:cNvPr id="7" name="Slide Number Placeholder 6"/>
+          <p:cNvSpPr>
+            <a:spLocks noGrp="1"/>
+          </p:cNvSpPr>
+          <p:nvPr>
+            <p:ph type="sldNum" sz="quarter" idx="12"/>
+          </p:nvPr>
+        </p:nvSpPr>
+        <p:spPr/>
+        <p:txBody>
+          <a:bodyPr/>
+          <a:p>
+            <a:fld id="{238EE17F-B177-49C4-82EF-15EF1185C18A}" type="slidenum">
+              <a:rPr lang="en-US" smtClean="0"/>
+            </a:fld>
+            <a:endParaRPr lang="en-US"/>
+          </a:p>
+        </p:txBody>
+      </p:sp>
+      <p:sp>
+        <p:nvSpPr>
+          <p:cNvPr id="13" name="Title 12"/>
+          <p:cNvSpPr>
+            <a:spLocks noGrp="1"/>
+          </p:cNvSpPr>
+          <p:nvPr>
+            <p:ph type="title"/>
+          </p:nvPr>
+        </p:nvSpPr>
+        <p:spPr/>
+        <p:txBody>
+          <a:bodyPr>
+            <a:normAutofit/>
+          </a:bodyPr>
+          <a:p>
+            <a:r>
+              <a:rPr lang="vi-VN" altLang="en-US">
+                <a:solidFill>
+                  <a:srgbClr val="FF0000"/>
+                </a:solidFill>
+                <a:effectLst>
+                  <a:outerShdw blurRad="38100" dist="38100" dir="2700000" algn="tl">
+                    <a:srgbClr val="000000">
+                      <a:alpha val="43137"/>
+                    </a:srgbClr>
+                  </a:outerShdw>
+                </a:effectLst>
+                <a:latin typeface="Times New Roman" panose="02020603050405020304" charset="0"/>
+                <a:cs typeface="Times New Roman" panose="02020603050405020304" charset="0"/>
+                <a:sym typeface="+mn-ea"/>
+              </a:rPr>
+              <a:t>3. THIẾT KẾ</a:t>
+            </a:r>
+            <a:br>
+              <a:rPr lang="en-US"/>
+            </a:br>
+            <a:endParaRPr lang="en-US"/>
+          </a:p>
+        </p:txBody>
+      </p:sp>
+      <p:sp>
+        <p:nvSpPr>
+          <p:cNvPr id="14" name="Text Box 13"/>
+          <p:cNvSpPr txBox="1"/>
+          <p:nvPr/>
+        </p:nvSpPr>
+        <p:spPr>
+          <a:xfrm>
+            <a:off x="677545" y="1173480"/>
+            <a:ext cx="6934200" cy="460375"/>
+          </a:xfrm>
+          <a:prstGeom prst="rect">
+            <a:avLst/>
+          </a:prstGeom>
+          <a:noFill/>
+        </p:spPr>
+        <p:txBody>
+          <a:bodyPr wrap="square" rtlCol="0">
+            <a:spAutoFit/>
+          </a:bodyPr>
+          <a:p>
+            <a:pPr algn="l"/>
+            <a:r>
+              <a:rPr lang="vi-VN" altLang="en-US" sz="2400">
+                <a:solidFill>
+                  <a:schemeClr val="accent1">
+                    <a:lumMod val="50000"/>
+                  </a:schemeClr>
+                </a:solidFill>
+                <a:effectLst>
+                  <a:outerShdw blurRad="38100" dist="38100" dir="2700000" algn="tl">
+                    <a:srgbClr val="000000">
+                      <a:alpha val="43137"/>
+                    </a:srgbClr>
+                  </a:outerShdw>
+                </a:effectLst>
+                <a:latin typeface="Times New Roman" panose="02020603050405020304" charset="0"/>
+                <a:cs typeface="Times New Roman" panose="02020603050405020304" charset="0"/>
+                <a:sym typeface="+mn-ea"/>
+              </a:rPr>
+              <a:t>3.4 MỘT SỐ GIAO DIỆN</a:t>
+            </a:r>
+            <a:endParaRPr lang="vi-VN" altLang="en-US" sz="2400">
+              <a:solidFill>
+                <a:schemeClr val="accent1">
+                  <a:lumMod val="50000"/>
+                </a:schemeClr>
+              </a:solidFill>
+              <a:effectLst>
+                <a:outerShdw blurRad="38100" dist="38100" dir="2700000" algn="tl">
+                  <a:srgbClr val="000000">
+                    <a:alpha val="43137"/>
+                  </a:srgbClr>
+                </a:outerShdw>
+              </a:effectLst>
+              <a:latin typeface="Times New Roman" panose="02020603050405020304" charset="0"/>
+              <a:cs typeface="Times New Roman" panose="02020603050405020304" charset="0"/>
+              <a:sym typeface="+mn-ea"/>
+            </a:endParaRPr>
+          </a:p>
+        </p:txBody>
+      </p:sp>
+      <p:sp>
+        <p:nvSpPr>
+          <p:cNvPr id="8" name="Text Box 7"/>
+          <p:cNvSpPr txBox="1"/>
+          <p:nvPr/>
+        </p:nvSpPr>
+        <p:spPr>
+          <a:xfrm>
+            <a:off x="677545" y="1771015"/>
+            <a:ext cx="3201670" cy="398780"/>
+          </a:xfrm>
+          <a:prstGeom prst="rect">
+            <a:avLst/>
+          </a:prstGeom>
+          <a:noFill/>
+        </p:spPr>
+        <p:txBody>
+          <a:bodyPr wrap="square" rtlCol="0">
+            <a:spAutoFit/>
+          </a:bodyPr>
+          <a:p>
+            <a:r>
+              <a:rPr lang="vi-VN" altLang="en-US" sz="2000">
+                <a:effectLst>
+                  <a:outerShdw blurRad="38100" dist="38100" dir="2700000" algn="tl">
+                    <a:srgbClr val="000000">
+                      <a:alpha val="43137"/>
+                    </a:srgbClr>
+                  </a:outerShdw>
+                </a:effectLst>
+                <a:latin typeface="Times New Roman" panose="02020603050405020304" charset="0"/>
+                <a:cs typeface="Times New Roman" panose="02020603050405020304" charset="0"/>
+              </a:rPr>
+              <a:t>Giao diện Quản lý danh mục</a:t>
+            </a:r>
+            <a:endParaRPr lang="vi-VN" altLang="en-US" sz="2000">
+              <a:effectLst>
+                <a:outerShdw blurRad="38100" dist="38100" dir="2700000" algn="tl">
+                  <a:srgbClr val="000000">
+                    <a:alpha val="43137"/>
+                  </a:srgbClr>
+                </a:outerShdw>
+              </a:effectLst>
+              <a:latin typeface="Times New Roman" panose="02020603050405020304" charset="0"/>
+              <a:cs typeface="Times New Roman" panose="02020603050405020304" charset="0"/>
+            </a:endParaRPr>
+          </a:p>
+        </p:txBody>
+      </p:sp>
+      <p:pic>
+        <p:nvPicPr>
+          <p:cNvPr id="186" name="Picture 11"/>
+          <p:cNvPicPr>
+            <a:picLocks noChangeAspect="1"/>
+          </p:cNvPicPr>
+          <p:nvPr>
+            <p:ph idx="1"/>
+          </p:nvPr>
+        </p:nvPicPr>
+        <p:blipFill>
+          <a:blip r:embed="rId1">
+            <a:extLst>
+              <a:ext uri="{28A0092B-C50C-407E-A947-70E740481C1C}">
+                <a14:useLocalDpi xmlns:a14="http://schemas.microsoft.com/office/drawing/2010/main" val="0"/>
+              </a:ext>
+            </a:extLst>
+          </a:blip>
+          <a:stretch>
+            <a:fillRect/>
+          </a:stretch>
+        </p:blipFill>
+        <p:spPr>
+          <a:xfrm>
+            <a:off x="6976110" y="609600"/>
+            <a:ext cx="3079115" cy="5328285"/>
+          </a:xfrm>
+          <a:prstGeom prst="rect">
+            <a:avLst/>
+          </a:prstGeom>
+          <a:noFill/>
+          <a:ln>
+            <a:noFill/>
+          </a:ln>
+        </p:spPr>
+      </p:pic>
+    </p:spTree>
+  </p:cSld>
+  <p:clrMapOvr>
+    <a:masterClrMapping/>
+  </p:clrMapOvr>
+</p:sld>
+</file>
+
+<file path=ppt/slides/slide22.xml><?xml version="1.0" encoding="utf-8"?>
+<p:sld xmlns:a="http://schemas.openxmlformats.org/drawingml/2006/main" xmlns:r="http://schemas.openxmlformats.org/officeDocument/2006/relationships" xmlns:p="http://schemas.openxmlformats.org/presentationml/2006/main">
+  <p:cSld>
+    <p:spTree>
+      <p:nvGrpSpPr>
+        <p:cNvPr id="1" name=""/>
+        <p:cNvGrpSpPr/>
+        <p:nvPr/>
+      </p:nvGrpSpPr>
+      <p:grpSpPr/>
+      <p:sp>
+        <p:nvSpPr>
+          <p:cNvPr id="4" name="Footer Placeholder 3"/>
+          <p:cNvSpPr>
+            <a:spLocks noGrp="1"/>
+          </p:cNvSpPr>
+          <p:nvPr>
+            <p:ph type="ftr" sz="quarter" idx="11"/>
+          </p:nvPr>
+        </p:nvSpPr>
+        <p:spPr/>
+        <p:txBody>
+          <a:bodyPr/>
+          <a:p>
+            <a:r>
+              <a:rPr lang="en-US"/>
+              <a:t>ỨNG DỤNG QUẢN LÝ TÀI CHÍNH CÁ NHÂN CHO SINH VIÊN TRÊN THIẾT BỊ DI ĐỘNG</a:t>
+            </a:r>
+            <a:endParaRPr lang="en-US"/>
+          </a:p>
+        </p:txBody>
+      </p:sp>
+      <p:sp>
+        <p:nvSpPr>
+          <p:cNvPr id="5" name="Slide Number Placeholder 4"/>
+          <p:cNvSpPr>
+            <a:spLocks noGrp="1"/>
+          </p:cNvSpPr>
+          <p:nvPr>
+            <p:ph type="sldNum" sz="quarter" idx="12"/>
+          </p:nvPr>
+        </p:nvSpPr>
+        <p:spPr/>
+        <p:txBody>
+          <a:bodyPr/>
+          <a:p>
+            <a:fld id="{238EE17F-B177-49C4-82EF-15EF1185C18A}" type="slidenum">
+              <a:rPr lang="en-US" smtClean="0"/>
+            </a:fld>
+            <a:endParaRPr lang="en-US"/>
+          </a:p>
+        </p:txBody>
+      </p:sp>
+      <p:sp>
+        <p:nvSpPr>
+          <p:cNvPr id="13" name="Title 12"/>
+          <p:cNvSpPr>
+            <a:spLocks noGrp="1"/>
+          </p:cNvSpPr>
+          <p:nvPr>
+            <p:ph type="title"/>
+          </p:nvPr>
+        </p:nvSpPr>
+        <p:spPr/>
+        <p:txBody>
+          <a:bodyPr>
+            <a:normAutofit/>
+          </a:bodyPr>
+          <a:p>
+            <a:r>
+              <a:rPr lang="vi-VN" altLang="en-US">
+                <a:solidFill>
+                  <a:srgbClr val="FF0000"/>
+                </a:solidFill>
+                <a:effectLst>
+                  <a:outerShdw blurRad="38100" dist="38100" dir="2700000" algn="tl">
+                    <a:srgbClr val="000000">
+                      <a:alpha val="43137"/>
+                    </a:srgbClr>
+                  </a:outerShdw>
+                </a:effectLst>
+                <a:latin typeface="Times New Roman" panose="02020603050405020304" charset="0"/>
+                <a:cs typeface="Times New Roman" panose="02020603050405020304" charset="0"/>
+                <a:sym typeface="+mn-ea"/>
+              </a:rPr>
+              <a:t>4. KIỂM THỬ</a:t>
+            </a:r>
+            <a:br>
+              <a:rPr lang="en-US"/>
+            </a:br>
+            <a:endParaRPr lang="en-US"/>
+          </a:p>
+        </p:txBody>
+      </p:sp>
+      <p:sp>
+        <p:nvSpPr>
+          <p:cNvPr id="14" name="Text Box 13"/>
+          <p:cNvSpPr txBox="1"/>
+          <p:nvPr/>
+        </p:nvSpPr>
+        <p:spPr>
+          <a:xfrm>
+            <a:off x="677545" y="1470025"/>
+            <a:ext cx="6934200" cy="460375"/>
+          </a:xfrm>
+          <a:prstGeom prst="rect">
+            <a:avLst/>
+          </a:prstGeom>
+          <a:noFill/>
+        </p:spPr>
+        <p:txBody>
+          <a:bodyPr wrap="square" rtlCol="0">
+            <a:spAutoFit/>
+          </a:bodyPr>
+          <a:p>
+            <a:pPr algn="l"/>
+            <a:r>
+              <a:rPr lang="vi-VN" altLang="en-US" sz="2400">
+                <a:solidFill>
+                  <a:schemeClr val="tx1"/>
+                </a:solidFill>
+                <a:effectLst>
+                  <a:outerShdw blurRad="38100" dist="38100" dir="2700000" algn="tl">
+                    <a:srgbClr val="000000">
+                      <a:alpha val="43137"/>
+                    </a:srgbClr>
+                  </a:outerShdw>
+                </a:effectLst>
+                <a:latin typeface="Times New Roman" panose="02020603050405020304" charset="0"/>
+                <a:cs typeface="Times New Roman" panose="02020603050405020304" charset="0"/>
+                <a:sym typeface="+mn-ea"/>
+              </a:rPr>
+              <a:t>Tài liệu kiểm thử</a:t>
+            </a:r>
+            <a:endParaRPr lang="vi-VN" altLang="en-US" sz="2400">
+              <a:solidFill>
+                <a:schemeClr val="tx1"/>
+              </a:solidFill>
+              <a:effectLst>
+                <a:outerShdw blurRad="38100" dist="38100" dir="2700000" algn="tl">
+                  <a:srgbClr val="000000">
+                    <a:alpha val="43137"/>
+                  </a:srgbClr>
+                </a:outerShdw>
+              </a:effectLst>
+              <a:latin typeface="Times New Roman" panose="02020603050405020304" charset="0"/>
+              <a:cs typeface="Times New Roman" panose="02020603050405020304" charset="0"/>
+              <a:sym typeface="+mn-ea"/>
+            </a:endParaRPr>
+          </a:p>
+        </p:txBody>
+      </p:sp>
+    </p:spTree>
+  </p:cSld>
+  <p:clrMapOvr>
+    <a:masterClrMapping/>
+  </p:clrMapOvr>
+</p:sld>
+</file>
+
+<file path=ppt/slides/slide23.xml><?xml version="1.0" encoding="utf-8"?>
+<p:sld xmlns:a="http://schemas.openxmlformats.org/drawingml/2006/main" xmlns:r="http://schemas.openxmlformats.org/officeDocument/2006/relationships" xmlns:p="http://schemas.openxmlformats.org/presentationml/2006/main">
+  <p:cSld>
+    <p:spTree>
+      <p:nvGrpSpPr>
+        <p:cNvPr id="1" name=""/>
+        <p:cNvGrpSpPr/>
+        <p:nvPr/>
+      </p:nvGrpSpPr>
+      <p:grpSpPr/>
+      <p:sp>
+        <p:nvSpPr>
+          <p:cNvPr id="4" name="Footer Placeholder 3"/>
+          <p:cNvSpPr>
+            <a:spLocks noGrp="1"/>
+          </p:cNvSpPr>
+          <p:nvPr>
+            <p:ph type="ftr" sz="quarter" idx="11"/>
+          </p:nvPr>
+        </p:nvSpPr>
+        <p:spPr/>
+        <p:txBody>
+          <a:bodyPr/>
+          <a:p>
+            <a:r>
+              <a:rPr lang="en-US"/>
+              <a:t>ỨNG DỤNG QUẢN LÝ TÀI CHÍNH CÁ NHÂN CHO SINH VIÊN TRÊN THIẾT BỊ DI ĐỘNG</a:t>
+            </a:r>
+            <a:endParaRPr lang="en-US"/>
+          </a:p>
+        </p:txBody>
+      </p:sp>
+      <p:sp>
+        <p:nvSpPr>
+          <p:cNvPr id="5" name="Slide Number Placeholder 4"/>
+          <p:cNvSpPr>
+            <a:spLocks noGrp="1"/>
+          </p:cNvSpPr>
+          <p:nvPr>
+            <p:ph type="sldNum" sz="quarter" idx="12"/>
+          </p:nvPr>
+        </p:nvSpPr>
+        <p:spPr/>
+        <p:txBody>
+          <a:bodyPr/>
+          <a:p>
+            <a:fld id="{238EE17F-B177-49C4-82EF-15EF1185C18A}" type="slidenum">
+              <a:rPr lang="en-US" smtClean="0"/>
+            </a:fld>
+            <a:endParaRPr lang="en-US"/>
+          </a:p>
+        </p:txBody>
+      </p:sp>
+      <p:sp>
+        <p:nvSpPr>
+          <p:cNvPr id="6" name="Title 5"/>
+          <p:cNvSpPr>
+            <a:spLocks noGrp="1"/>
+          </p:cNvSpPr>
+          <p:nvPr>
+            <p:ph type="title"/>
+          </p:nvPr>
+        </p:nvSpPr>
+        <p:spPr>
+          <a:xfrm>
+            <a:off x="677401" y="624840"/>
+            <a:ext cx="8597515" cy="1320800"/>
+          </a:xfrm>
+        </p:spPr>
+        <p:txBody>
+          <a:bodyPr>
+            <a:normAutofit/>
+          </a:bodyPr>
+          <a:p>
+            <a:r>
+              <a:rPr lang="vi-VN" altLang="en-US">
+                <a:solidFill>
+                  <a:srgbClr val="FF0000"/>
+                </a:solidFill>
+                <a:effectLst>
+                  <a:outerShdw blurRad="38100" dist="38100" dir="2700000" algn="tl">
+                    <a:srgbClr val="000000">
+                      <a:alpha val="43137"/>
+                    </a:srgbClr>
+                  </a:outerShdw>
+                </a:effectLst>
+                <a:latin typeface="Times New Roman" panose="02020603050405020304" charset="0"/>
+                <a:cs typeface="Times New Roman" panose="02020603050405020304" charset="0"/>
+                <a:sym typeface="+mn-ea"/>
+              </a:rPr>
+              <a:t>5. DEMO</a:t>
+            </a:r>
+            <a:br>
+              <a:rPr lang="en-US"/>
+            </a:br>
+            <a:endParaRPr lang="en-US"/>
+          </a:p>
+        </p:txBody>
+      </p:sp>
+    </p:spTree>
+  </p:cSld>
+  <p:clrMapOvr>
+    <a:masterClrMapping/>
+  </p:clrMapOvr>
+</p:sld>
+</file>
+
+<file path=ppt/slides/slide24.xml><?xml version="1.0" encoding="utf-8"?>
+<p:sld xmlns:a="http://schemas.openxmlformats.org/drawingml/2006/main" xmlns:r="http://schemas.openxmlformats.org/officeDocument/2006/relationships" xmlns:p="http://schemas.openxmlformats.org/presentationml/2006/main">
+  <p:cSld>
+    <p:spTree>
+      <p:nvGrpSpPr>
+        <p:cNvPr id="1" name=""/>
+        <p:cNvGrpSpPr/>
+        <p:nvPr/>
+      </p:nvGrpSpPr>
+      <p:grpSpPr/>
+      <p:sp>
+        <p:nvSpPr>
+          <p:cNvPr id="4" name="Footer Placeholder 3"/>
+          <p:cNvSpPr>
+            <a:spLocks noGrp="1"/>
+          </p:cNvSpPr>
+          <p:nvPr>
+            <p:ph type="ftr" sz="quarter" idx="11"/>
+          </p:nvPr>
+        </p:nvSpPr>
+        <p:spPr/>
+        <p:txBody>
+          <a:bodyPr/>
+          <a:p>
+            <a:r>
+              <a:rPr lang="en-US"/>
+              <a:t>ỨNG DỤNG QUẢN LÝ TÀI CHÍNH CÁ NHÂN CHO SINH VIÊN TRÊN THIẾT BỊ DI ĐỘNG</a:t>
+            </a:r>
+            <a:endParaRPr lang="en-US"/>
+          </a:p>
+        </p:txBody>
+      </p:sp>
+      <p:sp>
+        <p:nvSpPr>
+          <p:cNvPr id="5" name="Slide Number Placeholder 4"/>
+          <p:cNvSpPr>
+            <a:spLocks noGrp="1"/>
+          </p:cNvSpPr>
+          <p:nvPr>
+            <p:ph type="sldNum" sz="quarter" idx="12"/>
+          </p:nvPr>
+        </p:nvSpPr>
+        <p:spPr/>
+        <p:txBody>
+          <a:bodyPr/>
+          <a:p>
+            <a:fld id="{238EE17F-B177-49C4-82EF-15EF1185C18A}" type="slidenum">
+              <a:rPr lang="en-US" smtClean="0"/>
+            </a:fld>
+            <a:endParaRPr lang="en-US"/>
+          </a:p>
+        </p:txBody>
+      </p:sp>
+      <p:sp>
+        <p:nvSpPr>
+          <p:cNvPr id="6" name="Title 5"/>
+          <p:cNvSpPr>
+            <a:spLocks noGrp="1"/>
+          </p:cNvSpPr>
+          <p:nvPr>
+            <p:ph type="title"/>
+          </p:nvPr>
+        </p:nvSpPr>
+        <p:spPr>
+          <a:xfrm>
+            <a:off x="677401" y="624840"/>
+            <a:ext cx="8597515" cy="1320800"/>
+          </a:xfrm>
+        </p:spPr>
+        <p:txBody>
+          <a:bodyPr>
+            <a:normAutofit/>
+          </a:bodyPr>
+          <a:p>
+            <a:r>
+              <a:rPr lang="vi-VN" altLang="en-US">
+                <a:solidFill>
+                  <a:srgbClr val="FF0000"/>
+                </a:solidFill>
+                <a:effectLst>
+                  <a:outerShdw blurRad="38100" dist="38100" dir="2700000" algn="tl">
+                    <a:srgbClr val="000000">
+                      <a:alpha val="43137"/>
+                    </a:srgbClr>
+                  </a:outerShdw>
+                </a:effectLst>
+                <a:latin typeface="Times New Roman" panose="02020603050405020304" charset="0"/>
+                <a:cs typeface="Times New Roman" panose="02020603050405020304" charset="0"/>
+                <a:sym typeface="+mn-ea"/>
+              </a:rPr>
+              <a:t>6. KẾT LUẬN VÀ HƯỚNG PHÁT TRIỂN</a:t>
+            </a:r>
+            <a:br>
+              <a:rPr lang="en-US"/>
+            </a:br>
+            <a:endParaRPr lang="en-US"/>
+          </a:p>
+        </p:txBody>
+      </p:sp>
+      <p:sp>
+        <p:nvSpPr>
+          <p:cNvPr id="7" name="Text Box 6"/>
+          <p:cNvSpPr txBox="1"/>
+          <p:nvPr/>
+        </p:nvSpPr>
+        <p:spPr>
+          <a:xfrm>
+            <a:off x="452120" y="1467485"/>
+            <a:ext cx="9597390" cy="2676525"/>
+          </a:xfrm>
+          <a:prstGeom prst="rect">
+            <a:avLst/>
+          </a:prstGeom>
+          <a:noFill/>
+        </p:spPr>
+        <p:txBody>
+          <a:bodyPr wrap="square" rtlCol="0">
+            <a:spAutoFit/>
+          </a:bodyPr>
+          <a:p>
+            <a:r>
+              <a:rPr lang="vi-VN" altLang="en-US" sz="2400">
+                <a:effectLst>
+                  <a:outerShdw blurRad="38100" dist="38100" dir="2700000" algn="tl">
+                    <a:srgbClr val="000000">
+                      <a:alpha val="43137"/>
+                    </a:srgbClr>
+                  </a:outerShdw>
+                </a:effectLst>
+                <a:latin typeface="Times New Roman" panose="02020603050405020304" charset="0"/>
+                <a:cs typeface="Times New Roman" panose="02020603050405020304" charset="0"/>
+              </a:rPr>
+              <a:t>Kết luận:</a:t>
+            </a:r>
+            <a:endParaRPr lang="vi-VN" altLang="en-US" sz="2400">
+              <a:effectLst>
+                <a:outerShdw blurRad="38100" dist="38100" dir="2700000" algn="tl">
+                  <a:srgbClr val="000000">
+                    <a:alpha val="43137"/>
+                  </a:srgbClr>
+                </a:outerShdw>
+              </a:effectLst>
+              <a:latin typeface="Times New Roman" panose="02020603050405020304" charset="0"/>
+              <a:cs typeface="Times New Roman" panose="02020603050405020304" charset="0"/>
+            </a:endParaRPr>
+          </a:p>
+          <a:p>
+            <a:r>
+              <a:rPr lang="vi-VN" altLang="en-US" sz="2400">
+                <a:effectLst>
+                  <a:outerShdw blurRad="38100" dist="38100" dir="2700000" algn="tl">
+                    <a:srgbClr val="000000">
+                      <a:alpha val="43137"/>
+                    </a:srgbClr>
+                  </a:outerShdw>
+                </a:effectLst>
+                <a:latin typeface="Times New Roman" panose="02020603050405020304" charset="0"/>
+                <a:cs typeface="Times New Roman" panose="02020603050405020304" charset="0"/>
+              </a:rPr>
+              <a:t>- Đã hoàn thành được các chức năng quản lý thu chi cho sinh viên</a:t>
+            </a:r>
+            <a:endParaRPr lang="vi-VN" altLang="en-US" sz="2400">
+              <a:effectLst>
+                <a:outerShdw blurRad="38100" dist="38100" dir="2700000" algn="tl">
+                  <a:srgbClr val="000000">
+                    <a:alpha val="43137"/>
+                  </a:srgbClr>
+                </a:outerShdw>
+              </a:effectLst>
+              <a:latin typeface="Times New Roman" panose="02020603050405020304" charset="0"/>
+              <a:cs typeface="Times New Roman" panose="02020603050405020304" charset="0"/>
+            </a:endParaRPr>
+          </a:p>
+          <a:p>
+            <a:r>
+              <a:rPr lang="vi-VN" altLang="en-US" sz="2400">
+                <a:effectLst>
+                  <a:outerShdw blurRad="38100" dist="38100" dir="2700000" algn="tl">
+                    <a:srgbClr val="000000">
+                      <a:alpha val="43137"/>
+                    </a:srgbClr>
+                  </a:outerShdw>
+                </a:effectLst>
+                <a:latin typeface="Times New Roman" panose="02020603050405020304" charset="0"/>
+                <a:cs typeface="Times New Roman" panose="02020603050405020304" charset="0"/>
+              </a:rPr>
+              <a:t>- Hoàn thành được các chức năng quản lý khác như ví, tài khoản, kế hoạch tiết kiệm</a:t>
+            </a:r>
+            <a:endParaRPr lang="vi-VN" altLang="en-US" sz="2400">
+              <a:effectLst>
+                <a:outerShdw blurRad="38100" dist="38100" dir="2700000" algn="tl">
+                  <a:srgbClr val="000000">
+                    <a:alpha val="43137"/>
+                  </a:srgbClr>
+                </a:outerShdw>
+              </a:effectLst>
+              <a:latin typeface="Times New Roman" panose="02020603050405020304" charset="0"/>
+              <a:cs typeface="Times New Roman" panose="02020603050405020304" charset="0"/>
+            </a:endParaRPr>
+          </a:p>
+          <a:p>
+            <a:r>
+              <a:rPr lang="vi-VN" altLang="en-US" sz="2400">
+                <a:effectLst>
+                  <a:outerShdw blurRad="38100" dist="38100" dir="2700000" algn="tl">
+                    <a:srgbClr val="000000">
+                      <a:alpha val="43137"/>
+                    </a:srgbClr>
+                  </a:outerShdw>
+                </a:effectLst>
+                <a:latin typeface="Times New Roman" panose="02020603050405020304" charset="0"/>
+                <a:cs typeface="Times New Roman" panose="02020603050405020304" charset="0"/>
+              </a:rPr>
+              <a:t>- Thực hiện được nhận thông báo cho một thu chi để nhắc nhở cho sinh viên</a:t>
+            </a:r>
+            <a:endParaRPr lang="vi-VN" altLang="en-US" sz="2400">
+              <a:effectLst>
+                <a:outerShdw blurRad="38100" dist="38100" dir="2700000" algn="tl">
+                  <a:srgbClr val="000000">
+                    <a:alpha val="43137"/>
+                  </a:srgbClr>
+                </a:outerShdw>
+              </a:effectLst>
+              <a:latin typeface="Times New Roman" panose="02020603050405020304" charset="0"/>
+              <a:cs typeface="Times New Roman" panose="02020603050405020304" charset="0"/>
+            </a:endParaRPr>
+          </a:p>
+          <a:p>
+            <a:r>
+              <a:rPr lang="vi-VN" altLang="en-US" sz="2400">
+                <a:effectLst>
+                  <a:outerShdw blurRad="38100" dist="38100" dir="2700000" algn="tl">
+                    <a:srgbClr val="000000">
+                      <a:alpha val="43137"/>
+                    </a:srgbClr>
+                  </a:outerShdw>
+                </a:effectLst>
+                <a:latin typeface="Times New Roman" panose="02020603050405020304" charset="0"/>
+                <a:cs typeface="Times New Roman" panose="02020603050405020304" charset="0"/>
+              </a:rPr>
+              <a:t>- Có thể xem thống kê chi tiêu theo ngày, tháng, năm của từng danh mục để dễ dàng quản lý</a:t>
+            </a:r>
+            <a:endParaRPr lang="vi-VN" altLang="en-US" sz="2400">
+              <a:effectLst>
+                <a:outerShdw blurRad="38100" dist="38100" dir="2700000" algn="tl">
+                  <a:srgbClr val="000000">
+                    <a:alpha val="43137"/>
+                  </a:srgbClr>
+                </a:outerShdw>
+              </a:effectLst>
+              <a:latin typeface="Times New Roman" panose="02020603050405020304" charset="0"/>
+              <a:cs typeface="Times New Roman" panose="02020603050405020304" charset="0"/>
+            </a:endParaRPr>
+          </a:p>
+        </p:txBody>
+      </p:sp>
+      <p:sp>
+        <p:nvSpPr>
+          <p:cNvPr id="9" name="Text Box 8"/>
+          <p:cNvSpPr txBox="1"/>
+          <p:nvPr/>
+        </p:nvSpPr>
+        <p:spPr>
+          <a:xfrm>
+            <a:off x="452120" y="4309110"/>
+            <a:ext cx="9865995" cy="1198880"/>
+          </a:xfrm>
+          <a:prstGeom prst="rect">
+            <a:avLst/>
+          </a:prstGeom>
+          <a:noFill/>
+        </p:spPr>
+        <p:txBody>
+          <a:bodyPr wrap="square" rtlCol="0">
+            <a:spAutoFit/>
+          </a:bodyPr>
+          <a:p>
+            <a:r>
+              <a:rPr lang="vi-VN" altLang="en-US" sz="2400">
+                <a:effectLst>
+                  <a:outerShdw blurRad="38100" dist="38100" dir="2700000" algn="tl">
+                    <a:srgbClr val="000000">
+                      <a:alpha val="43137"/>
+                    </a:srgbClr>
+                  </a:outerShdw>
+                </a:effectLst>
+                <a:latin typeface="Times New Roman" panose="02020603050405020304" charset="0"/>
+                <a:cs typeface="Times New Roman" panose="02020603050405020304" charset="0"/>
+              </a:rPr>
+              <a:t>Hướng phát triển:</a:t>
+            </a:r>
+            <a:endParaRPr lang="vi-VN" altLang="en-US" sz="2400">
+              <a:effectLst>
+                <a:outerShdw blurRad="38100" dist="38100" dir="2700000" algn="tl">
+                  <a:srgbClr val="000000">
+                    <a:alpha val="43137"/>
+                  </a:srgbClr>
+                </a:outerShdw>
+              </a:effectLst>
+              <a:latin typeface="Times New Roman" panose="02020603050405020304" charset="0"/>
+              <a:cs typeface="Times New Roman" panose="02020603050405020304" charset="0"/>
+            </a:endParaRPr>
+          </a:p>
+          <a:p>
+            <a:r>
+              <a:rPr lang="vi-VN" altLang="en-US" sz="2400">
+                <a:effectLst>
+                  <a:outerShdw blurRad="38100" dist="38100" dir="2700000" algn="tl">
+                    <a:srgbClr val="000000">
+                      <a:alpha val="43137"/>
+                    </a:srgbClr>
+                  </a:outerShdw>
+                </a:effectLst>
+                <a:latin typeface="Times New Roman" panose="02020603050405020304" charset="0"/>
+                <a:cs typeface="Times New Roman" panose="02020603050405020304" charset="0"/>
+              </a:rPr>
+              <a:t>- Hoàn thiện hơn các chức năng thông báo cho sinh viên</a:t>
+            </a:r>
+            <a:endParaRPr lang="vi-VN" altLang="en-US" sz="2400">
+              <a:effectLst>
+                <a:outerShdw blurRad="38100" dist="38100" dir="2700000" algn="tl">
+                  <a:srgbClr val="000000">
+                    <a:alpha val="43137"/>
+                  </a:srgbClr>
+                </a:outerShdw>
+              </a:effectLst>
+              <a:latin typeface="Times New Roman" panose="02020603050405020304" charset="0"/>
+              <a:cs typeface="Times New Roman" panose="02020603050405020304" charset="0"/>
+            </a:endParaRPr>
+          </a:p>
+          <a:p>
+            <a:r>
+              <a:rPr lang="vi-VN" altLang="en-US" sz="2400">
+                <a:effectLst>
+                  <a:outerShdw blurRad="38100" dist="38100" dir="2700000" algn="tl">
+                    <a:srgbClr val="000000">
+                      <a:alpha val="43137"/>
+                    </a:srgbClr>
+                  </a:outerShdw>
+                </a:effectLst>
+                <a:latin typeface="Times New Roman" panose="02020603050405020304" charset="0"/>
+                <a:cs typeface="Times New Roman" panose="02020603050405020304" charset="0"/>
+              </a:rPr>
+              <a:t>- Thực hiện thêm chức năng thêm thu chi hằng ngày cho sinh viên</a:t>
+            </a:r>
+            <a:endParaRPr lang="vi-VN" altLang="en-US" sz="2400">
+              <a:effectLst>
+                <a:outerShdw blurRad="38100" dist="38100" dir="2700000" algn="tl">
+                  <a:srgbClr val="000000">
+                    <a:alpha val="43137"/>
+                  </a:srgbClr>
+                </a:outerShdw>
+              </a:effectLst>
+              <a:latin typeface="Times New Roman" panose="02020603050405020304" charset="0"/>
+              <a:cs typeface="Times New Roman" panose="02020603050405020304" charset="0"/>
+            </a:endParaRPr>
+          </a:p>
+        </p:txBody>
+      </p:sp>
+    </p:spTree>
+  </p:cSld>
+  <p:clrMapOvr>
+    <a:masterClrMapping/>
+  </p:clrMapOvr>
+</p:sld>
+</file>
+
+<file path=ppt/slides/slide25.xml><?xml version="1.0" encoding="utf-8"?>
+<p:sld xmlns:a="http://schemas.openxmlformats.org/drawingml/2006/main" xmlns:r="http://schemas.openxmlformats.org/officeDocument/2006/relationships" xmlns:p="http://schemas.openxmlformats.org/presentationml/2006/main">
+  <p:cSld>
+    <p:spTree>
+      <p:nvGrpSpPr>
+        <p:cNvPr id="1" name=""/>
+        <p:cNvGrpSpPr/>
+        <p:nvPr/>
+      </p:nvGrpSpPr>
+      <p:grpSpPr/>
+      <p:sp>
+        <p:nvSpPr>
+          <p:cNvPr id="4" name="Footer Placeholder 3"/>
+          <p:cNvSpPr>
+            <a:spLocks noGrp="1"/>
+          </p:cNvSpPr>
+          <p:nvPr>
+            <p:ph type="ftr" sz="quarter" idx="11"/>
+          </p:nvPr>
+        </p:nvSpPr>
+        <p:spPr/>
+        <p:txBody>
+          <a:bodyPr/>
+          <a:p>
+            <a:r>
+              <a:rPr lang="en-US"/>
+              <a:t>ỨNG DỤNG QUẢN LÝ TÀI CHÍNH CÁ NHÂN CHO SINH VIÊN TRÊN THIẾT BỊ DI ĐỘNG</a:t>
+            </a:r>
+            <a:endParaRPr lang="en-US"/>
+          </a:p>
+        </p:txBody>
+      </p:sp>
+      <p:sp>
+        <p:nvSpPr>
+          <p:cNvPr id="5" name="Slide Number Placeholder 4"/>
+          <p:cNvSpPr>
+            <a:spLocks noGrp="1"/>
+          </p:cNvSpPr>
+          <p:nvPr>
+            <p:ph type="sldNum" sz="quarter" idx="12"/>
+          </p:nvPr>
+        </p:nvSpPr>
+        <p:spPr/>
+        <p:txBody>
+          <a:bodyPr/>
+          <a:p>
+            <a:fld id="{238EE17F-B177-49C4-82EF-15EF1185C18A}" type="slidenum">
+              <a:rPr lang="en-US" smtClean="0"/>
+            </a:fld>
+            <a:endParaRPr lang="en-US"/>
+          </a:p>
+        </p:txBody>
+      </p:sp>
+      <p:sp>
+        <p:nvSpPr>
+          <p:cNvPr id="6" name="Title 5"/>
+          <p:cNvSpPr>
+            <a:spLocks noGrp="1"/>
+          </p:cNvSpPr>
+          <p:nvPr>
+            <p:ph type="title"/>
+          </p:nvPr>
+        </p:nvSpPr>
+        <p:spPr>
+          <a:xfrm>
+            <a:off x="1797541" y="2768600"/>
+            <a:ext cx="8597515" cy="1320800"/>
+          </a:xfrm>
+        </p:spPr>
+        <p:txBody>
+          <a:bodyPr>
+            <a:normAutofit fontScale="90000"/>
+          </a:bodyPr>
+          <a:p>
+            <a:pPr algn="ctr"/>
+            <a:r>
+              <a:rPr lang="vi-VN" altLang="en-US">
+                <a:solidFill>
+                  <a:srgbClr val="FF0000"/>
+                </a:solidFill>
+                <a:effectLst>
+                  <a:outerShdw blurRad="38100" dist="38100" dir="2700000" algn="tl">
+                    <a:srgbClr val="000000">
+                      <a:alpha val="43137"/>
+                    </a:srgbClr>
+                  </a:outerShdw>
+                </a:effectLst>
+                <a:latin typeface="Times New Roman" panose="02020603050405020304" charset="0"/>
+                <a:cs typeface="Times New Roman" panose="02020603050405020304" charset="0"/>
+                <a:sym typeface="+mn-ea"/>
+              </a:rPr>
+              <a:t>CÁM ƠN THẦY CÔ VÀ CÁC BẠN ĐÃ CHÚ Ý LẮNG NGHE!</a:t>
+            </a:r>
+            <a:br>
+              <a:rPr lang="en-US"/>
+            </a:br>
+            <a:endParaRPr lang="en-US"/>
+          </a:p>
+        </p:txBody>
+      </p:sp>
+    </p:spTree>
+  </p:cSld>
+  <p:clrMapOvr>
+    <a:masterClrMapping/>
+  </p:clrMapOvr>
+</p:sld>
+</file>
+
+<file path=ppt/slides/slide3.xml><?xml version="1.0" encoding="utf-8"?>
+<p:sld xmlns:a="http://schemas.openxmlformats.org/drawingml/2006/main" xmlns:r="http://schemas.openxmlformats.org/officeDocument/2006/relationships" xmlns:p="http://schemas.openxmlformats.org/presentationml/2006/main">
+  <p:cSld>
+    <p:spTree>
+      <p:nvGrpSpPr>
+        <p:cNvPr id="1" name=""/>
+        <p:cNvGrpSpPr/>
+        <p:nvPr/>
+      </p:nvGrpSpPr>
+      <p:grpSpPr/>
+      <p:sp>
+        <p:nvSpPr>
+          <p:cNvPr id="2" name="Title 1"/>
+          <p:cNvSpPr>
+            <a:spLocks noGrp="1"/>
+          </p:cNvSpPr>
+          <p:nvPr>
+            <p:ph type="title"/>
+          </p:nvPr>
+        </p:nvSpPr>
+        <p:spPr>
+          <a:xfrm>
+            <a:off x="677401" y="295275"/>
+            <a:ext cx="8597515" cy="1320800"/>
+          </a:xfrm>
+        </p:spPr>
+        <p:txBody>
+          <a:bodyPr>
+            <a:normAutofit fontScale="90000"/>
+          </a:bodyPr>
+          <a:p>
+            <a:r>
+              <a:rPr lang="vi-VN" altLang="en-US">
+                <a:solidFill>
+                  <a:srgbClr val="FF0000"/>
+                </a:solidFill>
+                <a:effectLst>
+                  <a:outerShdw blurRad="38100" dist="38100" dir="2700000" algn="tl">
+                    <a:srgbClr val="000000">
+                      <a:alpha val="43137"/>
+                    </a:srgbClr>
+                  </a:outerShdw>
+                </a:effectLst>
+                <a:latin typeface="Times New Roman" panose="02020603050405020304" charset="0"/>
+                <a:cs typeface="Times New Roman" panose="02020603050405020304" charset="0"/>
+              </a:rPr>
+              <a:t>1. GIỚI THIỆU</a:t>
+            </a:r>
+            <a:endParaRPr lang="vi-VN" altLang="en-US">
+              <a:solidFill>
+                <a:srgbClr val="FF0000"/>
+              </a:solidFill>
+              <a:effectLst>
+                <a:outerShdw blurRad="38100" dist="38100" dir="2700000" algn="tl">
+                  <a:srgbClr val="000000">
+                    <a:alpha val="43137"/>
+                  </a:srgbClr>
+                </a:outerShdw>
+              </a:effectLst>
+              <a:latin typeface="Times New Roman" panose="02020603050405020304" charset="0"/>
+              <a:cs typeface="Times New Roman" panose="02020603050405020304" charset="0"/>
+            </a:endParaRPr>
+          </a:p>
+        </p:txBody>
+      </p:sp>
+      <p:sp>
+        <p:nvSpPr>
+          <p:cNvPr id="4" name="Footer Placeholder 3"/>
+          <p:cNvSpPr>
+            <a:spLocks noGrp="1"/>
+          </p:cNvSpPr>
+          <p:nvPr>
+            <p:ph type="ftr" sz="quarter" idx="11"/>
+          </p:nvPr>
+        </p:nvSpPr>
+        <p:spPr/>
+        <p:txBody>
+          <a:bodyPr/>
+          <a:p>
+            <a:r>
+              <a:rPr lang="en-US"/>
+              <a:t>ỨNG DỤNG QUẢN LÝ TÀI CHÍNH CÁ NHÂN CHO SINH VIÊN TRÊN THIẾT BỊ DI ĐỘNG</a:t>
+            </a:r>
+            <a:endParaRPr lang="en-US"/>
+          </a:p>
+        </p:txBody>
+      </p:sp>
+      <p:sp>
+        <p:nvSpPr>
+          <p:cNvPr id="5" name="Slide Number Placeholder 4"/>
+          <p:cNvSpPr>
+            <a:spLocks noGrp="1"/>
+          </p:cNvSpPr>
+          <p:nvPr>
+            <p:ph type="sldNum" sz="quarter" idx="12"/>
+          </p:nvPr>
+        </p:nvSpPr>
+        <p:spPr>
+          <a:xfrm>
+            <a:off x="10888345" y="6041390"/>
+            <a:ext cx="698500" cy="365125"/>
+          </a:xfrm>
+        </p:spPr>
+        <p:txBody>
+          <a:bodyPr/>
+          <a:p>
+            <a:fld id="{238EE17F-B177-49C4-82EF-15EF1185C18A}" type="slidenum">
+              <a:rPr lang="en-US" sz="1400" smtClean="0">
+                <a:solidFill>
+                  <a:schemeClr val="tx1"/>
+                </a:solidFill>
+              </a:rPr>
+            </a:fld>
+            <a:endParaRPr lang="en-US" sz="1400" smtClean="0">
+              <a:solidFill>
+                <a:schemeClr val="tx1"/>
+              </a:solidFill>
+            </a:endParaRPr>
+          </a:p>
+        </p:txBody>
+      </p:sp>
+      <p:sp>
+        <p:nvSpPr>
+          <p:cNvPr id="7" name="Text Box 6"/>
+          <p:cNvSpPr txBox="1"/>
+          <p:nvPr/>
+        </p:nvSpPr>
+        <p:spPr>
+          <a:xfrm>
+            <a:off x="677545" y="827405"/>
+            <a:ext cx="2971800" cy="460375"/>
+          </a:xfrm>
+          <a:prstGeom prst="rect">
+            <a:avLst/>
+          </a:prstGeom>
+          <a:noFill/>
+        </p:spPr>
+        <p:txBody>
+          <a:bodyPr wrap="square" rtlCol="0">
+            <a:spAutoFit/>
+          </a:bodyPr>
+          <a:p>
+            <a:r>
+              <a:rPr lang="vi-VN" altLang="en-US" sz="2400">
+                <a:solidFill>
+                  <a:schemeClr val="accent1">
+                    <a:lumMod val="50000"/>
+                  </a:schemeClr>
+                </a:solidFill>
+                <a:effectLst>
+                  <a:outerShdw blurRad="38100" dist="38100" dir="2700000" algn="tl">
+                    <a:srgbClr val="000000">
+                      <a:alpha val="43137"/>
+                    </a:srgbClr>
+                  </a:outerShdw>
+                </a:effectLst>
+                <a:latin typeface="Times New Roman" panose="02020603050405020304" charset="0"/>
+                <a:cs typeface="Times New Roman" panose="02020603050405020304" charset="0"/>
+              </a:rPr>
+              <a:t>1.1 TỔNG QUAN</a:t>
+            </a:r>
+            <a:endParaRPr lang="vi-VN" altLang="en-US" sz="2400">
+              <a:solidFill>
+                <a:schemeClr val="accent1">
+                  <a:lumMod val="50000"/>
+                </a:schemeClr>
+              </a:solidFill>
+              <a:effectLst>
+                <a:outerShdw blurRad="38100" dist="38100" dir="2700000" algn="tl">
+                  <a:srgbClr val="000000">
+                    <a:alpha val="43137"/>
+                  </a:srgbClr>
+                </a:outerShdw>
+              </a:effectLst>
+              <a:latin typeface="Times New Roman" panose="02020603050405020304" charset="0"/>
+              <a:cs typeface="Times New Roman" panose="02020603050405020304" charset="0"/>
+            </a:endParaRPr>
+          </a:p>
+        </p:txBody>
+      </p:sp>
+      <p:sp>
+        <p:nvSpPr>
+          <p:cNvPr id="8" name="Text Box 7"/>
+          <p:cNvSpPr txBox="1"/>
+          <p:nvPr/>
+        </p:nvSpPr>
+        <p:spPr>
+          <a:xfrm>
+            <a:off x="677545" y="1287780"/>
+            <a:ext cx="5684520" cy="2861310"/>
+          </a:xfrm>
+          <a:prstGeom prst="rect">
+            <a:avLst/>
+          </a:prstGeom>
+          <a:noFill/>
+        </p:spPr>
+        <p:txBody>
+          <a:bodyPr wrap="square" rtlCol="0">
+            <a:spAutoFit/>
+          </a:bodyPr>
+          <a:p>
+            <a:pPr indent="0">
+              <a:buNone/>
+            </a:pPr>
+            <a:r>
+              <a:rPr lang="vi-VN" altLang="en-US" sz="2000">
+                <a:effectLst>
+                  <a:outerShdw blurRad="38100" dist="38100" dir="2700000" algn="tl">
+                    <a:srgbClr val="000000">
+                      <a:alpha val="43137"/>
+                    </a:srgbClr>
+                  </a:outerShdw>
+                </a:effectLst>
+                <a:latin typeface="Times New Roman" panose="02020603050405020304" charset="0"/>
+                <a:cs typeface="Times New Roman" panose="02020603050405020304" charset="0"/>
+              </a:rPr>
+              <a:t>Từ xưa đến nay, vấn đề chi tiêu luôn là vấn đề đau đầu đối với nhiều sinh viên, họ có nhiều vấn đề phải chi như tiền ăn, học phí, chỗ ở... và những nguồn thu như làm thêm, trợ cấp từ gia đình...Nhưng việc ghi chép lại những khoản thu chi là quá tốn công sức, khó tìm kiếm khi có quá nhiều thu chi, khó quản lý, điều đó dẫn tới sinh viên hiện nay thường không chú trọng việc quản lý chi tiêu của mình.</a:t>
+            </a:r>
+            <a:endParaRPr lang="vi-VN" altLang="en-US" sz="2000">
+              <a:effectLst>
+                <a:outerShdw blurRad="38100" dist="38100" dir="2700000" algn="tl">
+                  <a:srgbClr val="000000">
+                    <a:alpha val="43137"/>
+                  </a:srgbClr>
+                </a:outerShdw>
+              </a:effectLst>
+              <a:latin typeface="Times New Roman" panose="02020603050405020304" charset="0"/>
+              <a:cs typeface="Times New Roman" panose="02020603050405020304" charset="0"/>
+            </a:endParaRPr>
+          </a:p>
+        </p:txBody>
+      </p:sp>
+      <p:pic>
+        <p:nvPicPr>
+          <p:cNvPr id="10" name="Content Placeholder 9" descr="unnamed"/>
+          <p:cNvPicPr>
+            <a:picLocks noChangeAspect="1"/>
+          </p:cNvPicPr>
+          <p:nvPr>
+            <p:ph sz="half" idx="1"/>
+          </p:nvPr>
+        </p:nvPicPr>
+        <p:blipFill>
+          <a:blip r:embed="rId1"/>
+          <a:stretch>
+            <a:fillRect/>
+          </a:stretch>
+        </p:blipFill>
+        <p:spPr>
+          <a:xfrm>
+            <a:off x="1191895" y="4148455"/>
+            <a:ext cx="4184650" cy="1892935"/>
+          </a:xfrm>
+          <a:prstGeom prst="rect">
+            <a:avLst/>
+          </a:prstGeom>
+        </p:spPr>
+      </p:pic>
+      <p:pic>
+        <p:nvPicPr>
+          <p:cNvPr id="11" name="Content Placeholder 10" descr="phương-pháp-ghi-chép-sổ-tay-Bullet-Journal-2"/>
+          <p:cNvPicPr>
+            <a:picLocks noChangeAspect="1"/>
+          </p:cNvPicPr>
+          <p:nvPr>
+            <p:ph sz="half" idx="2"/>
+          </p:nvPr>
+        </p:nvPicPr>
+        <p:blipFill>
+          <a:blip r:embed="rId2"/>
+          <a:stretch>
+            <a:fillRect/>
+          </a:stretch>
+        </p:blipFill>
+        <p:spPr>
+          <a:xfrm>
+            <a:off x="6534150" y="1287780"/>
+            <a:ext cx="5012690" cy="2783840"/>
+          </a:xfrm>
+          <a:prstGeom prst="rect">
+            <a:avLst/>
+          </a:prstGeom>
+        </p:spPr>
+      </p:pic>
+      <p:sp>
+        <p:nvSpPr>
+          <p:cNvPr id="12" name="Text Box 11"/>
+          <p:cNvSpPr txBox="1"/>
+          <p:nvPr/>
+        </p:nvSpPr>
+        <p:spPr>
+          <a:xfrm>
+            <a:off x="6017260" y="4411345"/>
+            <a:ext cx="4871085" cy="1630045"/>
+          </a:xfrm>
+          <a:prstGeom prst="rect">
+            <a:avLst/>
+          </a:prstGeom>
+          <a:noFill/>
+        </p:spPr>
+        <p:txBody>
+          <a:bodyPr wrap="square" rtlCol="0">
+            <a:spAutoFit/>
+          </a:bodyPr>
+          <a:p>
+            <a:pPr indent="0">
+              <a:buNone/>
+            </a:pPr>
+            <a:r>
+              <a:rPr sz="2000">
+                <a:effectLst>
+                  <a:outerShdw blurRad="38100" dist="38100" dir="2700000" algn="tl">
+                    <a:srgbClr val="000000">
+                      <a:alpha val="43137"/>
+                    </a:srgbClr>
+                  </a:outerShdw>
+                </a:effectLst>
+                <a:latin typeface="Times New Roman" panose="02020603050405020304" charset="0"/>
+                <a:cs typeface="Times New Roman" panose="02020603050405020304" charset="0"/>
+                <a:sym typeface="+mn-ea"/>
+              </a:rPr>
+              <a:t>Từ những lý do trên,</a:t>
+            </a:r>
+            <a:r>
+              <a:rPr lang="vi-VN" sz="2000">
+                <a:effectLst>
+                  <a:outerShdw blurRad="38100" dist="38100" dir="2700000" algn="tl">
+                    <a:srgbClr val="000000">
+                      <a:alpha val="43137"/>
+                    </a:srgbClr>
+                  </a:outerShdw>
+                </a:effectLst>
+                <a:latin typeface="Times New Roman" panose="02020603050405020304" charset="0"/>
+                <a:cs typeface="Times New Roman" panose="02020603050405020304" charset="0"/>
+                <a:sym typeface="+mn-ea"/>
+              </a:rPr>
+              <a:t>nhóm</a:t>
+            </a:r>
+            <a:r>
+              <a:rPr sz="2000">
+                <a:effectLst>
+                  <a:outerShdw blurRad="38100" dist="38100" dir="2700000" algn="tl">
+                    <a:srgbClr val="000000">
+                      <a:alpha val="43137"/>
+                    </a:srgbClr>
+                  </a:outerShdw>
+                </a:effectLst>
+                <a:latin typeface="Times New Roman" panose="02020603050405020304" charset="0"/>
+                <a:cs typeface="Times New Roman" panose="02020603050405020304" charset="0"/>
+                <a:sym typeface="+mn-ea"/>
+              </a:rPr>
+              <a:t> em xây dựng đề tài “</a:t>
+            </a:r>
+            <a:r>
+              <a:rPr lang="vi-VN" sz="2000">
+                <a:effectLst>
+                  <a:outerShdw blurRad="38100" dist="38100" dir="2700000" algn="tl">
+                    <a:srgbClr val="000000">
+                      <a:alpha val="43137"/>
+                    </a:srgbClr>
+                  </a:outerShdw>
+                </a:effectLst>
+                <a:latin typeface="Times New Roman" panose="02020603050405020304" charset="0"/>
+                <a:cs typeface="Times New Roman" panose="02020603050405020304" charset="0"/>
+                <a:sym typeface="+mn-ea"/>
+              </a:rPr>
+              <a:t>Ứng dụng quản lý tài chính cá nhân cho sinh viên trên thiết bị di động</a:t>
+            </a:r>
+            <a:r>
+              <a:rPr sz="2000">
+                <a:effectLst>
+                  <a:outerShdw blurRad="38100" dist="38100" dir="2700000" algn="tl">
+                    <a:srgbClr val="000000">
+                      <a:alpha val="43137"/>
+                    </a:srgbClr>
+                  </a:outerShdw>
+                </a:effectLst>
+                <a:latin typeface="Times New Roman" panose="02020603050405020304" charset="0"/>
+                <a:cs typeface="Times New Roman" panose="02020603050405020304" charset="0"/>
+                <a:sym typeface="+mn-ea"/>
+              </a:rPr>
+              <a:t>” để cung cấp ứng dụng </a:t>
+            </a:r>
+            <a:r>
+              <a:rPr lang="vi-VN" sz="2000">
+                <a:effectLst>
+                  <a:outerShdw blurRad="38100" dist="38100" dir="2700000" algn="tl">
+                    <a:srgbClr val="000000">
+                      <a:alpha val="43137"/>
+                    </a:srgbClr>
+                  </a:outerShdw>
+                </a:effectLst>
+                <a:latin typeface="Times New Roman" panose="02020603050405020304" charset="0"/>
+                <a:cs typeface="Times New Roman" panose="02020603050405020304" charset="0"/>
+                <a:sym typeface="+mn-ea"/>
+              </a:rPr>
+              <a:t>hỗ trợ việc quản lý chi tiêu cho sinh viên.</a:t>
+            </a:r>
+            <a:endParaRPr lang="vi-VN" sz="2000">
+              <a:effectLst>
+                <a:outerShdw blurRad="38100" dist="38100" dir="2700000" algn="tl">
+                  <a:srgbClr val="000000">
+                    <a:alpha val="43137"/>
+                  </a:srgbClr>
+                </a:outerShdw>
+              </a:effectLst>
+              <a:latin typeface="Times New Roman" panose="02020603050405020304" charset="0"/>
+              <a:cs typeface="Times New Roman" panose="02020603050405020304" charset="0"/>
+              <a:sym typeface="+mn-ea"/>
+            </a:endParaRPr>
+          </a:p>
+        </p:txBody>
+      </p:sp>
+    </p:spTree>
+  </p:cSld>
+  <p:clrMapOvr>
+    <a:masterClrMapping/>
+  </p:clrMapOvr>
+</p:sld>
+</file>
+
+<file path=ppt/slides/slide4.xml><?xml version="1.0" encoding="utf-8"?>
+<p:sld xmlns:a="http://schemas.openxmlformats.org/drawingml/2006/main" xmlns:r="http://schemas.openxmlformats.org/officeDocument/2006/relationships" xmlns:p="http://schemas.openxmlformats.org/presentationml/2006/main">
+  <p:cSld>
+    <p:spTree>
+      <p:nvGrpSpPr>
+        <p:cNvPr id="1" name=""/>
+        <p:cNvGrpSpPr/>
+        <p:nvPr/>
+      </p:nvGrpSpPr>
+      <p:grpSpPr/>
+      <p:sp>
+        <p:nvSpPr>
+          <p:cNvPr id="2" name="Title 1"/>
+          <p:cNvSpPr>
+            <a:spLocks noGrp="1"/>
+          </p:cNvSpPr>
+          <p:nvPr>
+            <p:ph type="title"/>
+          </p:nvPr>
+        </p:nvSpPr>
+        <p:spPr>
+          <a:xfrm>
+            <a:off x="677401" y="382905"/>
+            <a:ext cx="8597515" cy="1320800"/>
+          </a:xfrm>
+        </p:spPr>
+        <p:txBody>
+          <a:bodyPr>
+            <a:normAutofit fontScale="90000"/>
+          </a:bodyPr>
+          <a:p>
+            <a:r>
+              <a:rPr lang="vi-VN" altLang="en-US">
+                <a:solidFill>
+                  <a:srgbClr val="FF0000"/>
+                </a:solidFill>
+                <a:effectLst>
+                  <a:outerShdw blurRad="38100" dist="38100" dir="2700000" algn="tl">
+                    <a:srgbClr val="000000">
+                      <a:alpha val="43137"/>
+                    </a:srgbClr>
+                  </a:outerShdw>
+                </a:effectLst>
+                <a:latin typeface="Times New Roman" panose="02020603050405020304" charset="0"/>
+                <a:cs typeface="Times New Roman" panose="02020603050405020304" charset="0"/>
+                <a:sym typeface="+mn-ea"/>
+              </a:rPr>
+              <a:t>1. GIỚI THIỆU</a:t>
+            </a:r>
+            <a:br>
+              <a:rPr lang="vi-VN" altLang="en-US">
+                <a:solidFill>
+                  <a:srgbClr val="FF0000"/>
+                </a:solidFill>
+                <a:effectLst>
+                  <a:outerShdw blurRad="38100" dist="38100" dir="2700000" algn="tl">
+                    <a:srgbClr val="000000">
+                      <a:alpha val="43137"/>
+                    </a:srgbClr>
+                  </a:outerShdw>
+                </a:effectLst>
+                <a:latin typeface="Times New Roman" panose="02020603050405020304" charset="0"/>
+                <a:cs typeface="Times New Roman" panose="02020603050405020304" charset="0"/>
+              </a:rPr>
+            </a:br>
+            <a:endParaRPr lang="en-US"/>
+          </a:p>
+        </p:txBody>
+      </p:sp>
+      <p:sp>
+        <p:nvSpPr>
+          <p:cNvPr id="4" name="Footer Placeholder 3"/>
+          <p:cNvSpPr>
+            <a:spLocks noGrp="1"/>
+          </p:cNvSpPr>
+          <p:nvPr>
+            <p:ph type="ftr" sz="quarter" idx="11"/>
+          </p:nvPr>
+        </p:nvSpPr>
+        <p:spPr/>
+        <p:txBody>
+          <a:bodyPr/>
+          <a:p>
+            <a:r>
+              <a:rPr lang="en-US"/>
+              <a:t>ỨNG DỤNG QUẢN LÝ TÀI CHÍNH CÁ NHÂN CHO SINH VIÊN TRÊN THIẾT BỊ DI ĐỘNG</a:t>
+            </a:r>
+            <a:endParaRPr lang="en-US"/>
+          </a:p>
+        </p:txBody>
+      </p:sp>
+      <p:sp>
+        <p:nvSpPr>
+          <p:cNvPr id="5" name="Slide Number Placeholder 4"/>
+          <p:cNvSpPr>
+            <a:spLocks noGrp="1"/>
+          </p:cNvSpPr>
+          <p:nvPr>
+            <p:ph type="sldNum" sz="quarter" idx="12"/>
+          </p:nvPr>
+        </p:nvSpPr>
+        <p:spPr/>
+        <p:txBody>
+          <a:bodyPr/>
+          <a:p>
+            <a:fld id="{238EE17F-B177-49C4-82EF-15EF1185C18A}" type="slidenum">
+              <a:rPr lang="en-US" smtClean="0"/>
+            </a:fld>
+            <a:endParaRPr lang="en-US"/>
+          </a:p>
+        </p:txBody>
+      </p:sp>
+      <p:sp>
+        <p:nvSpPr>
+          <p:cNvPr id="7" name="Text Box 6"/>
+          <p:cNvSpPr txBox="1"/>
+          <p:nvPr/>
+        </p:nvSpPr>
+        <p:spPr>
+          <a:xfrm>
+            <a:off x="677545" y="873760"/>
+            <a:ext cx="3256915" cy="829945"/>
+          </a:xfrm>
+          <a:prstGeom prst="rect">
+            <a:avLst/>
+          </a:prstGeom>
+          <a:noFill/>
+        </p:spPr>
+        <p:txBody>
+          <a:bodyPr wrap="square" rtlCol="0">
+            <a:spAutoFit/>
+          </a:bodyPr>
+          <a:p>
+            <a:r>
+              <a:rPr lang="vi-VN" altLang="en-US" sz="2400">
+                <a:solidFill>
+                  <a:schemeClr val="accent1">
+                    <a:lumMod val="50000"/>
+                  </a:schemeClr>
+                </a:solidFill>
+                <a:effectLst>
+                  <a:outerShdw blurRad="38100" dist="38100" dir="2700000" algn="tl">
+                    <a:srgbClr val="000000">
+                      <a:alpha val="43137"/>
+                    </a:srgbClr>
+                  </a:outerShdw>
+                </a:effectLst>
+                <a:latin typeface="Times New Roman" panose="02020603050405020304" charset="0"/>
+                <a:cs typeface="Times New Roman" panose="02020603050405020304" charset="0"/>
+                <a:sym typeface="+mn-ea"/>
+              </a:rPr>
+              <a:t>1.2 MỤC TIÊU</a:t>
+            </a:r>
+            <a:endParaRPr lang="vi-VN" altLang="en-US" sz="2400">
+              <a:solidFill>
+                <a:schemeClr val="accent1">
+                  <a:lumMod val="50000"/>
+                </a:schemeClr>
+              </a:solidFill>
+              <a:effectLst>
+                <a:outerShdw blurRad="38100" dist="38100" dir="2700000" algn="tl">
+                  <a:srgbClr val="000000">
+                    <a:alpha val="43137"/>
+                  </a:srgbClr>
+                </a:outerShdw>
+              </a:effectLst>
+              <a:latin typeface="Times New Roman" panose="02020603050405020304" charset="0"/>
+              <a:cs typeface="Times New Roman" panose="02020603050405020304" charset="0"/>
+            </a:endParaRPr>
+          </a:p>
+          <a:p>
+            <a:endParaRPr lang="en-US" sz="2400"/>
+          </a:p>
+        </p:txBody>
+      </p:sp>
+      <p:sp>
+        <p:nvSpPr>
+          <p:cNvPr id="8" name="Text Box 7"/>
+          <p:cNvSpPr txBox="1"/>
+          <p:nvPr/>
+        </p:nvSpPr>
+        <p:spPr>
+          <a:xfrm>
+            <a:off x="677545" y="1356360"/>
+            <a:ext cx="7071360" cy="1938020"/>
+          </a:xfrm>
+          <a:prstGeom prst="rect">
+            <a:avLst/>
+          </a:prstGeom>
+          <a:noFill/>
+        </p:spPr>
+        <p:txBody>
+          <a:bodyPr wrap="square" rtlCol="0">
+            <a:spAutoFit/>
+          </a:bodyPr>
+          <a:p>
+            <a:pPr indent="0">
+              <a:buNone/>
+            </a:pPr>
+            <a:r>
+              <a:rPr lang="en-US" sz="2000">
+                <a:effectLst>
+                  <a:outerShdw blurRad="38100" dist="38100" dir="2700000" algn="tl">
+                    <a:srgbClr val="000000">
+                      <a:alpha val="43137"/>
+                    </a:srgbClr>
+                  </a:outerShdw>
+                </a:effectLst>
+                <a:latin typeface="Times New Roman" panose="02020603050405020304" charset="0"/>
+                <a:cs typeface="Times New Roman" panose="02020603050405020304" charset="0"/>
+                <a:sym typeface="+mn-ea"/>
+              </a:rPr>
+              <a:t>Ứng dụng quản lý thu chi cá nhân dành cho sinh viên nhóm đã thực hiện là một ứng dụng chạy trên hệ điều hành Android, hỗ trợ các vấn đề sau:</a:t>
+            </a:r>
+            <a:endParaRPr lang="en-US" sz="2000">
+              <a:effectLst>
+                <a:outerShdw blurRad="38100" dist="38100" dir="2700000" algn="tl">
+                  <a:srgbClr val="000000">
+                    <a:alpha val="43137"/>
+                  </a:srgbClr>
+                </a:outerShdw>
+              </a:effectLst>
+              <a:latin typeface="Times New Roman" panose="02020603050405020304" charset="0"/>
+              <a:cs typeface="Times New Roman" panose="02020603050405020304" charset="0"/>
+            </a:endParaRPr>
+          </a:p>
+          <a:p>
+            <a:pPr indent="0">
+              <a:buNone/>
+            </a:pPr>
+            <a:r>
+              <a:rPr lang="en-US" sz="2000">
+                <a:effectLst>
+                  <a:outerShdw blurRad="38100" dist="38100" dir="2700000" algn="tl">
+                    <a:srgbClr val="000000">
+                      <a:alpha val="43137"/>
+                    </a:srgbClr>
+                  </a:outerShdw>
+                </a:effectLst>
+                <a:latin typeface="Times New Roman" panose="02020603050405020304" charset="0"/>
+                <a:cs typeface="Times New Roman" panose="02020603050405020304" charset="0"/>
+                <a:sym typeface="+mn-ea"/>
+              </a:rPr>
+              <a:t>-Giúp sinh viên quan lý những khoản thu, khoản chi của mình.</a:t>
+            </a:r>
+            <a:endParaRPr lang="en-US" sz="2000">
+              <a:effectLst>
+                <a:outerShdw blurRad="38100" dist="38100" dir="2700000" algn="tl">
+                  <a:srgbClr val="000000">
+                    <a:alpha val="43137"/>
+                  </a:srgbClr>
+                </a:outerShdw>
+              </a:effectLst>
+              <a:latin typeface="Times New Roman" panose="02020603050405020304" charset="0"/>
+              <a:cs typeface="Times New Roman" panose="02020603050405020304" charset="0"/>
+            </a:endParaRPr>
+          </a:p>
+          <a:p>
+            <a:pPr indent="0">
+              <a:buNone/>
+            </a:pPr>
+            <a:r>
+              <a:rPr lang="en-US" sz="2000">
+                <a:effectLst>
+                  <a:outerShdw blurRad="38100" dist="38100" dir="2700000" algn="tl">
+                    <a:srgbClr val="000000">
+                      <a:alpha val="43137"/>
+                    </a:srgbClr>
+                  </a:outerShdw>
+                </a:effectLst>
+                <a:latin typeface="Times New Roman" panose="02020603050405020304" charset="0"/>
+                <a:cs typeface="Times New Roman" panose="02020603050405020304" charset="0"/>
+                <a:sym typeface="+mn-ea"/>
+              </a:rPr>
+              <a:t>-Xem tổng thu, tổng chi hằng ngày, hàng tháng, năm.</a:t>
+            </a:r>
+            <a:endParaRPr lang="en-US" sz="2000">
+              <a:effectLst>
+                <a:outerShdw blurRad="38100" dist="38100" dir="2700000" algn="tl">
+                  <a:srgbClr val="000000">
+                    <a:alpha val="43137"/>
+                  </a:srgbClr>
+                </a:outerShdw>
+              </a:effectLst>
+              <a:latin typeface="Times New Roman" panose="02020603050405020304" charset="0"/>
+              <a:cs typeface="Times New Roman" panose="02020603050405020304" charset="0"/>
+            </a:endParaRPr>
+          </a:p>
+          <a:p>
+            <a:pPr indent="0">
+              <a:buNone/>
+            </a:pPr>
+            <a:endParaRPr lang="en-US" sz="2000">
+              <a:effectLst>
+                <a:outerShdw blurRad="38100" dist="38100" dir="2700000" algn="tl">
+                  <a:srgbClr val="000000">
+                    <a:alpha val="43137"/>
+                  </a:srgbClr>
+                </a:outerShdw>
+              </a:effectLst>
+            </a:endParaRPr>
+          </a:p>
+        </p:txBody>
+      </p:sp>
+      <p:pic>
+        <p:nvPicPr>
+          <p:cNvPr id="9" name="Content Placeholder 8" descr="bop-vi-tien-1"/>
+          <p:cNvPicPr>
+            <a:picLocks noChangeAspect="1"/>
+          </p:cNvPicPr>
+          <p:nvPr>
+            <p:ph sz="half" idx="1"/>
+          </p:nvPr>
+        </p:nvPicPr>
+        <p:blipFill>
+          <a:blip r:embed="rId1"/>
+          <a:stretch>
+            <a:fillRect/>
+          </a:stretch>
+        </p:blipFill>
+        <p:spPr>
+          <a:xfrm>
+            <a:off x="6104255" y="3022600"/>
+            <a:ext cx="3499485" cy="2313940"/>
+          </a:xfrm>
+          <a:prstGeom prst="rect">
+            <a:avLst/>
+          </a:prstGeom>
+        </p:spPr>
+      </p:pic>
+      <p:sp>
+        <p:nvSpPr>
+          <p:cNvPr id="10" name="Text Box 9"/>
+          <p:cNvSpPr txBox="1"/>
+          <p:nvPr/>
+        </p:nvSpPr>
+        <p:spPr>
+          <a:xfrm>
+            <a:off x="6104255" y="5336540"/>
+            <a:ext cx="3499485" cy="706755"/>
+          </a:xfrm>
+          <a:prstGeom prst="rect">
+            <a:avLst/>
+          </a:prstGeom>
+          <a:noFill/>
+        </p:spPr>
+        <p:txBody>
+          <a:bodyPr wrap="square" rtlCol="0">
+            <a:spAutoFit/>
+          </a:bodyPr>
+          <a:p>
+            <a:r>
+              <a:rPr lang="en-US" sz="2000">
+                <a:effectLst>
+                  <a:outerShdw blurRad="38100" dist="38100" dir="2700000" algn="tl">
+                    <a:srgbClr val="000000">
+                      <a:alpha val="43137"/>
+                    </a:srgbClr>
+                  </a:outerShdw>
+                </a:effectLst>
+                <a:latin typeface="Times New Roman" panose="02020603050405020304" charset="0"/>
+                <a:cs typeface="Times New Roman" panose="02020603050405020304" charset="0"/>
+                <a:sym typeface="+mn-ea"/>
+              </a:rPr>
+              <a:t>-Quản lý số tiền hiện có trong các ví của mình.</a:t>
+            </a:r>
+            <a:endParaRPr lang="en-US" sz="2000">
+              <a:effectLst>
+                <a:outerShdw blurRad="38100" dist="38100" dir="2700000" algn="tl">
+                  <a:srgbClr val="000000">
+                    <a:alpha val="43137"/>
+                  </a:srgbClr>
+                </a:outerShdw>
+              </a:effectLst>
+              <a:latin typeface="Times New Roman" panose="02020603050405020304" charset="0"/>
+              <a:cs typeface="Times New Roman" panose="02020603050405020304" charset="0"/>
+              <a:sym typeface="+mn-ea"/>
+            </a:endParaRPr>
+          </a:p>
+        </p:txBody>
+      </p:sp>
+      <p:sp>
+        <p:nvSpPr>
+          <p:cNvPr id="12" name="Text Box 11"/>
+          <p:cNvSpPr txBox="1"/>
+          <p:nvPr/>
+        </p:nvSpPr>
+        <p:spPr>
+          <a:xfrm>
+            <a:off x="889635" y="5334635"/>
+            <a:ext cx="3843655" cy="706755"/>
+          </a:xfrm>
+          <a:prstGeom prst="rect">
+            <a:avLst/>
+          </a:prstGeom>
+          <a:noFill/>
+        </p:spPr>
+        <p:txBody>
+          <a:bodyPr wrap="square" rtlCol="0">
+            <a:spAutoFit/>
+          </a:bodyPr>
+          <a:p>
+            <a:r>
+              <a:rPr lang="en-US" sz="2000">
+                <a:effectLst>
+                  <a:outerShdw blurRad="38100" dist="38100" dir="2700000" algn="tl">
+                    <a:srgbClr val="000000">
+                      <a:alpha val="43137"/>
+                    </a:srgbClr>
+                  </a:outerShdw>
+                </a:effectLst>
+                <a:latin typeface="Times New Roman" panose="02020603050405020304" charset="0"/>
+                <a:cs typeface="Times New Roman" panose="02020603050405020304" charset="0"/>
+                <a:sym typeface="+mn-ea"/>
+              </a:rPr>
+              <a:t>-Lập kế hoạch tiết kiệm, để dành một số tiền cho một sự kiện nào đó.</a:t>
+            </a:r>
+            <a:endParaRPr lang="en-US" sz="2000">
+              <a:effectLst>
+                <a:outerShdw blurRad="38100" dist="38100" dir="2700000" algn="tl">
+                  <a:srgbClr val="000000">
+                    <a:alpha val="43137"/>
+                  </a:srgbClr>
+                </a:outerShdw>
+              </a:effectLst>
+              <a:latin typeface="Times New Roman" panose="02020603050405020304" charset="0"/>
+              <a:cs typeface="Times New Roman" panose="02020603050405020304" charset="0"/>
+              <a:sym typeface="+mn-ea"/>
+            </a:endParaRPr>
+          </a:p>
+        </p:txBody>
+      </p:sp>
+      <p:pic>
+        <p:nvPicPr>
+          <p:cNvPr id="13" name="Content Placeholder 12" descr="tải xuống"/>
+          <p:cNvPicPr>
+            <a:picLocks noChangeAspect="1"/>
+          </p:cNvPicPr>
+          <p:nvPr>
+            <p:ph sz="half" idx="2"/>
+          </p:nvPr>
+        </p:nvPicPr>
+        <p:blipFill>
+          <a:blip r:embed="rId2"/>
+          <a:stretch>
+            <a:fillRect/>
+          </a:stretch>
+        </p:blipFill>
+        <p:spPr>
+          <a:xfrm>
+            <a:off x="889635" y="3022600"/>
+            <a:ext cx="3143250" cy="2129790"/>
+          </a:xfrm>
+          <a:prstGeom prst="rect">
+            <a:avLst/>
+          </a:prstGeom>
+        </p:spPr>
+      </p:pic>
+    </p:spTree>
+  </p:cSld>
+  <p:clrMapOvr>
+    <a:masterClrMapping/>
+  </p:clrMapOvr>
+</p:sld>
+</file>
+
+<file path=ppt/slides/slide5.xml><?xml version="1.0" encoding="utf-8"?>
+<p:sld xmlns:a="http://schemas.openxmlformats.org/drawingml/2006/main" xmlns:r="http://schemas.openxmlformats.org/officeDocument/2006/relationships" xmlns:p="http://schemas.openxmlformats.org/presentationml/2006/main">
+  <p:cSld>
+    <p:spTree>
+      <p:nvGrpSpPr>
+        <p:cNvPr id="1" name=""/>
+        <p:cNvGrpSpPr/>
+        <p:nvPr/>
+      </p:nvGrpSpPr>
+      <p:grpSpPr/>
+      <p:sp>
+        <p:nvSpPr>
+          <p:cNvPr id="2" name="Title 1"/>
+          <p:cNvSpPr>
+            <a:spLocks noGrp="1"/>
+          </p:cNvSpPr>
+          <p:nvPr>
+            <p:ph type="title"/>
+          </p:nvPr>
+        </p:nvSpPr>
+        <p:spPr/>
+        <p:txBody>
+          <a:bodyPr>
+            <a:normAutofit fontScale="90000"/>
+          </a:bodyPr>
+          <a:p>
+            <a:r>
+              <a:rPr lang="vi-VN" altLang="en-US">
+                <a:solidFill>
+                  <a:srgbClr val="FF0000"/>
+                </a:solidFill>
+                <a:effectLst>
+                  <a:outerShdw blurRad="38100" dist="38100" dir="2700000" algn="tl">
+                    <a:srgbClr val="000000">
+                      <a:alpha val="43137"/>
+                    </a:srgbClr>
+                  </a:outerShdw>
+                </a:effectLst>
+                <a:latin typeface="Times New Roman" panose="02020603050405020304" charset="0"/>
+                <a:cs typeface="Times New Roman" panose="02020603050405020304" charset="0"/>
+                <a:sym typeface="+mn-ea"/>
+              </a:rPr>
+              <a:t>1. GIỚI THIỆU</a:t>
+            </a:r>
+            <a:endParaRPr lang="en-US"/>
+          </a:p>
+        </p:txBody>
+      </p:sp>
+      <p:sp>
+        <p:nvSpPr>
+          <p:cNvPr id="4" name="Footer Placeholder 3"/>
+          <p:cNvSpPr>
+            <a:spLocks noGrp="1"/>
+          </p:cNvSpPr>
+          <p:nvPr>
+            <p:ph type="ftr" sz="quarter" idx="11"/>
+          </p:nvPr>
+        </p:nvSpPr>
+        <p:spPr/>
+        <p:txBody>
+          <a:bodyPr/>
+          <a:p>
+            <a:r>
+              <a:rPr lang="en-US"/>
+              <a:t>ỨNG DỤNG QUẢN LÝ TÀI CHÍNH CÁ NHÂN CHO SINH VIÊN TRÊN THIẾT BỊ DI ĐỘNG</a:t>
+            </a:r>
+            <a:endParaRPr lang="en-US"/>
+          </a:p>
+        </p:txBody>
+      </p:sp>
+      <p:sp>
+        <p:nvSpPr>
+          <p:cNvPr id="5" name="Slide Number Placeholder 4"/>
+          <p:cNvSpPr>
+            <a:spLocks noGrp="1"/>
+          </p:cNvSpPr>
+          <p:nvPr>
+            <p:ph type="sldNum" sz="quarter" idx="12"/>
+          </p:nvPr>
+        </p:nvSpPr>
+        <p:spPr/>
+        <p:txBody>
+          <a:bodyPr/>
+          <a:p>
+            <a:fld id="{238EE17F-B177-49C4-82EF-15EF1185C18A}" type="slidenum">
+              <a:rPr lang="en-US" smtClean="0"/>
+            </a:fld>
+            <a:endParaRPr lang="en-US"/>
+          </a:p>
+        </p:txBody>
+      </p:sp>
+      <p:sp>
+        <p:nvSpPr>
+          <p:cNvPr id="6" name="Text Box 5"/>
+          <p:cNvSpPr txBox="1"/>
+          <p:nvPr/>
+        </p:nvSpPr>
+        <p:spPr>
+          <a:xfrm>
+            <a:off x="677545" y="1001395"/>
+            <a:ext cx="2013585" cy="460375"/>
+          </a:xfrm>
+          <a:prstGeom prst="rect">
+            <a:avLst/>
+          </a:prstGeom>
+          <a:noFill/>
+        </p:spPr>
+        <p:txBody>
+          <a:bodyPr wrap="square" rtlCol="0">
+            <a:spAutoFit/>
+          </a:bodyPr>
+          <a:p>
+            <a:r>
+              <a:rPr lang="vi-VN" altLang="en-US" sz="2400">
+                <a:solidFill>
+                  <a:schemeClr val="accent1">
+                    <a:lumMod val="50000"/>
+                  </a:schemeClr>
+                </a:solidFill>
+                <a:effectLst>
+                  <a:outerShdw blurRad="38100" dist="38100" dir="2700000" algn="tl">
+                    <a:srgbClr val="000000">
+                      <a:alpha val="43137"/>
+                    </a:srgbClr>
+                  </a:outerShdw>
+                </a:effectLst>
+                <a:latin typeface="Times New Roman" panose="02020603050405020304" charset="0"/>
+                <a:cs typeface="Times New Roman" panose="02020603050405020304" charset="0"/>
+                <a:sym typeface="+mn-ea"/>
+              </a:rPr>
+              <a:t>1.3 PHẠM VI</a:t>
+            </a:r>
+            <a:endParaRPr lang="vi-VN" altLang="en-US" sz="2400">
+              <a:solidFill>
+                <a:schemeClr val="accent1">
+                  <a:lumMod val="50000"/>
+                </a:schemeClr>
+              </a:solidFill>
+              <a:effectLst>
+                <a:outerShdw blurRad="38100" dist="38100" dir="2700000" algn="tl">
+                  <a:srgbClr val="000000">
+                    <a:alpha val="43137"/>
+                  </a:srgbClr>
+                </a:outerShdw>
+              </a:effectLst>
+              <a:latin typeface="Times New Roman" panose="02020603050405020304" charset="0"/>
+              <a:cs typeface="Times New Roman" panose="02020603050405020304" charset="0"/>
+              <a:sym typeface="+mn-ea"/>
+            </a:endParaRPr>
+          </a:p>
+        </p:txBody>
+      </p:sp>
+      <p:sp>
+        <p:nvSpPr>
+          <p:cNvPr id="8" name="Text Box 7"/>
+          <p:cNvSpPr txBox="1"/>
+          <p:nvPr/>
+        </p:nvSpPr>
+        <p:spPr>
+          <a:xfrm>
+            <a:off x="677545" y="1461770"/>
+            <a:ext cx="9463405" cy="2676525"/>
+          </a:xfrm>
+          <a:prstGeom prst="rect">
+            <a:avLst/>
+          </a:prstGeom>
+          <a:noFill/>
+        </p:spPr>
+        <p:txBody>
+          <a:bodyPr wrap="square" rtlCol="0">
+            <a:spAutoFit/>
+          </a:bodyPr>
+          <a:p>
+            <a:pPr marL="342900" indent="-342900">
+              <a:buFont typeface="Arial" panose="020B0604020202020204" pitchFamily="34" charset="0"/>
+              <a:buChar char="•"/>
+            </a:pPr>
+            <a:r>
+              <a:rPr lang="vi-VN" altLang="en-US" sz="2400">
+                <a:effectLst>
+                  <a:outerShdw blurRad="38100" dist="38100" dir="2700000" algn="tl">
+                    <a:srgbClr val="000000">
+                      <a:alpha val="43137"/>
+                    </a:srgbClr>
+                  </a:outerShdw>
+                </a:effectLst>
+                <a:latin typeface="Times New Roman" panose="02020603050405020304" charset="0"/>
+                <a:cs typeface="Times New Roman" panose="02020603050405020304" charset="0"/>
+              </a:rPr>
+              <a:t>Ứng dụng hướng tới đối tượng là sinh viên đang theo học ở các trường Đại học, Cao đẳng.</a:t>
+            </a:r>
+            <a:endParaRPr lang="vi-VN" altLang="en-US" sz="2400">
+              <a:effectLst>
+                <a:outerShdw blurRad="38100" dist="38100" dir="2700000" algn="tl">
+                  <a:srgbClr val="000000">
+                    <a:alpha val="43137"/>
+                  </a:srgbClr>
+                </a:outerShdw>
+              </a:effectLst>
+              <a:latin typeface="Times New Roman" panose="02020603050405020304" charset="0"/>
+              <a:cs typeface="Times New Roman" panose="02020603050405020304" charset="0"/>
+            </a:endParaRPr>
+          </a:p>
+          <a:p>
+            <a:pPr marL="342900" indent="-342900">
+              <a:buFont typeface="Arial" panose="020B0604020202020204" pitchFamily="34" charset="0"/>
+              <a:buChar char="•"/>
+            </a:pPr>
+            <a:r>
+              <a:rPr lang="vi-VN" altLang="en-US" sz="2400">
+                <a:effectLst>
+                  <a:outerShdw blurRad="38100" dist="38100" dir="2700000" algn="tl">
+                    <a:srgbClr val="000000">
+                      <a:alpha val="43137"/>
+                    </a:srgbClr>
+                  </a:outerShdw>
+                </a:effectLst>
+                <a:latin typeface="Times New Roman" panose="02020603050405020304" charset="0"/>
+                <a:cs typeface="Times New Roman" panose="02020603050405020304" charset="0"/>
+              </a:rPr>
+              <a:t>Giúp cho các sinh viên dễ dàng hơn trong việc quản lý chi tiêu một cách hợp lý.</a:t>
+            </a:r>
+            <a:endParaRPr lang="vi-VN" altLang="en-US" sz="2400">
+              <a:effectLst>
+                <a:outerShdw blurRad="38100" dist="38100" dir="2700000" algn="tl">
+                  <a:srgbClr val="000000">
+                    <a:alpha val="43137"/>
+                  </a:srgbClr>
+                </a:outerShdw>
+              </a:effectLst>
+              <a:latin typeface="Times New Roman" panose="02020603050405020304" charset="0"/>
+              <a:cs typeface="Times New Roman" panose="02020603050405020304" charset="0"/>
+            </a:endParaRPr>
+          </a:p>
+          <a:p>
+            <a:pPr marL="342900" indent="-342900">
+              <a:buFont typeface="Arial" panose="020B0604020202020204" pitchFamily="34" charset="0"/>
+              <a:buChar char="•"/>
+            </a:pPr>
+            <a:r>
+              <a:rPr lang="vi-VN" altLang="en-US" sz="2400">
+                <a:effectLst>
+                  <a:outerShdw blurRad="38100" dist="38100" dir="2700000" algn="tl">
+                    <a:srgbClr val="000000">
+                      <a:alpha val="43137"/>
+                    </a:srgbClr>
+                  </a:outerShdw>
+                </a:effectLst>
+                <a:latin typeface="Times New Roman" panose="02020603050405020304" charset="0"/>
+                <a:cs typeface="Times New Roman" panose="02020603050405020304" charset="0"/>
+              </a:rPr>
+              <a:t>Sinh viên có thể thực hiện các chức năng cơ bản của việc quản lý chi tiêu với ứng dụng như thêm thu chi, xem lịch sử thu chi, chuyển tiền, lập kế hoạch tiết kiệm.... trên di động của mình.</a:t>
+            </a:r>
+            <a:endParaRPr lang="vi-VN" altLang="en-US" sz="2400">
+              <a:effectLst>
+                <a:outerShdw blurRad="38100" dist="38100" dir="2700000" algn="tl">
+                  <a:srgbClr val="000000">
+                    <a:alpha val="43137"/>
+                  </a:srgbClr>
+                </a:outerShdw>
+              </a:effectLst>
+              <a:latin typeface="Times New Roman" panose="02020603050405020304" charset="0"/>
+              <a:cs typeface="Times New Roman" panose="02020603050405020304" charset="0"/>
+            </a:endParaRPr>
+          </a:p>
+        </p:txBody>
+      </p:sp>
+      <p:pic>
+        <p:nvPicPr>
+          <p:cNvPr id="9" name="Content Placeholder 8" descr="b"/>
+          <p:cNvPicPr>
+            <a:picLocks noChangeAspect="1"/>
+          </p:cNvPicPr>
+          <p:nvPr>
+            <p:ph idx="1"/>
+          </p:nvPr>
+        </p:nvPicPr>
+        <p:blipFill>
+          <a:blip r:embed="rId1"/>
+          <a:stretch>
+            <a:fillRect/>
+          </a:stretch>
+        </p:blipFill>
+        <p:spPr>
+          <a:xfrm>
+            <a:off x="6499225" y="3820795"/>
+            <a:ext cx="4628515" cy="2713990"/>
+          </a:xfrm>
+          <a:prstGeom prst="rect">
+            <a:avLst/>
+          </a:prstGeom>
+        </p:spPr>
+      </p:pic>
+    </p:spTree>
+  </p:cSld>
+  <p:clrMapOvr>
+    <a:masterClrMapping/>
+  </p:clrMapOvr>
+</p:sld>
+</file>
+
+<file path=ppt/slides/slide6.xml><?xml version="1.0" encoding="utf-8"?>
+<p:sld xmlns:a="http://schemas.openxmlformats.org/drawingml/2006/main" xmlns:r="http://schemas.openxmlformats.org/officeDocument/2006/relationships" xmlns:p="http://schemas.openxmlformats.org/presentationml/2006/main">
+  <p:cSld>
+    <p:spTree>
+      <p:nvGrpSpPr>
+        <p:cNvPr id="1" name=""/>
+        <p:cNvGrpSpPr/>
+        <p:nvPr/>
+      </p:nvGrpSpPr>
+      <p:grpSpPr/>
+      <p:sp>
+        <p:nvSpPr>
+          <p:cNvPr id="2" name="Title 1"/>
+          <p:cNvSpPr>
+            <a:spLocks noGrp="1"/>
+          </p:cNvSpPr>
+          <p:nvPr>
+            <p:ph type="title"/>
+          </p:nvPr>
+        </p:nvSpPr>
+        <p:spPr>
+          <a:xfrm>
+            <a:off x="677545" y="481330"/>
+            <a:ext cx="8597265" cy="535305"/>
+          </a:xfrm>
+        </p:spPr>
+        <p:txBody>
+          <a:bodyPr>
+            <a:normAutofit fontScale="90000"/>
+          </a:bodyPr>
+          <a:p>
+            <a:r>
+              <a:rPr lang="vi-VN" altLang="en-US">
+                <a:solidFill>
+                  <a:srgbClr val="FF0000"/>
+                </a:solidFill>
+                <a:effectLst>
+                  <a:outerShdw blurRad="38100" dist="38100" dir="2700000" algn="tl">
+                    <a:srgbClr val="000000">
+                      <a:alpha val="43137"/>
+                    </a:srgbClr>
+                  </a:outerShdw>
+                </a:effectLst>
+                <a:latin typeface="Times New Roman" panose="02020603050405020304" charset="0"/>
+                <a:cs typeface="Times New Roman" panose="02020603050405020304" charset="0"/>
+                <a:sym typeface="+mn-ea"/>
+              </a:rPr>
+              <a:t>1. GIỚI THIỆU</a:t>
+            </a:r>
+            <a:br>
+              <a:rPr lang="en-US"/>
+            </a:br>
+            <a:endParaRPr lang="en-US"/>
+          </a:p>
+        </p:txBody>
+      </p:sp>
+      <p:sp>
+        <p:nvSpPr>
+          <p:cNvPr id="4" name="Footer Placeholder 3"/>
+          <p:cNvSpPr>
+            <a:spLocks noGrp="1"/>
+          </p:cNvSpPr>
+          <p:nvPr>
+            <p:ph type="ftr" sz="quarter" idx="11"/>
+          </p:nvPr>
+        </p:nvSpPr>
+        <p:spPr/>
+        <p:txBody>
+          <a:bodyPr/>
+          <a:p>
+            <a:r>
+              <a:rPr lang="en-US"/>
+              <a:t>ỨNG DỤNG QUẢN LÝ TÀI CHÍNH CÁ NHÂN CHO SINH VIÊN TRÊN THIẾT BỊ DI ĐỘNG</a:t>
+            </a:r>
+            <a:endParaRPr lang="en-US"/>
+          </a:p>
+        </p:txBody>
+      </p:sp>
+      <p:sp>
+        <p:nvSpPr>
+          <p:cNvPr id="5" name="Slide Number Placeholder 4"/>
+          <p:cNvSpPr>
+            <a:spLocks noGrp="1"/>
+          </p:cNvSpPr>
+          <p:nvPr>
+            <p:ph type="sldNum" sz="quarter" idx="12"/>
+          </p:nvPr>
+        </p:nvSpPr>
+        <p:spPr/>
+        <p:txBody>
+          <a:bodyPr/>
+          <a:p>
+            <a:fld id="{238EE17F-B177-49C4-82EF-15EF1185C18A}" type="slidenum">
+              <a:rPr lang="en-US" smtClean="0"/>
+            </a:fld>
+            <a:endParaRPr lang="en-US"/>
+          </a:p>
+        </p:txBody>
+      </p:sp>
+      <p:sp>
+        <p:nvSpPr>
+          <p:cNvPr id="6" name="Text Box 5"/>
+          <p:cNvSpPr txBox="1"/>
+          <p:nvPr/>
+        </p:nvSpPr>
+        <p:spPr>
+          <a:xfrm>
+            <a:off x="674370" y="1016635"/>
+            <a:ext cx="5273675" cy="460375"/>
+          </a:xfrm>
+          <a:prstGeom prst="rect">
+            <a:avLst/>
+          </a:prstGeom>
+          <a:noFill/>
+        </p:spPr>
+        <p:txBody>
+          <a:bodyPr wrap="square" rtlCol="0">
+            <a:spAutoFit/>
+          </a:bodyPr>
+          <a:p>
+            <a:pPr algn="l"/>
+            <a:r>
+              <a:rPr lang="vi-VN" altLang="en-US" sz="2400">
+                <a:solidFill>
+                  <a:schemeClr val="accent1">
+                    <a:lumMod val="50000"/>
+                  </a:schemeClr>
+                </a:solidFill>
+                <a:effectLst>
+                  <a:outerShdw blurRad="38100" dist="38100" dir="2700000" algn="tl">
+                    <a:srgbClr val="000000">
+                      <a:alpha val="43137"/>
+                    </a:srgbClr>
+                  </a:outerShdw>
+                </a:effectLst>
+                <a:latin typeface="Times New Roman" panose="02020603050405020304" charset="0"/>
+                <a:cs typeface="Times New Roman" panose="02020603050405020304" charset="0"/>
+                <a:sym typeface="+mn-ea"/>
+              </a:rPr>
+              <a:t>1.4 CHỨC NĂNG - PHI CHỨC NĂNG</a:t>
+            </a:r>
+            <a:endParaRPr lang="vi-VN" altLang="en-US" sz="2400">
+              <a:solidFill>
+                <a:schemeClr val="accent1">
+                  <a:lumMod val="50000"/>
+                </a:schemeClr>
+              </a:solidFill>
+              <a:effectLst>
+                <a:outerShdw blurRad="38100" dist="38100" dir="2700000" algn="tl">
+                  <a:srgbClr val="000000">
+                    <a:alpha val="43137"/>
+                  </a:srgbClr>
+                </a:outerShdw>
+              </a:effectLst>
+              <a:latin typeface="Times New Roman" panose="02020603050405020304" charset="0"/>
+              <a:cs typeface="Times New Roman" panose="02020603050405020304" charset="0"/>
+              <a:sym typeface="+mn-ea"/>
+            </a:endParaRPr>
+          </a:p>
+        </p:txBody>
+      </p:sp>
+      <p:sp>
+        <p:nvSpPr>
+          <p:cNvPr id="7" name="Round Same Side Corner Rectangle 6"/>
+          <p:cNvSpPr/>
+          <p:nvPr/>
+        </p:nvSpPr>
+        <p:spPr>
+          <a:xfrm>
+            <a:off x="716280" y="1640205"/>
+            <a:ext cx="1985645" cy="614045"/>
+          </a:xfrm>
+          <a:prstGeom prst="round2SameRect">
+            <a:avLst/>
+          </a:prstGeom>
+        </p:spPr>
+        <p:style>
+          <a:lnRef idx="2">
+            <a:schemeClr val="accent6"/>
+          </a:lnRef>
+          <a:fillRef idx="1">
+            <a:schemeClr val="lt1"/>
+          </a:fillRef>
+          <a:effectRef idx="0">
+            <a:schemeClr val="accent6"/>
+          </a:effectRef>
+          <a:fontRef idx="minor">
+            <a:schemeClr val="dk1"/>
+          </a:fontRef>
+        </p:style>
+        <p:txBody>
+          <a:bodyPr rtlCol="0" anchor="ctr"/>
+          <a:p>
+            <a:pPr algn="ctr"/>
+            <a:endParaRPr lang="en-US"/>
+          </a:p>
+        </p:txBody>
+      </p:sp>
+      <p:sp>
+        <p:nvSpPr>
+          <p:cNvPr id="8" name="Rectangles 7"/>
+          <p:cNvSpPr/>
+          <p:nvPr/>
+        </p:nvSpPr>
+        <p:spPr>
+          <a:xfrm>
+            <a:off x="701675" y="2273935"/>
+            <a:ext cx="2000250" cy="1385570"/>
+          </a:xfrm>
+          <a:prstGeom prst="rect">
+            <a:avLst/>
+          </a:prstGeom>
+        </p:spPr>
+        <p:style>
+          <a:lnRef idx="2">
+            <a:schemeClr val="accent1">
+              <a:shade val="50000"/>
+            </a:schemeClr>
+          </a:lnRef>
+          <a:fillRef idx="1">
+            <a:schemeClr val="accent1"/>
+          </a:fillRef>
+          <a:effectRef idx="0">
+            <a:schemeClr val="accent1"/>
+          </a:effectRef>
+          <a:fontRef idx="minor">
+            <a:schemeClr val="lt1"/>
+          </a:fontRef>
+        </p:style>
+        <p:txBody>
+          <a:bodyPr rtlCol="0" anchor="ctr"/>
+          <a:p>
+            <a:pPr algn="ctr"/>
+            <a:endParaRPr lang="en-US"/>
+          </a:p>
+        </p:txBody>
+      </p:sp>
+      <p:sp>
+        <p:nvSpPr>
+          <p:cNvPr id="11" name="Round Same Side Corner Rectangle 10"/>
+          <p:cNvSpPr/>
+          <p:nvPr/>
+        </p:nvSpPr>
+        <p:spPr>
+          <a:xfrm>
+            <a:off x="8104505" y="1674495"/>
+            <a:ext cx="2100580" cy="643255"/>
+          </a:xfrm>
+          <a:prstGeom prst="round2SameRect">
+            <a:avLst/>
+          </a:prstGeom>
+        </p:spPr>
+        <p:style>
+          <a:lnRef idx="2">
+            <a:schemeClr val="accent6"/>
+          </a:lnRef>
+          <a:fillRef idx="1">
+            <a:schemeClr val="lt1"/>
+          </a:fillRef>
+          <a:effectRef idx="0">
+            <a:schemeClr val="accent6"/>
+          </a:effectRef>
+          <a:fontRef idx="minor">
+            <a:schemeClr val="dk1"/>
+          </a:fontRef>
+        </p:style>
+        <p:txBody>
+          <a:bodyPr rtlCol="0" anchor="ctr"/>
+          <a:p>
+            <a:pPr algn="ctr"/>
+            <a:endParaRPr lang="en-US"/>
+          </a:p>
+        </p:txBody>
+      </p:sp>
+      <p:sp>
+        <p:nvSpPr>
+          <p:cNvPr id="12" name="Rectangles 11"/>
+          <p:cNvSpPr/>
+          <p:nvPr/>
+        </p:nvSpPr>
+        <p:spPr>
+          <a:xfrm>
+            <a:off x="8105140" y="2317750"/>
+            <a:ext cx="2113915" cy="1964690"/>
+          </a:xfrm>
+          <a:prstGeom prst="rect">
+            <a:avLst/>
+          </a:prstGeom>
+          <a:solidFill>
+            <a:schemeClr val="bg2">
+              <a:lumMod val="50000"/>
+            </a:schemeClr>
+          </a:solidFill>
+        </p:spPr>
+        <p:style>
+          <a:lnRef idx="2">
+            <a:schemeClr val="accent1">
+              <a:shade val="50000"/>
+            </a:schemeClr>
+          </a:lnRef>
+          <a:fillRef idx="1">
+            <a:schemeClr val="accent1"/>
+          </a:fillRef>
+          <a:effectRef idx="0">
+            <a:schemeClr val="accent1"/>
+          </a:effectRef>
+          <a:fontRef idx="minor">
+            <a:schemeClr val="lt1"/>
+          </a:fontRef>
+        </p:style>
+        <p:txBody>
+          <a:bodyPr rtlCol="0" anchor="ctr"/>
+          <a:p>
+            <a:pPr algn="ctr"/>
+            <a:endParaRPr lang="en-US"/>
+          </a:p>
+        </p:txBody>
+      </p:sp>
+      <p:sp>
+        <p:nvSpPr>
+          <p:cNvPr id="13" name="Round Same Side Corner Rectangle 12"/>
+          <p:cNvSpPr/>
+          <p:nvPr/>
+        </p:nvSpPr>
+        <p:spPr>
+          <a:xfrm>
+            <a:off x="2310765" y="3837940"/>
+            <a:ext cx="2000250" cy="628650"/>
+          </a:xfrm>
+          <a:prstGeom prst="round2SameRect">
+            <a:avLst/>
+          </a:prstGeom>
+        </p:spPr>
+        <p:style>
+          <a:lnRef idx="2">
+            <a:schemeClr val="accent6"/>
+          </a:lnRef>
+          <a:fillRef idx="1">
+            <a:schemeClr val="lt1"/>
+          </a:fillRef>
+          <a:effectRef idx="0">
+            <a:schemeClr val="accent6"/>
+          </a:effectRef>
+          <a:fontRef idx="minor">
+            <a:schemeClr val="dk1"/>
+          </a:fontRef>
+        </p:style>
+        <p:txBody>
+          <a:bodyPr rtlCol="0" anchor="ctr"/>
+          <a:p>
+            <a:pPr algn="ctr"/>
+            <a:endParaRPr lang="en-US"/>
+          </a:p>
+        </p:txBody>
+      </p:sp>
+      <p:sp>
+        <p:nvSpPr>
+          <p:cNvPr id="14" name="Rectangles 13"/>
+          <p:cNvSpPr/>
+          <p:nvPr/>
+        </p:nvSpPr>
+        <p:spPr>
+          <a:xfrm>
+            <a:off x="2310765" y="4466590"/>
+            <a:ext cx="1986280" cy="1563370"/>
+          </a:xfrm>
+          <a:prstGeom prst="rect">
+            <a:avLst/>
+          </a:prstGeom>
+          <a:solidFill>
+            <a:schemeClr val="bg1">
+              <a:lumMod val="65000"/>
+            </a:schemeClr>
+          </a:solidFill>
+        </p:spPr>
+        <p:style>
+          <a:lnRef idx="2">
+            <a:schemeClr val="accent1">
+              <a:shade val="50000"/>
+            </a:schemeClr>
+          </a:lnRef>
+          <a:fillRef idx="1">
+            <a:schemeClr val="accent1"/>
+          </a:fillRef>
+          <a:effectRef idx="0">
+            <a:schemeClr val="accent1"/>
+          </a:effectRef>
+          <a:fontRef idx="minor">
+            <a:schemeClr val="lt1"/>
+          </a:fontRef>
+        </p:style>
+        <p:txBody>
+          <a:bodyPr rtlCol="0" anchor="ctr"/>
+          <a:p>
+            <a:pPr algn="ctr"/>
+            <a:endParaRPr lang="en-US"/>
+          </a:p>
+        </p:txBody>
+      </p:sp>
+      <p:sp>
+        <p:nvSpPr>
+          <p:cNvPr id="18" name="Text Box 17"/>
+          <p:cNvSpPr txBox="1"/>
+          <p:nvPr/>
+        </p:nvSpPr>
+        <p:spPr>
+          <a:xfrm>
+            <a:off x="723900" y="2273935"/>
+            <a:ext cx="1985645" cy="1322070"/>
+          </a:xfrm>
+          <a:prstGeom prst="rect">
+            <a:avLst/>
+          </a:prstGeom>
+          <a:noFill/>
+        </p:spPr>
+        <p:txBody>
+          <a:bodyPr wrap="square" rtlCol="0">
+            <a:spAutoFit/>
+          </a:bodyPr>
+          <a:p>
+            <a:pPr marL="285750" indent="-285750">
+              <a:buFont typeface="Wingdings" panose="05000000000000000000" charset="0"/>
+              <a:buChar char="§"/>
+            </a:pPr>
+            <a:r>
+              <a:rPr lang="vi-VN" altLang="en-US" sz="1600"/>
+              <a:t>Thêm thu chi</a:t>
+            </a:r>
+            <a:endParaRPr lang="vi-VN" altLang="en-US" sz="1600"/>
+          </a:p>
+          <a:p>
+            <a:pPr marL="285750" indent="-285750">
+              <a:buFont typeface="Wingdings" panose="05000000000000000000" charset="0"/>
+              <a:buChar char="§"/>
+            </a:pPr>
+            <a:r>
+              <a:rPr lang="vi-VN" altLang="en-US" sz="1600"/>
+              <a:t>Cập nhật thu chi</a:t>
+            </a:r>
+            <a:endParaRPr lang="vi-VN" altLang="en-US" sz="1600"/>
+          </a:p>
+          <a:p>
+            <a:pPr marL="285750" indent="-285750">
+              <a:buFont typeface="Wingdings" panose="05000000000000000000" charset="0"/>
+              <a:buChar char="§"/>
+            </a:pPr>
+            <a:r>
+              <a:rPr lang="vi-VN" altLang="en-US" sz="1600"/>
+              <a:t>Xóa thu chi</a:t>
+            </a:r>
+            <a:endParaRPr lang="vi-VN" altLang="en-US" sz="1600"/>
+          </a:p>
+          <a:p>
+            <a:pPr marL="285750" indent="-285750">
+              <a:buFont typeface="Wingdings" panose="05000000000000000000" charset="0"/>
+              <a:buChar char="§"/>
+            </a:pPr>
+            <a:r>
+              <a:rPr lang="vi-VN" altLang="en-US" sz="1600"/>
+              <a:t>Xem lịch sử thu chi</a:t>
+            </a:r>
+            <a:endParaRPr lang="vi-VN" altLang="en-US" sz="1600"/>
+          </a:p>
+        </p:txBody>
+      </p:sp>
+      <p:sp>
+        <p:nvSpPr>
+          <p:cNvPr id="19" name="Round Same Side Corner Rectangle 18"/>
+          <p:cNvSpPr/>
+          <p:nvPr/>
+        </p:nvSpPr>
+        <p:spPr>
+          <a:xfrm>
+            <a:off x="4482465" y="1702435"/>
+            <a:ext cx="1971675" cy="571500"/>
+          </a:xfrm>
+          <a:prstGeom prst="round2SameRect">
+            <a:avLst/>
+          </a:prstGeom>
+        </p:spPr>
+        <p:style>
+          <a:lnRef idx="2">
+            <a:schemeClr val="accent6"/>
+          </a:lnRef>
+          <a:fillRef idx="1">
+            <a:schemeClr val="lt1"/>
+          </a:fillRef>
+          <a:effectRef idx="0">
+            <a:schemeClr val="accent6"/>
+          </a:effectRef>
+          <a:fontRef idx="minor">
+            <a:schemeClr val="dk1"/>
+          </a:fontRef>
+        </p:style>
+        <p:txBody>
+          <a:bodyPr rtlCol="0" anchor="ctr"/>
+          <a:p>
+            <a:pPr algn="ctr"/>
+            <a:endParaRPr lang="en-US"/>
+          </a:p>
+        </p:txBody>
+      </p:sp>
+      <p:sp>
+        <p:nvSpPr>
+          <p:cNvPr id="20" name="Rectangles 19"/>
+          <p:cNvSpPr/>
+          <p:nvPr/>
+        </p:nvSpPr>
+        <p:spPr>
+          <a:xfrm>
+            <a:off x="4482465" y="2254250"/>
+            <a:ext cx="1971675" cy="1714500"/>
+          </a:xfrm>
+          <a:prstGeom prst="rect">
+            <a:avLst/>
+          </a:prstGeom>
+          <a:solidFill>
+            <a:schemeClr val="accent5"/>
+          </a:solidFill>
+        </p:spPr>
+        <p:style>
+          <a:lnRef idx="2">
+            <a:schemeClr val="accent1">
+              <a:shade val="50000"/>
+            </a:schemeClr>
+          </a:lnRef>
+          <a:fillRef idx="1">
+            <a:schemeClr val="accent1"/>
+          </a:fillRef>
+          <a:effectRef idx="0">
+            <a:schemeClr val="accent1"/>
+          </a:effectRef>
+          <a:fontRef idx="minor">
+            <a:schemeClr val="lt1"/>
+          </a:fontRef>
+        </p:style>
+        <p:txBody>
+          <a:bodyPr rtlCol="0" anchor="ctr"/>
+          <a:p>
+            <a:pPr algn="ctr"/>
+            <a:endParaRPr lang="en-US"/>
+          </a:p>
+        </p:txBody>
+      </p:sp>
+      <p:sp>
+        <p:nvSpPr>
+          <p:cNvPr id="22" name="Text Box 21"/>
+          <p:cNvSpPr txBox="1"/>
+          <p:nvPr/>
+        </p:nvSpPr>
+        <p:spPr>
+          <a:xfrm>
+            <a:off x="716280" y="1763395"/>
+            <a:ext cx="2000885" cy="368300"/>
+          </a:xfrm>
+          <a:prstGeom prst="rect">
+            <a:avLst/>
+          </a:prstGeom>
+          <a:noFill/>
+        </p:spPr>
+        <p:txBody>
+          <a:bodyPr wrap="square" rtlCol="0">
+            <a:spAutoFit/>
+          </a:bodyPr>
+          <a:p>
+            <a:pPr algn="ctr"/>
+            <a:r>
+              <a:rPr lang="vi-VN" altLang="en-US">
+                <a:solidFill>
+                  <a:srgbClr val="FF0000"/>
+                </a:solidFill>
+                <a:effectLst>
+                  <a:outerShdw blurRad="38100" dist="38100" dir="2700000" algn="tl">
+                    <a:srgbClr val="000000">
+                      <a:alpha val="43137"/>
+                    </a:srgbClr>
+                  </a:outerShdw>
+                </a:effectLst>
+              </a:rPr>
+              <a:t>Quản lý thu chi</a:t>
+            </a:r>
+            <a:endParaRPr lang="vi-VN" altLang="en-US">
+              <a:solidFill>
+                <a:srgbClr val="FF0000"/>
+              </a:solidFill>
+              <a:effectLst>
+                <a:outerShdw blurRad="38100" dist="38100" dir="2700000" algn="tl">
+                  <a:srgbClr val="000000">
+                    <a:alpha val="43137"/>
+                  </a:srgbClr>
+                </a:outerShdw>
+              </a:effectLst>
+            </a:endParaRPr>
+          </a:p>
+        </p:txBody>
+      </p:sp>
+      <p:sp>
+        <p:nvSpPr>
+          <p:cNvPr id="24" name="Text Box 23"/>
+          <p:cNvSpPr txBox="1"/>
+          <p:nvPr/>
+        </p:nvSpPr>
+        <p:spPr>
+          <a:xfrm>
+            <a:off x="4482465" y="1791335"/>
+            <a:ext cx="1971675" cy="368300"/>
+          </a:xfrm>
+          <a:prstGeom prst="rect">
+            <a:avLst/>
+          </a:prstGeom>
+          <a:noFill/>
+        </p:spPr>
+        <p:txBody>
+          <a:bodyPr wrap="square" rtlCol="0">
+            <a:spAutoFit/>
+          </a:bodyPr>
+          <a:p>
+            <a:pPr algn="ctr"/>
+            <a:r>
+              <a:rPr lang="vi-VN" altLang="en-US">
+                <a:solidFill>
+                  <a:srgbClr val="FF0000"/>
+                </a:solidFill>
+                <a:effectLst>
+                  <a:outerShdw blurRad="38100" dist="38100" dir="2700000" algn="tl">
+                    <a:srgbClr val="000000">
+                      <a:alpha val="43137"/>
+                    </a:srgbClr>
+                  </a:outerShdw>
+                </a:effectLst>
+              </a:rPr>
+              <a:t>Quản lý ví</a:t>
+            </a:r>
+            <a:endParaRPr lang="vi-VN" altLang="en-US">
+              <a:solidFill>
+                <a:srgbClr val="FF0000"/>
+              </a:solidFill>
+              <a:effectLst>
+                <a:outerShdw blurRad="38100" dist="38100" dir="2700000" algn="tl">
+                  <a:srgbClr val="000000">
+                    <a:alpha val="43137"/>
+                  </a:srgbClr>
+                </a:outerShdw>
+              </a:effectLst>
+            </a:endParaRPr>
+          </a:p>
+        </p:txBody>
+      </p:sp>
+      <p:sp>
+        <p:nvSpPr>
+          <p:cNvPr id="25" name="Text Box 24"/>
+          <p:cNvSpPr txBox="1"/>
+          <p:nvPr/>
+        </p:nvSpPr>
+        <p:spPr>
+          <a:xfrm>
+            <a:off x="8133715" y="1791335"/>
+            <a:ext cx="2070100" cy="368300"/>
+          </a:xfrm>
+          <a:prstGeom prst="rect">
+            <a:avLst/>
+          </a:prstGeom>
+          <a:noFill/>
+        </p:spPr>
+        <p:txBody>
+          <a:bodyPr wrap="square" rtlCol="0">
+            <a:spAutoFit/>
+          </a:bodyPr>
+          <a:p>
+            <a:pPr algn="ctr"/>
+            <a:r>
+              <a:rPr lang="vi-VN" altLang="en-US">
+                <a:solidFill>
+                  <a:srgbClr val="FF0000"/>
+                </a:solidFill>
+                <a:effectLst>
+                  <a:outerShdw blurRad="38100" dist="38100" dir="2700000" algn="tl">
+                    <a:srgbClr val="000000">
+                      <a:alpha val="43137"/>
+                    </a:srgbClr>
+                  </a:outerShdw>
+                </a:effectLst>
+              </a:rPr>
+              <a:t>Kế hoạch tiết kiệm</a:t>
+            </a:r>
+            <a:endParaRPr lang="vi-VN" altLang="en-US">
+              <a:solidFill>
+                <a:srgbClr val="FF0000"/>
+              </a:solidFill>
+              <a:effectLst>
+                <a:outerShdw blurRad="38100" dist="38100" dir="2700000" algn="tl">
+                  <a:srgbClr val="000000">
+                    <a:alpha val="43137"/>
+                  </a:srgbClr>
+                </a:outerShdw>
+              </a:effectLst>
+            </a:endParaRPr>
+          </a:p>
+        </p:txBody>
+      </p:sp>
+      <p:sp>
+        <p:nvSpPr>
+          <p:cNvPr id="26" name="Text Box 25"/>
+          <p:cNvSpPr txBox="1"/>
+          <p:nvPr/>
+        </p:nvSpPr>
+        <p:spPr>
+          <a:xfrm>
+            <a:off x="2310765" y="3968750"/>
+            <a:ext cx="1986280" cy="368300"/>
+          </a:xfrm>
+          <a:prstGeom prst="rect">
+            <a:avLst/>
+          </a:prstGeom>
+          <a:noFill/>
+        </p:spPr>
+        <p:txBody>
+          <a:bodyPr wrap="square" rtlCol="0">
+            <a:spAutoFit/>
+          </a:bodyPr>
+          <a:p>
+            <a:pPr algn="ctr"/>
+            <a:r>
+              <a:rPr lang="vi-VN" altLang="en-US">
+                <a:solidFill>
+                  <a:srgbClr val="FF0000"/>
+                </a:solidFill>
+                <a:effectLst>
+                  <a:outerShdw blurRad="38100" dist="38100" dir="2700000" algn="tl">
+                    <a:srgbClr val="000000">
+                      <a:alpha val="43137"/>
+                    </a:srgbClr>
+                  </a:outerShdw>
+                </a:effectLst>
+              </a:rPr>
+              <a:t>Quản lý tài khoản</a:t>
+            </a:r>
+            <a:endParaRPr lang="vi-VN" altLang="en-US">
+              <a:solidFill>
+                <a:srgbClr val="FF0000"/>
+              </a:solidFill>
+              <a:effectLst>
+                <a:outerShdw blurRad="38100" dist="38100" dir="2700000" algn="tl">
+                  <a:srgbClr val="000000">
+                    <a:alpha val="43137"/>
+                  </a:srgbClr>
+                </a:outerShdw>
+              </a:effectLst>
+            </a:endParaRPr>
+          </a:p>
+        </p:txBody>
+      </p:sp>
+      <p:sp>
+        <p:nvSpPr>
+          <p:cNvPr id="28" name="Text Box 27"/>
+          <p:cNvSpPr txBox="1"/>
+          <p:nvPr/>
+        </p:nvSpPr>
+        <p:spPr>
+          <a:xfrm>
+            <a:off x="4483100" y="2273935"/>
+            <a:ext cx="1971040" cy="1568450"/>
+          </a:xfrm>
+          <a:prstGeom prst="rect">
+            <a:avLst/>
+          </a:prstGeom>
+          <a:noFill/>
+        </p:spPr>
+        <p:txBody>
+          <a:bodyPr wrap="square" rtlCol="0">
+            <a:spAutoFit/>
+          </a:bodyPr>
+          <a:p>
+            <a:pPr marL="285750" indent="-285750">
+              <a:buFont typeface="Wingdings" panose="05000000000000000000" charset="0"/>
+              <a:buChar char="§"/>
+            </a:pPr>
+            <a:r>
+              <a:rPr lang="vi-VN" altLang="en-US" sz="1600"/>
+              <a:t>Thêm ví</a:t>
+            </a:r>
+            <a:endParaRPr lang="vi-VN" altLang="en-US" sz="1600"/>
+          </a:p>
+          <a:p>
+            <a:pPr marL="285750" indent="-285750">
+              <a:buFont typeface="Wingdings" panose="05000000000000000000" charset="0"/>
+              <a:buChar char="§"/>
+            </a:pPr>
+            <a:r>
+              <a:rPr lang="vi-VN" altLang="en-US" sz="1600"/>
+              <a:t>Cập nhật ví</a:t>
+            </a:r>
+            <a:endParaRPr lang="vi-VN" altLang="en-US" sz="1600"/>
+          </a:p>
+          <a:p>
+            <a:pPr marL="285750" indent="-285750">
+              <a:buFont typeface="Wingdings" panose="05000000000000000000" charset="0"/>
+              <a:buChar char="§"/>
+            </a:pPr>
+            <a:r>
+              <a:rPr lang="vi-VN" altLang="en-US" sz="1600"/>
+              <a:t>Xóa ví</a:t>
+            </a:r>
+            <a:endParaRPr lang="vi-VN" altLang="en-US" sz="1600"/>
+          </a:p>
+          <a:p>
+            <a:pPr marL="285750" indent="-285750">
+              <a:buFont typeface="Wingdings" panose="05000000000000000000" charset="0"/>
+              <a:buChar char="§"/>
+            </a:pPr>
+            <a:r>
+              <a:rPr lang="vi-VN" altLang="en-US" sz="1600"/>
+              <a:t>Chuyển tiền</a:t>
+            </a:r>
+            <a:endParaRPr lang="vi-VN" altLang="en-US" sz="1600"/>
+          </a:p>
+          <a:p>
+            <a:pPr marL="285750" indent="-285750">
+              <a:buFont typeface="Wingdings" panose="05000000000000000000" charset="0"/>
+              <a:buChar char="§"/>
+            </a:pPr>
+            <a:r>
+              <a:rPr lang="vi-VN" altLang="en-US" sz="1600"/>
+              <a:t>Xem lịch sử chuyển tiền</a:t>
+            </a:r>
+            <a:endParaRPr lang="vi-VN" altLang="en-US" sz="1600"/>
+          </a:p>
+        </p:txBody>
+      </p:sp>
+      <p:sp>
+        <p:nvSpPr>
+          <p:cNvPr id="29" name="Round Same Side Corner Rectangle 28"/>
+          <p:cNvSpPr/>
+          <p:nvPr/>
+        </p:nvSpPr>
+        <p:spPr>
+          <a:xfrm>
+            <a:off x="5790565" y="4098290"/>
+            <a:ext cx="2028825" cy="657225"/>
+          </a:xfrm>
+          <a:prstGeom prst="round2SameRect">
+            <a:avLst/>
+          </a:prstGeom>
+        </p:spPr>
+        <p:style>
+          <a:lnRef idx="2">
+            <a:schemeClr val="accent6"/>
+          </a:lnRef>
+          <a:fillRef idx="1">
+            <a:schemeClr val="lt1"/>
+          </a:fillRef>
+          <a:effectRef idx="0">
+            <a:schemeClr val="accent6"/>
+          </a:effectRef>
+          <a:fontRef idx="minor">
+            <a:schemeClr val="dk1"/>
+          </a:fontRef>
+        </p:style>
+        <p:txBody>
+          <a:bodyPr rtlCol="0" anchor="ctr"/>
+          <a:p>
+            <a:pPr algn="ctr"/>
+            <a:endParaRPr lang="en-US"/>
+          </a:p>
+        </p:txBody>
+      </p:sp>
+      <p:sp>
+        <p:nvSpPr>
+          <p:cNvPr id="30" name="Rectangles 29"/>
+          <p:cNvSpPr/>
+          <p:nvPr/>
+        </p:nvSpPr>
+        <p:spPr>
+          <a:xfrm>
+            <a:off x="5775960" y="4755515"/>
+            <a:ext cx="2057400" cy="1511935"/>
+          </a:xfrm>
+          <a:prstGeom prst="rect">
+            <a:avLst/>
+          </a:prstGeom>
+          <a:solidFill>
+            <a:schemeClr val="accent4">
+              <a:lumMod val="75000"/>
+            </a:schemeClr>
+          </a:solidFill>
+        </p:spPr>
+        <p:style>
+          <a:lnRef idx="2">
+            <a:schemeClr val="accent1">
+              <a:shade val="50000"/>
+            </a:schemeClr>
+          </a:lnRef>
+          <a:fillRef idx="1">
+            <a:schemeClr val="accent1"/>
+          </a:fillRef>
+          <a:effectRef idx="0">
+            <a:schemeClr val="accent1"/>
+          </a:effectRef>
+          <a:fontRef idx="minor">
+            <a:schemeClr val="lt1"/>
+          </a:fontRef>
+        </p:style>
+        <p:txBody>
+          <a:bodyPr rtlCol="0" anchor="ctr"/>
+          <a:p>
+            <a:pPr algn="ctr"/>
+            <a:endParaRPr lang="en-US"/>
+          </a:p>
+        </p:txBody>
+      </p:sp>
+      <p:sp>
+        <p:nvSpPr>
+          <p:cNvPr id="31" name="Text Box 30"/>
+          <p:cNvSpPr txBox="1"/>
+          <p:nvPr/>
+        </p:nvSpPr>
+        <p:spPr>
+          <a:xfrm>
+            <a:off x="5790565" y="4282440"/>
+            <a:ext cx="2991485" cy="645160"/>
+          </a:xfrm>
+          <a:prstGeom prst="rect">
+            <a:avLst/>
+          </a:prstGeom>
+          <a:noFill/>
+        </p:spPr>
+        <p:txBody>
+          <a:bodyPr wrap="square" rtlCol="0">
+            <a:spAutoFit/>
+          </a:bodyPr>
+          <a:p>
+            <a:r>
+              <a:rPr lang="vi-VN" altLang="en-US">
+                <a:solidFill>
+                  <a:srgbClr val="FF0000"/>
+                </a:solidFill>
+                <a:effectLst>
+                  <a:outerShdw blurRad="38100" dist="38100" dir="2700000" algn="tl">
+                    <a:srgbClr val="000000">
+                      <a:alpha val="43137"/>
+                    </a:srgbClr>
+                  </a:outerShdw>
+                </a:effectLst>
+                <a:sym typeface="+mn-ea"/>
+              </a:rPr>
+              <a:t>Quản lý danh mục</a:t>
+            </a:r>
+            <a:endParaRPr lang="vi-VN" altLang="en-US">
+              <a:solidFill>
+                <a:srgbClr val="FF0000"/>
+              </a:solidFill>
+              <a:effectLst>
+                <a:outerShdw blurRad="38100" dist="38100" dir="2700000" algn="tl">
+                  <a:srgbClr val="000000">
+                    <a:alpha val="43137"/>
+                  </a:srgbClr>
+                </a:outerShdw>
+              </a:effectLst>
+            </a:endParaRPr>
+          </a:p>
+          <a:p>
+            <a:endParaRPr lang="en-US"/>
+          </a:p>
+        </p:txBody>
+      </p:sp>
+      <p:sp>
+        <p:nvSpPr>
+          <p:cNvPr id="32" name="Text Box 31"/>
+          <p:cNvSpPr txBox="1"/>
+          <p:nvPr/>
+        </p:nvSpPr>
+        <p:spPr>
+          <a:xfrm>
+            <a:off x="8133715" y="2317750"/>
+            <a:ext cx="2295525" cy="1814830"/>
+          </a:xfrm>
+          <a:prstGeom prst="rect">
+            <a:avLst/>
+          </a:prstGeom>
+          <a:noFill/>
+        </p:spPr>
+        <p:txBody>
+          <a:bodyPr wrap="square" rtlCol="0">
+            <a:spAutoFit/>
+          </a:bodyPr>
+          <a:p>
+            <a:pPr marL="285750" indent="-285750">
+              <a:buFont typeface="Wingdings" panose="05000000000000000000" charset="0"/>
+              <a:buChar char="§"/>
+            </a:pPr>
+            <a:r>
+              <a:rPr lang="vi-VN" altLang="en-US" sz="1600"/>
+              <a:t>Thêm kế hoạch</a:t>
+            </a:r>
+            <a:endParaRPr lang="vi-VN" altLang="en-US" sz="1600"/>
+          </a:p>
+          <a:p>
+            <a:pPr marL="285750" indent="-285750">
+              <a:buFont typeface="Wingdings" panose="05000000000000000000" charset="0"/>
+              <a:buChar char="§"/>
+            </a:pPr>
+            <a:r>
+              <a:rPr lang="vi-VN" altLang="en-US" sz="1600"/>
+              <a:t>Thu chi cho kế hoạch</a:t>
+            </a:r>
+            <a:endParaRPr lang="vi-VN" altLang="en-US" sz="1600"/>
+          </a:p>
+          <a:p>
+            <a:pPr marL="285750" indent="-285750">
+              <a:buFont typeface="Wingdings" panose="05000000000000000000" charset="0"/>
+              <a:buChar char="§"/>
+            </a:pPr>
+            <a:r>
+              <a:rPr lang="vi-VN" altLang="en-US" sz="1600"/>
+              <a:t>Xem chi tiết</a:t>
+            </a:r>
+            <a:endParaRPr lang="vi-VN" altLang="en-US" sz="1600"/>
+          </a:p>
+          <a:p>
+            <a:pPr marL="285750" indent="-285750">
+              <a:buFont typeface="Wingdings" panose="05000000000000000000" charset="0"/>
+              <a:buChar char="§"/>
+            </a:pPr>
+            <a:r>
+              <a:rPr lang="vi-VN" altLang="en-US" sz="1600"/>
+              <a:t>Xóa kế hoạch</a:t>
+            </a:r>
+            <a:endParaRPr lang="vi-VN" altLang="en-US" sz="1600"/>
+          </a:p>
+          <a:p>
+            <a:pPr marL="285750" indent="-285750">
+              <a:buFont typeface="Wingdings" panose="05000000000000000000" charset="0"/>
+              <a:buChar char="§"/>
+            </a:pPr>
+            <a:r>
+              <a:rPr lang="vi-VN" altLang="en-US" sz="1600"/>
+              <a:t>Xem lịch sử thu chi kế hoạch</a:t>
+            </a:r>
+            <a:endParaRPr lang="vi-VN" altLang="en-US" sz="1600"/>
+          </a:p>
+        </p:txBody>
+      </p:sp>
+      <p:sp>
+        <p:nvSpPr>
+          <p:cNvPr id="33" name="Text Box 32"/>
+          <p:cNvSpPr txBox="1"/>
+          <p:nvPr/>
+        </p:nvSpPr>
+        <p:spPr>
+          <a:xfrm>
+            <a:off x="2310765" y="4461510"/>
+            <a:ext cx="2134235" cy="1568450"/>
+          </a:xfrm>
+          <a:prstGeom prst="rect">
+            <a:avLst/>
+          </a:prstGeom>
+          <a:noFill/>
+        </p:spPr>
+        <p:txBody>
+          <a:bodyPr wrap="square" rtlCol="0">
+            <a:spAutoFit/>
+          </a:bodyPr>
+          <a:p>
+            <a:pPr marL="285750" indent="-285750">
+              <a:buFont typeface="Wingdings" panose="05000000000000000000" charset="0"/>
+              <a:buChar char="§"/>
+            </a:pPr>
+            <a:r>
+              <a:rPr lang="vi-VN" altLang="en-US" sz="1600"/>
+              <a:t>Cập nhật tài khoản</a:t>
+            </a:r>
+            <a:endParaRPr lang="vi-VN" altLang="en-US" sz="1600"/>
+          </a:p>
+          <a:p>
+            <a:pPr marL="285750" indent="-285750">
+              <a:buFont typeface="Wingdings" panose="05000000000000000000" charset="0"/>
+              <a:buChar char="§"/>
+            </a:pPr>
+            <a:r>
+              <a:rPr lang="vi-VN" altLang="en-US" sz="1600"/>
+              <a:t>Đăng xuất</a:t>
+            </a:r>
+            <a:endParaRPr lang="vi-VN" altLang="en-US" sz="1600"/>
+          </a:p>
+          <a:p>
+            <a:pPr marL="285750" indent="-285750">
+              <a:buFont typeface="Wingdings" panose="05000000000000000000" charset="0"/>
+              <a:buChar char="§"/>
+            </a:pPr>
+            <a:r>
+              <a:rPr lang="vi-VN" altLang="en-US" sz="1600"/>
+              <a:t>Đổi mật khẩu</a:t>
+            </a:r>
+            <a:endParaRPr lang="vi-VN" altLang="en-US" sz="1600"/>
+          </a:p>
+          <a:p>
+            <a:pPr marL="285750" indent="-285750">
+              <a:buFont typeface="Wingdings" panose="05000000000000000000" charset="0"/>
+              <a:buChar char="§"/>
+            </a:pPr>
+            <a:r>
+              <a:rPr lang="vi-VN" altLang="en-US" sz="1600"/>
+              <a:t>Xem thông tin tài khoản</a:t>
+            </a:r>
+            <a:endParaRPr lang="vi-VN" altLang="en-US" sz="1600"/>
+          </a:p>
+        </p:txBody>
+      </p:sp>
+      <p:sp>
+        <p:nvSpPr>
+          <p:cNvPr id="34" name="Text Box 33"/>
+          <p:cNvSpPr txBox="1"/>
+          <p:nvPr/>
+        </p:nvSpPr>
+        <p:spPr>
+          <a:xfrm>
+            <a:off x="5819140" y="4787900"/>
+            <a:ext cx="1810385" cy="1322070"/>
+          </a:xfrm>
+          <a:prstGeom prst="rect">
+            <a:avLst/>
+          </a:prstGeom>
+          <a:noFill/>
+        </p:spPr>
+        <p:txBody>
+          <a:bodyPr wrap="square" rtlCol="0">
+            <a:spAutoFit/>
+          </a:bodyPr>
+          <a:p>
+            <a:pPr marL="285750" indent="-285750">
+              <a:buFont typeface="Wingdings" panose="05000000000000000000" charset="0"/>
+              <a:buChar char="§"/>
+            </a:pPr>
+            <a:r>
+              <a:rPr lang="vi-VN" altLang="en-US" sz="1600"/>
+              <a:t>Thêm danh mục</a:t>
+            </a:r>
+            <a:endParaRPr lang="vi-VN" altLang="en-US" sz="1600"/>
+          </a:p>
+          <a:p>
+            <a:pPr marL="285750" indent="-285750">
+              <a:buFont typeface="Wingdings" panose="05000000000000000000" charset="0"/>
+              <a:buChar char="§"/>
+            </a:pPr>
+            <a:r>
+              <a:rPr lang="vi-VN" altLang="en-US" sz="1600"/>
+              <a:t>Cập nhât danh mục</a:t>
+            </a:r>
+            <a:endParaRPr lang="vi-VN" altLang="en-US" sz="1600"/>
+          </a:p>
+          <a:p>
+            <a:pPr marL="285750" indent="-285750">
+              <a:buFont typeface="Wingdings" panose="05000000000000000000" charset="0"/>
+              <a:buChar char="§"/>
+            </a:pPr>
+            <a:r>
+              <a:rPr lang="vi-VN" altLang="en-US" sz="1600"/>
+              <a:t>Xóa danh mục</a:t>
+            </a:r>
+            <a:endParaRPr lang="vi-VN" altLang="en-US" sz="1600"/>
+          </a:p>
+        </p:txBody>
+      </p:sp>
+    </p:spTree>
+  </p:cSld>
+  <p:clrMapOvr>
+    <a:masterClrMapping/>
+  </p:clrMapOvr>
+</p:sld>
+</file>
+
+<file path=ppt/slides/slide7.xml><?xml version="1.0" encoding="utf-8"?>
+<p:sld xmlns:a="http://schemas.openxmlformats.org/drawingml/2006/main" xmlns:r="http://schemas.openxmlformats.org/officeDocument/2006/relationships" xmlns:p="http://schemas.openxmlformats.org/presentationml/2006/main">
+  <p:cSld>
+    <p:spTree>
+      <p:nvGrpSpPr>
+        <p:cNvPr id="1" name=""/>
+        <p:cNvGrpSpPr/>
+        <p:nvPr/>
+      </p:nvGrpSpPr>
+      <p:grpSpPr/>
+      <p:sp>
+        <p:nvSpPr>
+          <p:cNvPr id="2" name="Title 1"/>
+          <p:cNvSpPr>
+            <a:spLocks noGrp="1"/>
+          </p:cNvSpPr>
+          <p:nvPr>
+            <p:ph type="title"/>
+          </p:nvPr>
+        </p:nvSpPr>
+        <p:spPr/>
+        <p:txBody>
+          <a:bodyPr>
+            <a:normAutofit fontScale="90000"/>
+          </a:bodyPr>
+          <a:p>
+            <a:r>
+              <a:rPr lang="vi-VN" altLang="en-US">
+                <a:solidFill>
+                  <a:srgbClr val="FF0000"/>
+                </a:solidFill>
+                <a:effectLst>
+                  <a:outerShdw blurRad="38100" dist="38100" dir="2700000" algn="tl">
+                    <a:srgbClr val="000000">
+                      <a:alpha val="43137"/>
+                    </a:srgbClr>
+                  </a:outerShdw>
+                </a:effectLst>
+                <a:latin typeface="Times New Roman" panose="02020603050405020304" charset="0"/>
+                <a:cs typeface="Times New Roman" panose="02020603050405020304" charset="0"/>
+                <a:sym typeface="+mn-ea"/>
+              </a:rPr>
+              <a:t>1. GIỚI THIỆU</a:t>
+            </a:r>
+            <a:endParaRPr lang="en-US"/>
+          </a:p>
+        </p:txBody>
+      </p:sp>
+      <p:sp>
+        <p:nvSpPr>
+          <p:cNvPr id="4" name="Footer Placeholder 3"/>
+          <p:cNvSpPr>
+            <a:spLocks noGrp="1"/>
+          </p:cNvSpPr>
+          <p:nvPr>
+            <p:ph type="ftr" sz="quarter" idx="11"/>
+          </p:nvPr>
+        </p:nvSpPr>
+        <p:spPr/>
+        <p:txBody>
+          <a:bodyPr/>
+          <a:p>
+            <a:r>
+              <a:rPr lang="en-US"/>
+              <a:t>ỨNG DỤNG QUẢN LÝ TÀI CHÍNH CÁ NHÂN CHO SINH VIÊN TRÊN THIẾT BỊ DI ĐỘNG</a:t>
+            </a:r>
+            <a:endParaRPr lang="en-US"/>
+          </a:p>
+        </p:txBody>
+      </p:sp>
+      <p:sp>
+        <p:nvSpPr>
+          <p:cNvPr id="5" name="Slide Number Placeholder 4"/>
+          <p:cNvSpPr>
+            <a:spLocks noGrp="1"/>
+          </p:cNvSpPr>
+          <p:nvPr>
+            <p:ph type="sldNum" sz="quarter" idx="12"/>
+          </p:nvPr>
+        </p:nvSpPr>
+        <p:spPr/>
+        <p:txBody>
+          <a:bodyPr/>
+          <a:p>
+            <a:fld id="{238EE17F-B177-49C4-82EF-15EF1185C18A}" type="slidenum">
+              <a:rPr lang="en-US" smtClean="0"/>
+            </a:fld>
+            <a:endParaRPr lang="en-US"/>
+          </a:p>
+        </p:txBody>
+      </p:sp>
+      <p:sp>
+        <p:nvSpPr>
+          <p:cNvPr id="6" name="Text Box 5"/>
+          <p:cNvSpPr txBox="1"/>
+          <p:nvPr/>
+        </p:nvSpPr>
+        <p:spPr>
+          <a:xfrm>
+            <a:off x="677545" y="1173480"/>
+            <a:ext cx="5273675" cy="460375"/>
+          </a:xfrm>
+          <a:prstGeom prst="rect">
+            <a:avLst/>
+          </a:prstGeom>
+          <a:noFill/>
+        </p:spPr>
+        <p:txBody>
+          <a:bodyPr wrap="square" rtlCol="0">
+            <a:spAutoFit/>
+          </a:bodyPr>
+          <a:p>
+            <a:pPr algn="l"/>
+            <a:r>
+              <a:rPr lang="vi-VN" altLang="en-US" sz="2400">
+                <a:solidFill>
+                  <a:schemeClr val="accent1">
+                    <a:lumMod val="50000"/>
+                  </a:schemeClr>
+                </a:solidFill>
+                <a:effectLst>
+                  <a:outerShdw blurRad="38100" dist="38100" dir="2700000" algn="tl">
+                    <a:srgbClr val="000000">
+                      <a:alpha val="43137"/>
+                    </a:srgbClr>
+                  </a:outerShdw>
+                </a:effectLst>
+                <a:latin typeface="Times New Roman" panose="02020603050405020304" charset="0"/>
+                <a:cs typeface="Times New Roman" panose="02020603050405020304" charset="0"/>
+                <a:sym typeface="+mn-ea"/>
+              </a:rPr>
+              <a:t>1.4 CHỨC NĂNG - PHI CHỨC NĂNG</a:t>
+            </a:r>
+            <a:endParaRPr lang="vi-VN" altLang="en-US" sz="2400">
+              <a:solidFill>
+                <a:schemeClr val="accent1">
+                  <a:lumMod val="50000"/>
+                </a:schemeClr>
+              </a:solidFill>
+              <a:effectLst>
+                <a:outerShdw blurRad="38100" dist="38100" dir="2700000" algn="tl">
+                  <a:srgbClr val="000000">
+                    <a:alpha val="43137"/>
+                  </a:srgbClr>
+                </a:outerShdw>
+              </a:effectLst>
+              <a:latin typeface="Times New Roman" panose="02020603050405020304" charset="0"/>
+              <a:cs typeface="Times New Roman" panose="02020603050405020304" charset="0"/>
+              <a:sym typeface="+mn-ea"/>
+            </a:endParaRPr>
+          </a:p>
+        </p:txBody>
+      </p:sp>
+      <p:sp>
+        <p:nvSpPr>
+          <p:cNvPr id="7" name="Text Box 6"/>
+          <p:cNvSpPr txBox="1"/>
+          <p:nvPr/>
+        </p:nvSpPr>
+        <p:spPr>
+          <a:xfrm>
+            <a:off x="3350895" y="2181860"/>
+            <a:ext cx="6602095" cy="368300"/>
+          </a:xfrm>
+          <a:prstGeom prst="rect">
+            <a:avLst/>
+          </a:prstGeom>
+          <a:noFill/>
+        </p:spPr>
+        <p:txBody>
+          <a:bodyPr wrap="square" rtlCol="0">
+            <a:spAutoFit/>
+          </a:bodyPr>
+          <a:p>
+            <a:r>
+              <a:rPr lang="en-US"/>
+              <a:t>Ứng dụng có dung lượng không quá lớn, tốc độ xử lý nhanh</a:t>
+            </a:r>
+            <a:endParaRPr lang="en-US"/>
+          </a:p>
+        </p:txBody>
+      </p:sp>
+      <p:sp>
+        <p:nvSpPr>
+          <p:cNvPr id="8" name="Text Box 7"/>
+          <p:cNvSpPr txBox="1"/>
+          <p:nvPr/>
+        </p:nvSpPr>
+        <p:spPr>
+          <a:xfrm>
+            <a:off x="3350895" y="3707130"/>
+            <a:ext cx="6357620" cy="368300"/>
+          </a:xfrm>
+          <a:prstGeom prst="rect">
+            <a:avLst/>
+          </a:prstGeom>
+          <a:noFill/>
+        </p:spPr>
+        <p:txBody>
+          <a:bodyPr wrap="square" rtlCol="0">
+            <a:spAutoFit/>
+          </a:bodyPr>
+          <a:p>
+            <a:r>
+              <a:rPr lang="en-US"/>
+              <a:t>Công việc xử lý thực hiện chính xác, không xảy ra sai sót.</a:t>
+            </a:r>
+            <a:endParaRPr lang="en-US"/>
+          </a:p>
+        </p:txBody>
+      </p:sp>
+      <p:sp>
+        <p:nvSpPr>
+          <p:cNvPr id="9" name="Text Box 8"/>
+          <p:cNvSpPr txBox="1"/>
+          <p:nvPr/>
+        </p:nvSpPr>
+        <p:spPr>
+          <a:xfrm>
+            <a:off x="3350895" y="4384675"/>
+            <a:ext cx="5820410" cy="368300"/>
+          </a:xfrm>
+          <a:prstGeom prst="rect">
+            <a:avLst/>
+          </a:prstGeom>
+          <a:noFill/>
+        </p:spPr>
+        <p:txBody>
+          <a:bodyPr wrap="square" rtlCol="0">
+            <a:spAutoFit/>
+          </a:bodyPr>
+          <a:p>
+            <a:r>
+              <a:rPr lang="en-US"/>
+              <a:t>Đảm bảo an toàn dữ liệu của người dùng</a:t>
+            </a:r>
+            <a:endParaRPr lang="en-US"/>
+          </a:p>
+        </p:txBody>
+      </p:sp>
+      <p:sp>
+        <p:nvSpPr>
+          <p:cNvPr id="11" name="Text Box 10"/>
+          <p:cNvSpPr txBox="1"/>
+          <p:nvPr/>
+        </p:nvSpPr>
+        <p:spPr>
+          <a:xfrm>
+            <a:off x="3350895" y="2834640"/>
+            <a:ext cx="4192270" cy="645160"/>
+          </a:xfrm>
+          <a:prstGeom prst="rect">
+            <a:avLst/>
+          </a:prstGeom>
+          <a:noFill/>
+        </p:spPr>
+        <p:txBody>
+          <a:bodyPr wrap="square" rtlCol="0">
+            <a:spAutoFit/>
+          </a:bodyPr>
+          <a:p>
+            <a:r>
+              <a:rPr lang="en-US"/>
+              <a:t>Giao diện dễ sử dụng, không quá khó đối với người lần đầu tiếp xúc.</a:t>
+            </a:r>
+            <a:endParaRPr lang="en-US"/>
+          </a:p>
+        </p:txBody>
+      </p:sp>
+      <p:pic>
+        <p:nvPicPr>
+          <p:cNvPr id="12" name="Content Placeholder 11" descr="fasst"/>
+          <p:cNvPicPr>
+            <a:picLocks noChangeAspect="1"/>
+          </p:cNvPicPr>
+          <p:nvPr>
+            <p:ph sz="half" idx="1"/>
+          </p:nvPr>
+        </p:nvPicPr>
+        <p:blipFill>
+          <a:blip r:embed="rId1"/>
+          <a:stretch>
+            <a:fillRect/>
+          </a:stretch>
+        </p:blipFill>
+        <p:spPr>
+          <a:xfrm>
+            <a:off x="677545" y="1800225"/>
+            <a:ext cx="2438400" cy="1130935"/>
+          </a:xfrm>
+          <a:prstGeom prst="rect">
+            <a:avLst/>
+          </a:prstGeom>
+        </p:spPr>
+      </p:pic>
+      <p:pic>
+        <p:nvPicPr>
+          <p:cNvPr id="13" name="Content Placeholder 12" descr="chínhac"/>
+          <p:cNvPicPr>
+            <a:picLocks noChangeAspect="1"/>
+          </p:cNvPicPr>
+          <p:nvPr>
+            <p:ph sz="half" idx="2"/>
+          </p:nvPr>
+        </p:nvPicPr>
+        <p:blipFill>
+          <a:blip r:embed="rId2"/>
+          <a:stretch>
+            <a:fillRect/>
+          </a:stretch>
+        </p:blipFill>
+        <p:spPr>
+          <a:xfrm>
+            <a:off x="9686925" y="2931160"/>
+            <a:ext cx="2044065" cy="2016125"/>
+          </a:xfrm>
+          <a:prstGeom prst="rect">
+            <a:avLst/>
+          </a:prstGeom>
+        </p:spPr>
+      </p:pic>
+      <p:pic>
+        <p:nvPicPr>
+          <p:cNvPr id="14" name="Picture 13" descr="baomat"/>
+          <p:cNvPicPr>
+            <a:picLocks noChangeAspect="1"/>
+          </p:cNvPicPr>
+          <p:nvPr/>
+        </p:nvPicPr>
+        <p:blipFill>
+          <a:blip r:embed="rId3"/>
+          <a:stretch>
+            <a:fillRect/>
+          </a:stretch>
+        </p:blipFill>
+        <p:spPr>
+          <a:xfrm>
+            <a:off x="964565" y="3630295"/>
+            <a:ext cx="1848485" cy="1892300"/>
+          </a:xfrm>
+          <a:prstGeom prst="rect">
+            <a:avLst/>
+          </a:prstGeom>
+        </p:spPr>
+      </p:pic>
+    </p:spTree>
+  </p:cSld>
+  <p:clrMapOvr>
+    <a:masterClrMapping/>
+  </p:clrMapOvr>
+</p:sld>
+</file>
+
+<file path=ppt/slides/slide8.xml><?xml version="1.0" encoding="utf-8"?>
+<p:sld xmlns:a="http://schemas.openxmlformats.org/drawingml/2006/main" xmlns:r="http://schemas.openxmlformats.org/officeDocument/2006/relationships" xmlns:p="http://schemas.openxmlformats.org/presentationml/2006/main">
+  <p:cSld>
+    <p:spTree>
+      <p:nvGrpSpPr>
+        <p:cNvPr id="1" name=""/>
+        <p:cNvGrpSpPr/>
+        <p:nvPr/>
+      </p:nvGrpSpPr>
+      <p:grpSpPr/>
+      <p:sp>
+        <p:nvSpPr>
+          <p:cNvPr id="2" name="Title 1"/>
+          <p:cNvSpPr>
+            <a:spLocks noGrp="1"/>
+          </p:cNvSpPr>
+          <p:nvPr>
+            <p:ph type="title"/>
+          </p:nvPr>
+        </p:nvSpPr>
+        <p:spPr>
+          <a:xfrm>
+            <a:off x="677545" y="609600"/>
+            <a:ext cx="8597265" cy="827405"/>
+          </a:xfrm>
+        </p:spPr>
+        <p:txBody>
+          <a:bodyPr>
+            <a:normAutofit fontScale="90000"/>
+          </a:bodyPr>
+          <a:p>
+            <a:r>
+              <a:rPr lang="vi-VN" altLang="en-US">
+                <a:solidFill>
+                  <a:srgbClr val="FF0000"/>
+                </a:solidFill>
+                <a:effectLst>
+                  <a:outerShdw blurRad="38100" dist="38100" dir="2700000" algn="tl">
+                    <a:srgbClr val="000000">
+                      <a:alpha val="43137"/>
+                    </a:srgbClr>
+                  </a:outerShdw>
+                </a:effectLst>
+                <a:latin typeface="Times New Roman" panose="02020603050405020304" charset="0"/>
+                <a:cs typeface="Times New Roman" panose="02020603050405020304" charset="0"/>
+                <a:sym typeface="+mn-ea"/>
+              </a:rPr>
+              <a:t>2. PHÂN TÍCH</a:t>
+            </a:r>
+            <a:br>
+              <a:rPr lang="en-US"/>
+            </a:br>
+            <a:endParaRPr lang="en-US"/>
+          </a:p>
+        </p:txBody>
+      </p:sp>
+      <p:sp>
+        <p:nvSpPr>
+          <p:cNvPr id="4" name="Footer Placeholder 3"/>
+          <p:cNvSpPr>
+            <a:spLocks noGrp="1"/>
+          </p:cNvSpPr>
+          <p:nvPr>
+            <p:ph type="ftr" sz="quarter" idx="11"/>
+          </p:nvPr>
+        </p:nvSpPr>
+        <p:spPr/>
+        <p:txBody>
+          <a:bodyPr/>
+          <a:p>
+            <a:r>
+              <a:rPr lang="en-US"/>
+              <a:t>ỨNG DỤNG QUẢN LÝ TÀI CHÍNH CÁ NHÂN CHO SINH VIÊN TRÊN THIẾT BỊ DI ĐỘNG</a:t>
+            </a:r>
+            <a:endParaRPr lang="en-US"/>
+          </a:p>
+        </p:txBody>
+      </p:sp>
+      <p:sp>
+        <p:nvSpPr>
+          <p:cNvPr id="5" name="Slide Number Placeholder 4"/>
+          <p:cNvSpPr>
+            <a:spLocks noGrp="1"/>
+          </p:cNvSpPr>
+          <p:nvPr>
+            <p:ph type="sldNum" sz="quarter" idx="12"/>
+          </p:nvPr>
+        </p:nvSpPr>
+        <p:spPr/>
+        <p:txBody>
+          <a:bodyPr/>
+          <a:p>
+            <a:fld id="{238EE17F-B177-49C4-82EF-15EF1185C18A}" type="slidenum">
+              <a:rPr lang="en-US" smtClean="0"/>
+            </a:fld>
+            <a:endParaRPr lang="en-US"/>
+          </a:p>
+        </p:txBody>
+      </p:sp>
+      <p:sp>
+        <p:nvSpPr>
+          <p:cNvPr id="6" name="Text Box 5"/>
+          <p:cNvSpPr txBox="1"/>
+          <p:nvPr/>
+        </p:nvSpPr>
+        <p:spPr>
+          <a:xfrm>
+            <a:off x="677545" y="1173480"/>
+            <a:ext cx="5273675" cy="460375"/>
+          </a:xfrm>
+          <a:prstGeom prst="rect">
+            <a:avLst/>
+          </a:prstGeom>
+          <a:noFill/>
+        </p:spPr>
+        <p:txBody>
+          <a:bodyPr wrap="square" rtlCol="0">
+            <a:spAutoFit/>
+          </a:bodyPr>
+          <a:p>
+            <a:pPr algn="l"/>
+            <a:r>
+              <a:rPr lang="vi-VN" altLang="en-US" sz="2400">
+                <a:solidFill>
+                  <a:schemeClr val="accent1">
+                    <a:lumMod val="50000"/>
+                  </a:schemeClr>
+                </a:solidFill>
+                <a:effectLst>
+                  <a:outerShdw blurRad="38100" dist="38100" dir="2700000" algn="tl">
+                    <a:srgbClr val="000000">
+                      <a:alpha val="43137"/>
+                    </a:srgbClr>
+                  </a:outerShdw>
+                </a:effectLst>
+                <a:latin typeface="Times New Roman" panose="02020603050405020304" charset="0"/>
+                <a:cs typeface="Times New Roman" panose="02020603050405020304" charset="0"/>
+                <a:sym typeface="+mn-ea"/>
+              </a:rPr>
+              <a:t>2.1 USECASE TỔNG QUÁT</a:t>
+            </a:r>
+            <a:endParaRPr lang="vi-VN" altLang="en-US" sz="2400">
+              <a:solidFill>
+                <a:schemeClr val="accent1">
+                  <a:lumMod val="50000"/>
+                </a:schemeClr>
+              </a:solidFill>
+              <a:effectLst>
+                <a:outerShdw blurRad="38100" dist="38100" dir="2700000" algn="tl">
+                  <a:srgbClr val="000000">
+                    <a:alpha val="43137"/>
+                  </a:srgbClr>
+                </a:outerShdw>
+              </a:effectLst>
+              <a:latin typeface="Times New Roman" panose="02020603050405020304" charset="0"/>
+              <a:cs typeface="Times New Roman" panose="02020603050405020304" charset="0"/>
+              <a:sym typeface="+mn-ea"/>
+            </a:endParaRPr>
+          </a:p>
+        </p:txBody>
+      </p:sp>
+    </p:spTree>
+  </p:cSld>
+  <p:clrMapOvr>
+    <a:masterClrMapping/>
+  </p:clrMapOvr>
+</p:sld>
+</file>
+
+<file path=ppt/slides/slide9.xml><?xml version="1.0" encoding="utf-8"?>
+<p:sld xmlns:a="http://schemas.openxmlformats.org/drawingml/2006/main" xmlns:r="http://schemas.openxmlformats.org/officeDocument/2006/relationships" xmlns:p="http://schemas.openxmlformats.org/presentationml/2006/main">
+  <p:cSld>
+    <p:spTree>
+      <p:nvGrpSpPr>
+        <p:cNvPr id="1" name=""/>
+        <p:cNvGrpSpPr/>
+        <p:nvPr/>
+      </p:nvGrpSpPr>
+      <p:grpSpPr/>
+      <p:sp>
+        <p:nvSpPr>
+          <p:cNvPr id="4" name="Footer Placeholder 3"/>
+          <p:cNvSpPr>
+            <a:spLocks noGrp="1"/>
+          </p:cNvSpPr>
+          <p:nvPr>
+            <p:ph type="ftr" sz="quarter" idx="11"/>
+          </p:nvPr>
+        </p:nvSpPr>
+        <p:spPr/>
+        <p:txBody>
+          <a:bodyPr/>
+          <a:p>
+            <a:r>
+              <a:rPr lang="en-US"/>
+              <a:t>ỨNG DỤNG QUẢN LÝ TÀI CHÍNH CÁ NHÂN CHO SINH VIÊN TRÊN THIẾT BỊ DI ĐỘNG</a:t>
+            </a:r>
+            <a:endParaRPr lang="en-US"/>
+          </a:p>
+        </p:txBody>
+      </p:sp>
+      <p:sp>
+        <p:nvSpPr>
+          <p:cNvPr id="5" name="Slide Number Placeholder 4"/>
+          <p:cNvSpPr>
+            <a:spLocks noGrp="1"/>
+          </p:cNvSpPr>
+          <p:nvPr>
+            <p:ph type="sldNum" sz="quarter" idx="12"/>
+          </p:nvPr>
+        </p:nvSpPr>
+        <p:spPr/>
+        <p:txBody>
+          <a:bodyPr/>
+          <a:p>
+            <a:fld id="{238EE17F-B177-49C4-82EF-15EF1185C18A}" type="slidenum">
+              <a:rPr lang="en-US" smtClean="0"/>
+            </a:fld>
+            <a:endParaRPr lang="en-US"/>
+          </a:p>
+        </p:txBody>
+      </p:sp>
+      <p:pic>
+        <p:nvPicPr>
+          <p:cNvPr id="13" name="Content Placeholder 12"/>
+          <p:cNvPicPr>
+            <a:picLocks noChangeAspect="1"/>
+          </p:cNvPicPr>
+          <p:nvPr>
+            <p:ph idx="1"/>
+          </p:nvPr>
+        </p:nvPicPr>
+        <p:blipFill>
+          <a:blip r:embed="rId1"/>
+          <a:stretch>
+            <a:fillRect/>
+          </a:stretch>
+        </p:blipFill>
+        <p:spPr>
+          <a:xfrm>
+            <a:off x="3430905" y="275590"/>
+            <a:ext cx="5575935" cy="5765800"/>
+          </a:xfrm>
+          <a:prstGeom prst="rect">
+            <a:avLst/>
+          </a:prstGeom>
+        </p:spPr>
+      </p:pic>
+    </p:spTree>
   </p:cSld>
   <p:clrMapOvr>
     <a:masterClrMapping/>
@@ -5940,7 +13297,7 @@
     </a:clrScheme>
     <a:fontScheme name="Facet">
       <a:majorFont>
-        <a:latin typeface="Trebuchet MS" panose="020B0603020202020204"/>
+        <a:latin typeface="Trebuchet MS"/>
         <a:ea typeface=""/>
         <a:cs typeface=""/>
         <a:font script="Jpan" typeface="メイリオ"/>
@@ -5975,7 +13332,7 @@
         <a:font script="Geor" typeface="Sylfaen"/>
       </a:majorFont>
       <a:minorFont>
-        <a:latin typeface="Trebuchet MS" panose="020B0603020202020204"/>
+        <a:latin typeface="Trebuchet MS"/>
         <a:ea typeface=""/>
         <a:cs typeface=""/>
         <a:font script="Jpan" typeface="メイリオ"/>
@@ -6144,11 +13501,527 @@
       </a:bgFillStyleLst>
     </a:fmtScheme>
   </a:themeElements>
-  <a:objectDefaults/>
-  <a:extraClrSchemeLst/>
   <a:extLst>
     <a:ext uri="{05A4C25C-085E-4340-85A3-A5531E510DB2}">
-      <thm15:themeFamily xmlns:thm15="http://schemas.microsoft.com/office/thememl/2012/main" name="Facet" id="{C0C680CD-088A-49FC-A102-D699147F32B2}" vid="{0B5AB586-D108-4FC1-8368-649FE654B894}"/>
+      <thm15:themeFamily xmlns:thm15="http://schemas.microsoft.com/office/thememl/2012/main" name="Office Theme" id="{62F939B6-93AF-4DB8-9C6B-D6C7DFDC589F}" vid="{4A3C46E8-61CC-4603-A589-7422A47A8E4A}"/>
+    </a:ext>
+  </a:extLst>
+</a:theme>
+</file>
+
+<file path=ppt/theme/theme2.xml><?xml version="1.0" encoding="utf-8"?>
+<a:theme xmlns:a="http://schemas.openxmlformats.org/drawingml/2006/main" name="Office Theme">
+  <a:themeElements>
+    <a:clrScheme name="Office">
+      <a:dk1>
+        <a:sysClr val="windowText" lastClr="000000"/>
+      </a:dk1>
+      <a:lt1>
+        <a:sysClr val="window" lastClr="FFFFFF"/>
+      </a:lt1>
+      <a:dk2>
+        <a:srgbClr val="44546A"/>
+      </a:dk2>
+      <a:lt2>
+        <a:srgbClr val="E7E6E6"/>
+      </a:lt2>
+      <a:accent1>
+        <a:srgbClr val="5B9BD5"/>
+      </a:accent1>
+      <a:accent2>
+        <a:srgbClr val="ED7D31"/>
+      </a:accent2>
+      <a:accent3>
+        <a:srgbClr val="A5A5A5"/>
+      </a:accent3>
+      <a:accent4>
+        <a:srgbClr val="FFC000"/>
+      </a:accent4>
+      <a:accent5>
+        <a:srgbClr val="4472C4"/>
+      </a:accent5>
+      <a:accent6>
+        <a:srgbClr val="70AD47"/>
+      </a:accent6>
+      <a:hlink>
+        <a:srgbClr val="0563C1"/>
+      </a:hlink>
+      <a:folHlink>
+        <a:srgbClr val="954F72"/>
+      </a:folHlink>
+    </a:clrScheme>
+    <a:fontScheme name="Office">
+      <a:majorFont>
+        <a:latin typeface="Calibri Light"/>
+        <a:ea typeface=""/>
+        <a:cs typeface=""/>
+        <a:font script="Jpan" typeface="ＭＳ Ｐゴシック"/>
+        <a:font script="Hang" typeface="맑은 고딕"/>
+        <a:font script="Hans" typeface="宋体"/>
+        <a:font script="Hant" typeface="新細明體"/>
+        <a:font script="Arab" typeface="Times New Roman"/>
+        <a:font script="Hebr" typeface="Times New Roman"/>
+        <a:font script="Thai" typeface="Angsana New"/>
+        <a:font script="Ethi" typeface="Nyala"/>
+        <a:font script="Beng" typeface="Vrinda"/>
+        <a:font script="Gujr" typeface="Shruti"/>
+        <a:font script="Khmr" typeface="MoolBoran"/>
+        <a:font script="Knda" typeface="Tunga"/>
+        <a:font script="Guru" typeface="Raavi"/>
+        <a:font script="Cans" typeface="Euphemia"/>
+        <a:font script="Cher" typeface="Plantagenet Cherokee"/>
+        <a:font script="Yiii" typeface="Microsoft Yi Baiti"/>
+        <a:font script="Tibt" typeface="Microsoft Himalaya"/>
+        <a:font script="Thaa" typeface="MV Boli"/>
+        <a:font script="Deva" typeface="Mangal"/>
+        <a:font script="Telu" typeface="Gautami"/>
+        <a:font script="Taml" typeface="Latha"/>
+        <a:font script="Syrc" typeface="Estrangelo Edessa"/>
+        <a:font script="Orya" typeface="Kalinga"/>
+        <a:font script="Mlym" typeface="Kartika"/>
+        <a:font script="Laoo" typeface="DokChampa"/>
+        <a:font script="Sinh" typeface="Iskoola Pota"/>
+        <a:font script="Mong" typeface="Mongolian Baiti"/>
+        <a:font script="Viet" typeface="Times New Roman"/>
+        <a:font script="Uigh" typeface="Microsoft Uighur"/>
+        <a:font script="Geor" typeface="Sylfaen"/>
+      </a:majorFont>
+      <a:minorFont>
+        <a:latin typeface="Calibri"/>
+        <a:ea typeface=""/>
+        <a:cs typeface=""/>
+        <a:font script="Jpan" typeface="ＭＳ Ｐゴシック"/>
+        <a:font script="Hang" typeface="맑은 고딕"/>
+        <a:font script="Hans" typeface="宋体"/>
+        <a:font script="Hant" typeface="新細明體"/>
+        <a:font script="Arab" typeface="Arial"/>
+        <a:font script="Hebr" typeface="Arial"/>
+        <a:font script="Thai" typeface="Cordia New"/>
+        <a:font script="Ethi" typeface="Nyala"/>
+        <a:font script="Beng" typeface="Vrinda"/>
+        <a:font script="Gujr" typeface="Shruti"/>
+        <a:font script="Khmr" typeface="DaunPenh"/>
+        <a:font script="Knda" typeface="Tunga"/>
+        <a:font script="Guru" typeface="Raavi"/>
+        <a:font script="Cans" typeface="Euphemia"/>
+        <a:font script="Cher" typeface="Plantagenet Cherokee"/>
+        <a:font script="Yiii" typeface="Microsoft Yi Baiti"/>
+        <a:font script="Tibt" typeface="Microsoft Himalaya"/>
+        <a:font script="Thaa" typeface="MV Boli"/>
+        <a:font script="Deva" typeface="Mangal"/>
+        <a:font script="Telu" typeface="Gautami"/>
+        <a:font script="Taml" typeface="Latha"/>
+        <a:font script="Syrc" typeface="Estrangelo Edessa"/>
+        <a:font script="Orya" typeface="Kalinga"/>
+        <a:font script="Mlym" typeface="Kartika"/>
+        <a:font script="Laoo" typeface="DokChampa"/>
+        <a:font script="Sinh" typeface="Iskoola Pota"/>
+        <a:font script="Mong" typeface="Mongolian Baiti"/>
+        <a:font script="Viet" typeface="Arial"/>
+        <a:font script="Uigh" typeface="Microsoft Uighur"/>
+        <a:font script="Geor" typeface="Sylfaen"/>
+      </a:minorFont>
+    </a:fontScheme>
+    <a:fmtScheme name="Office">
+      <a:fillStyleLst>
+        <a:solidFill>
+          <a:schemeClr val="phClr"/>
+        </a:solidFill>
+        <a:gradFill rotWithShape="1">
+          <a:gsLst>
+            <a:gs pos="0">
+              <a:schemeClr val="phClr">
+                <a:lumMod val="110000"/>
+                <a:satMod val="105000"/>
+                <a:tint val="67000"/>
+              </a:schemeClr>
+            </a:gs>
+            <a:gs pos="50000">
+              <a:schemeClr val="phClr">
+                <a:lumMod val="105000"/>
+                <a:satMod val="103000"/>
+                <a:tint val="73000"/>
+              </a:schemeClr>
+            </a:gs>
+            <a:gs pos="100000">
+              <a:schemeClr val="phClr">
+                <a:lumMod val="105000"/>
+                <a:satMod val="109000"/>
+                <a:tint val="81000"/>
+              </a:schemeClr>
+            </a:gs>
+          </a:gsLst>
+          <a:lin ang="5400000" scaled="0"/>
+        </a:gradFill>
+        <a:gradFill rotWithShape="1">
+          <a:gsLst>
+            <a:gs pos="0">
+              <a:schemeClr val="phClr">
+                <a:satMod val="103000"/>
+                <a:lumMod val="102000"/>
+                <a:tint val="94000"/>
+              </a:schemeClr>
+            </a:gs>
+            <a:gs pos="50000">
+              <a:schemeClr val="phClr">
+                <a:satMod val="110000"/>
+                <a:lumMod val="100000"/>
+                <a:shade val="100000"/>
+              </a:schemeClr>
+            </a:gs>
+            <a:gs pos="100000">
+              <a:schemeClr val="phClr">
+                <a:lumMod val="99000"/>
+                <a:satMod val="120000"/>
+                <a:shade val="78000"/>
+              </a:schemeClr>
+            </a:gs>
+          </a:gsLst>
+          <a:lin ang="5400000" scaled="0"/>
+        </a:gradFill>
+      </a:fillStyleLst>
+      <a:lnStyleLst>
+        <a:ln w="6350" cap="flat" cmpd="sng" algn="ctr">
+          <a:solidFill>
+            <a:schemeClr val="phClr"/>
+          </a:solidFill>
+          <a:prstDash val="solid"/>
+          <a:miter lim="800000"/>
+        </a:ln>
+        <a:ln w="12700" cap="flat" cmpd="sng" algn="ctr">
+          <a:solidFill>
+            <a:schemeClr val="phClr"/>
+          </a:solidFill>
+          <a:prstDash val="solid"/>
+          <a:miter lim="800000"/>
+        </a:ln>
+        <a:ln w="19050" cap="flat" cmpd="sng" algn="ctr">
+          <a:solidFill>
+            <a:schemeClr val="phClr"/>
+          </a:solidFill>
+          <a:prstDash val="solid"/>
+          <a:miter lim="800000"/>
+        </a:ln>
+      </a:lnStyleLst>
+      <a:effectStyleLst>
+        <a:effectStyle>
+          <a:effectLst/>
+        </a:effectStyle>
+        <a:effectStyle>
+          <a:effectLst/>
+        </a:effectStyle>
+        <a:effectStyle>
+          <a:effectLst>
+            <a:outerShdw blurRad="57150" dist="19050" dir="5400000" algn="ctr" rotWithShape="0">
+              <a:srgbClr val="000000">
+                <a:alpha val="63000"/>
+              </a:srgbClr>
+            </a:outerShdw>
+          </a:effectLst>
+        </a:effectStyle>
+      </a:effectStyleLst>
+      <a:bgFillStyleLst>
+        <a:solidFill>
+          <a:schemeClr val="phClr"/>
+        </a:solidFill>
+        <a:solidFill>
+          <a:schemeClr val="phClr">
+            <a:tint val="95000"/>
+            <a:satMod val="170000"/>
+          </a:schemeClr>
+        </a:solidFill>
+        <a:gradFill rotWithShape="1">
+          <a:gsLst>
+            <a:gs pos="0">
+              <a:schemeClr val="phClr">
+                <a:tint val="93000"/>
+                <a:satMod val="150000"/>
+                <a:shade val="98000"/>
+                <a:lumMod val="102000"/>
+              </a:schemeClr>
+            </a:gs>
+            <a:gs pos="50000">
+              <a:schemeClr val="phClr">
+                <a:tint val="98000"/>
+                <a:satMod val="130000"/>
+                <a:shade val="90000"/>
+                <a:lumMod val="103000"/>
+              </a:schemeClr>
+            </a:gs>
+            <a:gs pos="100000">
+              <a:schemeClr val="phClr">
+                <a:shade val="63000"/>
+                <a:satMod val="120000"/>
+              </a:schemeClr>
+            </a:gs>
+          </a:gsLst>
+          <a:lin ang="5400000" scaled="0"/>
+        </a:gradFill>
+      </a:bgFillStyleLst>
+    </a:fmtScheme>
+  </a:themeElements>
+  <a:extLst>
+    <a:ext uri="{05A4C25C-085E-4340-85A3-A5531E510DB2}">
+      <thm15:themeFamily xmlns:thm15="http://schemas.microsoft.com/office/thememl/2012/main" name="Office Theme" id="{62F939B6-93AF-4DB8-9C6B-D6C7DFDC589F}" vid="{4A3C46E8-61CC-4603-A589-7422A47A8E4A}"/>
+    </a:ext>
+  </a:extLst>
+</a:theme>
+</file>
+
+<file path=ppt/theme/theme3.xml><?xml version="1.0" encoding="utf-8"?>
+<a:theme xmlns:a="http://schemas.openxmlformats.org/drawingml/2006/main" name="Office Theme">
+  <a:themeElements>
+    <a:clrScheme name="Office">
+      <a:dk1>
+        <a:sysClr val="windowText" lastClr="000000"/>
+      </a:dk1>
+      <a:lt1>
+        <a:sysClr val="window" lastClr="FFFFFF"/>
+      </a:lt1>
+      <a:dk2>
+        <a:srgbClr val="44546A"/>
+      </a:dk2>
+      <a:lt2>
+        <a:srgbClr val="E7E6E6"/>
+      </a:lt2>
+      <a:accent1>
+        <a:srgbClr val="5B9BD5"/>
+      </a:accent1>
+      <a:accent2>
+        <a:srgbClr val="ED7D31"/>
+      </a:accent2>
+      <a:accent3>
+        <a:srgbClr val="A5A5A5"/>
+      </a:accent3>
+      <a:accent4>
+        <a:srgbClr val="FFC000"/>
+      </a:accent4>
+      <a:accent5>
+        <a:srgbClr val="4472C4"/>
+      </a:accent5>
+      <a:accent6>
+        <a:srgbClr val="70AD47"/>
+      </a:accent6>
+      <a:hlink>
+        <a:srgbClr val="0563C1"/>
+      </a:hlink>
+      <a:folHlink>
+        <a:srgbClr val="954F72"/>
+      </a:folHlink>
+    </a:clrScheme>
+    <a:fontScheme name="Office">
+      <a:majorFont>
+        <a:latin typeface="Calibri Light"/>
+        <a:ea typeface=""/>
+        <a:cs typeface=""/>
+        <a:font script="Jpan" typeface="ＭＳ Ｐゴシック"/>
+        <a:font script="Hang" typeface="맑은 고딕"/>
+        <a:font script="Hans" typeface="宋体"/>
+        <a:font script="Hant" typeface="新細明體"/>
+        <a:font script="Arab" typeface="Times New Roman"/>
+        <a:font script="Hebr" typeface="Times New Roman"/>
+        <a:font script="Thai" typeface="Angsana New"/>
+        <a:font script="Ethi" typeface="Nyala"/>
+        <a:font script="Beng" typeface="Vrinda"/>
+        <a:font script="Gujr" typeface="Shruti"/>
+        <a:font script="Khmr" typeface="MoolBoran"/>
+        <a:font script="Knda" typeface="Tunga"/>
+        <a:font script="Guru" typeface="Raavi"/>
+        <a:font script="Cans" typeface="Euphemia"/>
+        <a:font script="Cher" typeface="Plantagenet Cherokee"/>
+        <a:font script="Yiii" typeface="Microsoft Yi Baiti"/>
+        <a:font script="Tibt" typeface="Microsoft Himalaya"/>
+        <a:font script="Thaa" typeface="MV Boli"/>
+        <a:font script="Deva" typeface="Mangal"/>
+        <a:font script="Telu" typeface="Gautami"/>
+        <a:font script="Taml" typeface="Latha"/>
+        <a:font script="Syrc" typeface="Estrangelo Edessa"/>
+        <a:font script="Orya" typeface="Kalinga"/>
+        <a:font script="Mlym" typeface="Kartika"/>
+        <a:font script="Laoo" typeface="DokChampa"/>
+        <a:font script="Sinh" typeface="Iskoola Pota"/>
+        <a:font script="Mong" typeface="Mongolian Baiti"/>
+        <a:font script="Viet" typeface="Times New Roman"/>
+        <a:font script="Uigh" typeface="Microsoft Uighur"/>
+        <a:font script="Geor" typeface="Sylfaen"/>
+      </a:majorFont>
+      <a:minorFont>
+        <a:latin typeface="Calibri"/>
+        <a:ea typeface=""/>
+        <a:cs typeface=""/>
+        <a:font script="Jpan" typeface="ＭＳ Ｐゴシック"/>
+        <a:font script="Hang" typeface="맑은 고딕"/>
+        <a:font script="Hans" typeface="宋体"/>
+        <a:font script="Hant" typeface="新細明體"/>
+        <a:font script="Arab" typeface="Arial"/>
+        <a:font script="Hebr" typeface="Arial"/>
+        <a:font script="Thai" typeface="Cordia New"/>
+        <a:font script="Ethi" typeface="Nyala"/>
+        <a:font script="Beng" typeface="Vrinda"/>
+        <a:font script="Gujr" typeface="Shruti"/>
+        <a:font script="Khmr" typeface="DaunPenh"/>
+        <a:font script="Knda" typeface="Tunga"/>
+        <a:font script="Guru" typeface="Raavi"/>
+        <a:font script="Cans" typeface="Euphemia"/>
+        <a:font script="Cher" typeface="Plantagenet Cherokee"/>
+        <a:font script="Yiii" typeface="Microsoft Yi Baiti"/>
+        <a:font script="Tibt" typeface="Microsoft Himalaya"/>
+        <a:font script="Thaa" typeface="MV Boli"/>
+        <a:font script="Deva" typeface="Mangal"/>
+        <a:font script="Telu" typeface="Gautami"/>
+        <a:font script="Taml" typeface="Latha"/>
+        <a:font script="Syrc" typeface="Estrangelo Edessa"/>
+        <a:font script="Orya" typeface="Kalinga"/>
+        <a:font script="Mlym" typeface="Kartika"/>
+        <a:font script="Laoo" typeface="DokChampa"/>
+        <a:font script="Sinh" typeface="Iskoola Pota"/>
+        <a:font script="Mong" typeface="Mongolian Baiti"/>
+        <a:font script="Viet" typeface="Arial"/>
+        <a:font script="Uigh" typeface="Microsoft Uighur"/>
+        <a:font script="Geor" typeface="Sylfaen"/>
+      </a:minorFont>
+    </a:fontScheme>
+    <a:fmtScheme name="Office">
+      <a:fillStyleLst>
+        <a:solidFill>
+          <a:schemeClr val="phClr"/>
+        </a:solidFill>
+        <a:gradFill rotWithShape="1">
+          <a:gsLst>
+            <a:gs pos="0">
+              <a:schemeClr val="phClr">
+                <a:lumMod val="110000"/>
+                <a:satMod val="105000"/>
+                <a:tint val="67000"/>
+              </a:schemeClr>
+            </a:gs>
+            <a:gs pos="50000">
+              <a:schemeClr val="phClr">
+                <a:lumMod val="105000"/>
+                <a:satMod val="103000"/>
+                <a:tint val="73000"/>
+              </a:schemeClr>
+            </a:gs>
+            <a:gs pos="100000">
+              <a:schemeClr val="phClr">
+                <a:lumMod val="105000"/>
+                <a:satMod val="109000"/>
+                <a:tint val="81000"/>
+              </a:schemeClr>
+            </a:gs>
+          </a:gsLst>
+          <a:lin ang="5400000" scaled="0"/>
+        </a:gradFill>
+        <a:gradFill rotWithShape="1">
+          <a:gsLst>
+            <a:gs pos="0">
+              <a:schemeClr val="phClr">
+                <a:satMod val="103000"/>
+                <a:lumMod val="102000"/>
+                <a:tint val="94000"/>
+              </a:schemeClr>
+            </a:gs>
+            <a:gs pos="50000">
+              <a:schemeClr val="phClr">
+                <a:satMod val="110000"/>
+                <a:lumMod val="100000"/>
+                <a:shade val="100000"/>
+              </a:schemeClr>
+            </a:gs>
+            <a:gs pos="100000">
+              <a:schemeClr val="phClr">
+                <a:lumMod val="99000"/>
+                <a:satMod val="120000"/>
+                <a:shade val="78000"/>
+              </a:schemeClr>
+            </a:gs>
+          </a:gsLst>
+          <a:lin ang="5400000" scaled="0"/>
+        </a:gradFill>
+      </a:fillStyleLst>
+      <a:lnStyleLst>
+        <a:ln w="6350" cap="flat" cmpd="sng" algn="ctr">
+          <a:solidFill>
+            <a:schemeClr val="phClr"/>
+          </a:solidFill>
+          <a:prstDash val="solid"/>
+          <a:miter lim="800000"/>
+        </a:ln>
+        <a:ln w="12700" cap="flat" cmpd="sng" algn="ctr">
+          <a:solidFill>
+            <a:schemeClr val="phClr"/>
+          </a:solidFill>
+          <a:prstDash val="solid"/>
+          <a:miter lim="800000"/>
+        </a:ln>
+        <a:ln w="19050" cap="flat" cmpd="sng" algn="ctr">
+          <a:solidFill>
+            <a:schemeClr val="phClr"/>
+          </a:solidFill>
+          <a:prstDash val="solid"/>
+          <a:miter lim="800000"/>
+        </a:ln>
+      </a:lnStyleLst>
+      <a:effectStyleLst>
+        <a:effectStyle>
+          <a:effectLst/>
+        </a:effectStyle>
+        <a:effectStyle>
+          <a:effectLst/>
+        </a:effectStyle>
+        <a:effectStyle>
+          <a:effectLst>
+            <a:outerShdw blurRad="57150" dist="19050" dir="5400000" algn="ctr" rotWithShape="0">
+              <a:srgbClr val="000000">
+                <a:alpha val="63000"/>
+              </a:srgbClr>
+            </a:outerShdw>
+          </a:effectLst>
+        </a:effectStyle>
+      </a:effectStyleLst>
+      <a:bgFillStyleLst>
+        <a:solidFill>
+          <a:schemeClr val="phClr"/>
+        </a:solidFill>
+        <a:solidFill>
+          <a:schemeClr val="phClr">
+            <a:tint val="95000"/>
+            <a:satMod val="170000"/>
+          </a:schemeClr>
+        </a:solidFill>
+        <a:gradFill rotWithShape="1">
+          <a:gsLst>
+            <a:gs pos="0">
+              <a:schemeClr val="phClr">
+                <a:tint val="93000"/>
+                <a:satMod val="150000"/>
+                <a:shade val="98000"/>
+                <a:lumMod val="102000"/>
+              </a:schemeClr>
+            </a:gs>
+            <a:gs pos="50000">
+              <a:schemeClr val="phClr">
+                <a:tint val="98000"/>
+                <a:satMod val="130000"/>
+                <a:shade val="90000"/>
+                <a:lumMod val="103000"/>
+              </a:schemeClr>
+            </a:gs>
+            <a:gs pos="100000">
+              <a:schemeClr val="phClr">
+                <a:shade val="63000"/>
+                <a:satMod val="120000"/>
+              </a:schemeClr>
+            </a:gs>
+          </a:gsLst>
+          <a:lin ang="5400000" scaled="0"/>
+        </a:gradFill>
+      </a:bgFillStyleLst>
+    </a:fmtScheme>
+  </a:themeElements>
+  <a:extLst>
+    <a:ext uri="{05A4C25C-085E-4340-85A3-A5531E510DB2}">
+      <thm15:themeFamily xmlns:thm15="http://schemas.microsoft.com/office/thememl/2012/main" name="Office Theme" id="{62F939B6-93AF-4DB8-9C6B-D6C7DFDC589F}" vid="{4A3C46E8-61CC-4603-A589-7422A47A8E4A}"/>
     </a:ext>
   </a:extLst>
 </a:theme>
